--- a/slide/aj.warodom/powerpoint/09-Web-Deployment.pptx
+++ b/slide/aj.warodom/powerpoint/09-Web-Deployment.pptx
@@ -2,7 +2,7 @@
 <file path=ppt/presentation.xml><?xml version="1.0" encoding="utf-8"?>
 <p:presentation xmlns:a="http://schemas.openxmlformats.org/drawingml/2006/main" xmlns:r="http://schemas.openxmlformats.org/officeDocument/2006/relationships" xmlns:p="http://schemas.openxmlformats.org/presentationml/2006/main" autoCompressPictures="0">
   <p:sldMasterIdLst>
-    <p:sldMasterId id="2147483761" r:id="rId1"/>
+    <p:sldMasterId id="2147483781" r:id="rId1"/>
   </p:sldMasterIdLst>
   <p:notesMasterIdLst>
     <p:notesMasterId r:id="rId21"/>
@@ -28,8 +28,8 @@
     <p:sldId id="275" r:id="rId19"/>
     <p:sldId id="276" r:id="rId20"/>
   </p:sldIdLst>
-  <p:sldSz cx="9144000" cy="6858000" type="screen4x3"/>
-  <p:notesSz cx="6858000" cy="9144000"/>
+  <p:sldSz cx="12192000" cy="6858000"/>
+  <p:notesSz cx="6797675" cy="9926638"/>
   <p:defaultTextStyle>
     <a:defPPr>
       <a:defRPr lang="en-US"/>
@@ -168,7 +168,7 @@
         <p:spPr>
           <a:xfrm>
             <a:off x="0" y="0"/>
-            <a:ext cx="2971800" cy="458788"/>
+            <a:ext cx="2945659" cy="498056"/>
           </a:xfrm>
           <a:prstGeom prst="rect">
             <a:avLst/>
@@ -198,8 +198,8 @@
         </p:nvSpPr>
         <p:spPr>
           <a:xfrm>
-            <a:off x="3884613" y="0"/>
-            <a:ext cx="2971800" cy="458788"/>
+            <a:off x="3850443" y="0"/>
+            <a:ext cx="2945659" cy="498056"/>
           </a:xfrm>
           <a:prstGeom prst="rect">
             <a:avLst/>
@@ -215,7 +215,7 @@
           <a:p>
             <a:fld id="{764D39C1-A66A-40C7-BCC0-0B3B861FC29D}" type="datetimeFigureOut">
               <a:rPr lang="en-US" smtClean="0"/>
-              <a:t>3/21/2019</a:t>
+              <a:t>3/25/2019</a:t>
             </a:fld>
             <a:endParaRPr lang="en-US"/>
           </a:p>
@@ -233,8 +233,8 @@
         </p:nvSpPr>
         <p:spPr>
           <a:xfrm>
-            <a:off x="1371600" y="1143000"/>
-            <a:ext cx="4114800" cy="3086100"/>
+            <a:off x="422275" y="1241425"/>
+            <a:ext cx="5953125" cy="3349625"/>
           </a:xfrm>
           <a:prstGeom prst="rect">
             <a:avLst/>
@@ -266,8 +266,8 @@
         </p:nvSpPr>
         <p:spPr>
           <a:xfrm>
-            <a:off x="685800" y="4400550"/>
-            <a:ext cx="5486400" cy="3600450"/>
+            <a:off x="679768" y="4777194"/>
+            <a:ext cx="5438140" cy="3908614"/>
           </a:xfrm>
           <a:prstGeom prst="rect">
             <a:avLst/>
@@ -279,38 +279,37 @@
           <a:p>
             <a:pPr lvl="0"/>
             <a:r>
-              <a:rPr lang="en-US" smtClean="0"/>
+              <a:rPr lang="en-US"/>
               <a:t>Click to edit Master text styles</a:t>
             </a:r>
           </a:p>
           <a:p>
             <a:pPr lvl="1"/>
             <a:r>
-              <a:rPr lang="en-US" smtClean="0"/>
+              <a:rPr lang="en-US"/>
               <a:t>Second level</a:t>
             </a:r>
           </a:p>
           <a:p>
             <a:pPr lvl="2"/>
             <a:r>
-              <a:rPr lang="en-US" smtClean="0"/>
+              <a:rPr lang="en-US"/>
               <a:t>Third level</a:t>
             </a:r>
           </a:p>
           <a:p>
             <a:pPr lvl="3"/>
             <a:r>
-              <a:rPr lang="en-US" smtClean="0"/>
+              <a:rPr lang="en-US"/>
               <a:t>Fourth level</a:t>
             </a:r>
           </a:p>
           <a:p>
             <a:pPr lvl="4"/>
             <a:r>
-              <a:rPr lang="en-US" smtClean="0"/>
+              <a:rPr lang="en-US"/>
               <a:t>Fifth level</a:t>
             </a:r>
-            <a:endParaRPr lang="en-US"/>
           </a:p>
         </p:txBody>
       </p:sp>
@@ -326,8 +325,8 @@
         </p:nvSpPr>
         <p:spPr>
           <a:xfrm>
-            <a:off x="0" y="8685213"/>
-            <a:ext cx="2971800" cy="458787"/>
+            <a:off x="0" y="9428584"/>
+            <a:ext cx="2945659" cy="498055"/>
           </a:xfrm>
           <a:prstGeom prst="rect">
             <a:avLst/>
@@ -357,8 +356,8 @@
         </p:nvSpPr>
         <p:spPr>
           <a:xfrm>
-            <a:off x="3884613" y="8685213"/>
-            <a:ext cx="2971800" cy="458787"/>
+            <a:off x="3850443" y="9428584"/>
+            <a:ext cx="2945659" cy="498055"/>
           </a:xfrm>
           <a:prstGeom prst="rect">
             <a:avLst/>
@@ -510,7 +509,12 @@
             <p:ph type="sldImg"/>
           </p:nvPr>
         </p:nvSpPr>
-        <p:spPr/>
+        <p:spPr>
+          <a:xfrm>
+            <a:off x="422275" y="1241425"/>
+            <a:ext cx="5953125" cy="3349625"/>
+          </a:xfrm>
+        </p:spPr>
       </p:sp>
       <p:sp>
         <p:nvSpPr>
@@ -596,8 +600,8 @@
         </p:nvSpPr>
         <p:spPr>
           <a:xfrm>
-            <a:off x="1143000" y="685800"/>
-            <a:ext cx="4572000" cy="3429000"/>
+            <a:off x="90488" y="744538"/>
+            <a:ext cx="6616700" cy="3722687"/>
           </a:xfrm>
           <a:custGeom>
             <a:avLst/>
@@ -637,8 +641,8 @@
         </p:nvSpPr>
         <p:spPr>
           <a:xfrm>
-            <a:off x="685800" y="4343400"/>
-            <a:ext cx="5486400" cy="4114800"/>
+            <a:off x="679768" y="4715153"/>
+            <a:ext cx="5438140" cy="4466987"/>
           </a:xfrm>
           <a:prstGeom prst="rect">
             <a:avLst/>
@@ -705,8 +709,8 @@
         </p:nvSpPr>
         <p:spPr>
           <a:xfrm>
-            <a:off x="1143000" y="685800"/>
-            <a:ext cx="4572000" cy="3429000"/>
+            <a:off x="90488" y="744538"/>
+            <a:ext cx="6616700" cy="3722687"/>
           </a:xfrm>
           <a:custGeom>
             <a:avLst/>
@@ -746,8 +750,8 @@
         </p:nvSpPr>
         <p:spPr>
           <a:xfrm>
-            <a:off x="685800" y="4343400"/>
-            <a:ext cx="5486400" cy="4114800"/>
+            <a:off x="679768" y="4715153"/>
+            <a:ext cx="5438140" cy="4466987"/>
           </a:xfrm>
           <a:prstGeom prst="rect">
             <a:avLst/>
@@ -814,8 +818,8 @@
         </p:nvSpPr>
         <p:spPr>
           <a:xfrm>
-            <a:off x="1143000" y="685800"/>
-            <a:ext cx="4572000" cy="3429000"/>
+            <a:off x="90488" y="744538"/>
+            <a:ext cx="6616700" cy="3722687"/>
           </a:xfrm>
           <a:custGeom>
             <a:avLst/>
@@ -855,8 +859,8 @@
         </p:nvSpPr>
         <p:spPr>
           <a:xfrm>
-            <a:off x="685800" y="4343400"/>
-            <a:ext cx="5486400" cy="4114800"/>
+            <a:off x="679768" y="4715153"/>
+            <a:ext cx="5438140" cy="4466987"/>
           </a:xfrm>
           <a:prstGeom prst="rect">
             <a:avLst/>
@@ -923,8 +927,8 @@
         </p:nvSpPr>
         <p:spPr>
           <a:xfrm>
-            <a:off x="1143000" y="685800"/>
-            <a:ext cx="4572000" cy="3429000"/>
+            <a:off x="90488" y="744538"/>
+            <a:ext cx="6616700" cy="3722687"/>
           </a:xfrm>
           <a:custGeom>
             <a:avLst/>
@@ -964,8 +968,8 @@
         </p:nvSpPr>
         <p:spPr>
           <a:xfrm>
-            <a:off x="685800" y="4343400"/>
-            <a:ext cx="5486400" cy="4114800"/>
+            <a:off x="679768" y="4715153"/>
+            <a:ext cx="5438140" cy="4466987"/>
           </a:xfrm>
           <a:prstGeom prst="rect">
             <a:avLst/>
@@ -1032,8 +1036,8 @@
         </p:nvSpPr>
         <p:spPr>
           <a:xfrm>
-            <a:off x="1143000" y="685800"/>
-            <a:ext cx="4572000" cy="3429000"/>
+            <a:off x="90488" y="744538"/>
+            <a:ext cx="6616700" cy="3722687"/>
           </a:xfrm>
           <a:custGeom>
             <a:avLst/>
@@ -1073,8 +1077,8 @@
         </p:nvSpPr>
         <p:spPr>
           <a:xfrm>
-            <a:off x="685800" y="4343400"/>
-            <a:ext cx="5486400" cy="4114800"/>
+            <a:off x="679768" y="4715153"/>
+            <a:ext cx="5438140" cy="4466987"/>
           </a:xfrm>
           <a:prstGeom prst="rect">
             <a:avLst/>
@@ -1141,8 +1145,8 @@
         </p:nvSpPr>
         <p:spPr>
           <a:xfrm>
-            <a:off x="1143000" y="685800"/>
-            <a:ext cx="4572000" cy="3429000"/>
+            <a:off x="90488" y="744538"/>
+            <a:ext cx="6616700" cy="3722687"/>
           </a:xfrm>
           <a:custGeom>
             <a:avLst/>
@@ -1182,8 +1186,8 @@
         </p:nvSpPr>
         <p:spPr>
           <a:xfrm>
-            <a:off x="685800" y="4343400"/>
-            <a:ext cx="5486400" cy="4114800"/>
+            <a:off x="679768" y="4715153"/>
+            <a:ext cx="5438140" cy="4466987"/>
           </a:xfrm>
           <a:prstGeom prst="rect">
             <a:avLst/>
@@ -1250,8 +1254,8 @@
         </p:nvSpPr>
         <p:spPr>
           <a:xfrm>
-            <a:off x="1143000" y="685800"/>
-            <a:ext cx="4572000" cy="3429000"/>
+            <a:off x="90488" y="744538"/>
+            <a:ext cx="6616700" cy="3722687"/>
           </a:xfrm>
           <a:custGeom>
             <a:avLst/>
@@ -1291,8 +1295,8 @@
         </p:nvSpPr>
         <p:spPr>
           <a:xfrm>
-            <a:off x="685800" y="4343400"/>
-            <a:ext cx="5486400" cy="4114800"/>
+            <a:off x="679768" y="4715153"/>
+            <a:ext cx="5438140" cy="4466987"/>
           </a:xfrm>
           <a:prstGeom prst="rect">
             <a:avLst/>
@@ -1359,8 +1363,8 @@
         </p:nvSpPr>
         <p:spPr>
           <a:xfrm>
-            <a:off x="1143000" y="685800"/>
-            <a:ext cx="4572000" cy="3429000"/>
+            <a:off x="90488" y="744538"/>
+            <a:ext cx="6616700" cy="3722687"/>
           </a:xfrm>
           <a:custGeom>
             <a:avLst/>
@@ -1400,8 +1404,8 @@
         </p:nvSpPr>
         <p:spPr>
           <a:xfrm>
-            <a:off x="685800" y="4343400"/>
-            <a:ext cx="5486400" cy="4114800"/>
+            <a:off x="679768" y="4715153"/>
+            <a:ext cx="5438140" cy="4466987"/>
           </a:xfrm>
           <a:prstGeom prst="rect">
             <a:avLst/>
@@ -1468,8 +1472,8 @@
         </p:nvSpPr>
         <p:spPr>
           <a:xfrm>
-            <a:off x="1143000" y="685800"/>
-            <a:ext cx="4572000" cy="3429000"/>
+            <a:off x="90488" y="744538"/>
+            <a:ext cx="6616700" cy="3722687"/>
           </a:xfrm>
           <a:custGeom>
             <a:avLst/>
@@ -1509,8 +1513,8 @@
         </p:nvSpPr>
         <p:spPr>
           <a:xfrm>
-            <a:off x="685800" y="4343400"/>
-            <a:ext cx="5486400" cy="4114800"/>
+            <a:off x="679768" y="4715153"/>
+            <a:ext cx="5438140" cy="4466987"/>
           </a:xfrm>
           <a:prstGeom prst="rect">
             <a:avLst/>
@@ -1577,8 +1581,8 @@
         </p:nvSpPr>
         <p:spPr>
           <a:xfrm>
-            <a:off x="1143000" y="685800"/>
-            <a:ext cx="4572000" cy="3429000"/>
+            <a:off x="90488" y="744538"/>
+            <a:ext cx="6616700" cy="3722687"/>
           </a:xfrm>
           <a:custGeom>
             <a:avLst/>
@@ -1618,8 +1622,8 @@
         </p:nvSpPr>
         <p:spPr>
           <a:xfrm>
-            <a:off x="685800" y="4343400"/>
-            <a:ext cx="5486400" cy="4114800"/>
+            <a:off x="679768" y="4715153"/>
+            <a:ext cx="5438140" cy="4466987"/>
           </a:xfrm>
           <a:prstGeom prst="rect">
             <a:avLst/>
@@ -1686,8 +1690,8 @@
         </p:nvSpPr>
         <p:spPr>
           <a:xfrm>
-            <a:off x="1143000" y="685800"/>
-            <a:ext cx="4572000" cy="3429000"/>
+            <a:off x="90488" y="744538"/>
+            <a:ext cx="6616700" cy="3722687"/>
           </a:xfrm>
           <a:custGeom>
             <a:avLst/>
@@ -1727,8 +1731,8 @@
         </p:nvSpPr>
         <p:spPr>
           <a:xfrm>
-            <a:off x="685800" y="4343400"/>
-            <a:ext cx="5486400" cy="4114800"/>
+            <a:off x="679768" y="4715153"/>
+            <a:ext cx="5438140" cy="4466987"/>
           </a:xfrm>
           <a:prstGeom prst="rect">
             <a:avLst/>
@@ -1795,8 +1799,8 @@
         </p:nvSpPr>
         <p:spPr>
           <a:xfrm>
-            <a:off x="1143000" y="685800"/>
-            <a:ext cx="4572000" cy="3429000"/>
+            <a:off x="90488" y="744538"/>
+            <a:ext cx="6616700" cy="3722687"/>
           </a:xfrm>
           <a:custGeom>
             <a:avLst/>
@@ -1836,8 +1840,8 @@
         </p:nvSpPr>
         <p:spPr>
           <a:xfrm>
-            <a:off x="685800" y="4343400"/>
-            <a:ext cx="5486400" cy="4114800"/>
+            <a:off x="679768" y="4715153"/>
+            <a:ext cx="5438140" cy="4466987"/>
           </a:xfrm>
           <a:prstGeom prst="rect">
             <a:avLst/>
@@ -1904,8 +1908,8 @@
         </p:nvSpPr>
         <p:spPr>
           <a:xfrm>
-            <a:off x="1143000" y="685800"/>
-            <a:ext cx="4572000" cy="3429000"/>
+            <a:off x="90488" y="744538"/>
+            <a:ext cx="6616700" cy="3722687"/>
           </a:xfrm>
           <a:custGeom>
             <a:avLst/>
@@ -1945,8 +1949,8 @@
         </p:nvSpPr>
         <p:spPr>
           <a:xfrm>
-            <a:off x="685800" y="4343400"/>
-            <a:ext cx="5486400" cy="4114800"/>
+            <a:off x="679768" y="4715153"/>
+            <a:ext cx="5438140" cy="4466987"/>
           </a:xfrm>
           <a:prstGeom prst="rect">
             <a:avLst/>
@@ -2013,8 +2017,8 @@
         </p:nvSpPr>
         <p:spPr>
           <a:xfrm>
-            <a:off x="1143000" y="685800"/>
-            <a:ext cx="4572000" cy="3429000"/>
+            <a:off x="90488" y="744538"/>
+            <a:ext cx="6616700" cy="3722687"/>
           </a:xfrm>
           <a:custGeom>
             <a:avLst/>
@@ -2054,8 +2058,8 @@
         </p:nvSpPr>
         <p:spPr>
           <a:xfrm>
-            <a:off x="685800" y="4343400"/>
-            <a:ext cx="5486400" cy="4114800"/>
+            <a:off x="679768" y="4715153"/>
+            <a:ext cx="5438140" cy="4466987"/>
           </a:xfrm>
           <a:prstGeom prst="rect">
             <a:avLst/>
@@ -2122,8 +2126,8 @@
         </p:nvSpPr>
         <p:spPr>
           <a:xfrm>
-            <a:off x="1143000" y="685800"/>
-            <a:ext cx="4572000" cy="3429000"/>
+            <a:off x="90488" y="744538"/>
+            <a:ext cx="6616700" cy="3722687"/>
           </a:xfrm>
           <a:custGeom>
             <a:avLst/>
@@ -2163,8 +2167,8 @@
         </p:nvSpPr>
         <p:spPr>
           <a:xfrm>
-            <a:off x="685800" y="4343400"/>
-            <a:ext cx="5486400" cy="4114800"/>
+            <a:off x="679768" y="4715153"/>
+            <a:ext cx="5438140" cy="4466987"/>
           </a:xfrm>
           <a:prstGeom prst="rect">
             <a:avLst/>
@@ -2235,8 +2239,8 @@
         </p:nvSpPr>
         <p:spPr>
           <a:xfrm>
-            <a:off x="1143000" y="685800"/>
-            <a:ext cx="4572000" cy="3429000"/>
+            <a:off x="90488" y="744538"/>
+            <a:ext cx="6616700" cy="3722687"/>
           </a:xfrm>
           <a:custGeom>
             <a:avLst/>
@@ -2276,8 +2280,8 @@
         </p:nvSpPr>
         <p:spPr>
           <a:xfrm>
-            <a:off x="685800" y="4343400"/>
-            <a:ext cx="5486400" cy="4114800"/>
+            <a:off x="679768" y="4715153"/>
+            <a:ext cx="5438140" cy="4466987"/>
           </a:xfrm>
           <a:prstGeom prst="rect">
             <a:avLst/>
@@ -2344,8 +2348,8 @@
         </p:nvSpPr>
         <p:spPr>
           <a:xfrm>
-            <a:off x="1143000" y="685800"/>
-            <a:ext cx="4572000" cy="3429000"/>
+            <a:off x="90488" y="744538"/>
+            <a:ext cx="6616700" cy="3722687"/>
           </a:xfrm>
           <a:custGeom>
             <a:avLst/>
@@ -2385,8 +2389,8 @@
         </p:nvSpPr>
         <p:spPr>
           <a:xfrm>
-            <a:off x="685800" y="4343400"/>
-            <a:ext cx="5486400" cy="4114800"/>
+            <a:off x="679768" y="4715153"/>
+            <a:ext cx="5438140" cy="4466987"/>
           </a:xfrm>
           <a:prstGeom prst="rect">
             <a:avLst/>
@@ -2453,8 +2457,8 @@
         </p:nvSpPr>
         <p:spPr>
           <a:xfrm>
-            <a:off x="1143000" y="685800"/>
-            <a:ext cx="4572000" cy="3429000"/>
+            <a:off x="90488" y="744538"/>
+            <a:ext cx="6616700" cy="3722687"/>
           </a:xfrm>
           <a:custGeom>
             <a:avLst/>
@@ -2494,8 +2498,8 @@
         </p:nvSpPr>
         <p:spPr>
           <a:xfrm>
-            <a:off x="685800" y="4343400"/>
-            <a:ext cx="5486400" cy="4114800"/>
+            <a:off x="679768" y="4715153"/>
+            <a:ext cx="5438140" cy="4466987"/>
           </a:xfrm>
           <a:prstGeom prst="rect">
             <a:avLst/>
@@ -2535,7 +2539,7 @@
 
 <file path=ppt/slideLayouts/slideLayout1.xml><?xml version="1.0" encoding="utf-8"?>
 <p:sldLayout xmlns:a="http://schemas.openxmlformats.org/drawingml/2006/main" xmlns:r="http://schemas.openxmlformats.org/officeDocument/2006/relationships" xmlns:p="http://schemas.openxmlformats.org/presentationml/2006/main" type="title" preserve="1">
-  <p:cSld name="Title Slide">
+  <p:cSld name="สไลด์ชื่อเรื่อง">
     <p:spTree>
       <p:nvGrpSpPr>
         <p:cNvPr id="1" name=""/>
@@ -2562,8 +2566,8 @@
         </p:nvSpPr>
         <p:spPr>
           <a:xfrm>
-            <a:off x="866442" y="1447801"/>
-            <a:ext cx="6620968" cy="3329581"/>
+            <a:off x="1154955" y="1447800"/>
+            <a:ext cx="8825658" cy="3329581"/>
           </a:xfrm>
         </p:spPr>
         <p:txBody>
@@ -2575,8 +2579,8 @@
           </a:lstStyle>
           <a:p>
             <a:r>
-              <a:rPr lang="en-US" smtClean="0"/>
-              <a:t>Click to edit Master title style</a:t>
+              <a:rPr lang="th-TH"/>
+              <a:t>คลิกเพื่อแก้ไขสไตล์ชื่อเรื่องต้นแบบ</a:t>
             </a:r>
             <a:endParaRPr lang="en-US" dirty="0"/>
           </a:p>
@@ -2594,8 +2598,8 @@
         </p:nvSpPr>
         <p:spPr>
           <a:xfrm>
-            <a:off x="866442" y="4777380"/>
-            <a:ext cx="6620968" cy="861420"/>
+            <a:off x="1154955" y="4777380"/>
+            <a:ext cx="8825658" cy="861420"/>
           </a:xfrm>
         </p:spPr>
         <p:txBody>
@@ -2692,31 +2696,31 @@
           </a:lstStyle>
           <a:p>
             <a:r>
+              <a:rPr lang="th-TH"/>
+              <a:t>คลิกเพื่อแก้ไขสไตล์ชื่อเรื่องรองต้นแบบ</a:t>
+            </a:r>
+            <a:endParaRPr lang="en-US" dirty="0"/>
+          </a:p>
+        </p:txBody>
+      </p:sp>
+      <p:sp>
+        <p:nvSpPr>
+          <p:cNvPr id="4" name="Date Placeholder 3"/>
+          <p:cNvSpPr>
+            <a:spLocks noGrp="1"/>
+          </p:cNvSpPr>
+          <p:nvPr>
+            <p:ph type="dt" sz="half" idx="10"/>
+          </p:nvPr>
+        </p:nvSpPr>
+        <p:spPr/>
+        <p:txBody>
+          <a:bodyPr/>
+          <a:lstStyle/>
+          <a:p>
+            <a:fld id="{FB84A11E-6123-4B90-90B0-AE06315B8D87}" type="datetime1">
               <a:rPr lang="en-US" smtClean="0"/>
-              <a:t>Click to edit Master subtitle style</a:t>
-            </a:r>
-            <a:endParaRPr lang="en-US" dirty="0"/>
-          </a:p>
-        </p:txBody>
-      </p:sp>
-      <p:sp>
-        <p:nvSpPr>
-          <p:cNvPr id="4" name="Date Placeholder 3"/>
-          <p:cNvSpPr>
-            <a:spLocks noGrp="1"/>
-          </p:cNvSpPr>
-          <p:nvPr>
-            <p:ph type="dt" sz="half" idx="10"/>
-          </p:nvPr>
-        </p:nvSpPr>
-        <p:spPr/>
-        <p:txBody>
-          <a:bodyPr/>
-          <a:lstStyle/>
-          <a:p>
-            <a:fld id="{A944C46F-0820-469D-968D-1280C58CFF12}" type="datetime1">
-              <a:rPr lang="en-US" smtClean="0"/>
-              <a:t>3/21/2019</a:t>
+              <a:t>3/25/2019</a:t>
             </a:fld>
             <a:endParaRPr lang="en-US" dirty="0"/>
           </a:p>
@@ -2767,19 +2771,20 @@
     </p:spTree>
     <p:extLst>
       <p:ext uri="{BB962C8B-B14F-4D97-AF65-F5344CB8AC3E}">
-        <p14:creationId xmlns:p14="http://schemas.microsoft.com/office/powerpoint/2010/main" val="747954530"/>
+        <p14:creationId xmlns:p14="http://schemas.microsoft.com/office/powerpoint/2010/main" val="911853540"/>
       </p:ext>
     </p:extLst>
   </p:cSld>
   <p:clrMapOvr>
     <a:masterClrMapping/>
   </p:clrMapOvr>
+  <p:hf hdr="0" ftr="0" dt="0"/>
 </p:sldLayout>
 </file>
 
 <file path=ppt/slideLayouts/slideLayout10.xml><?xml version="1.0" encoding="utf-8"?>
 <p:sldLayout xmlns:a="http://schemas.openxmlformats.org/drawingml/2006/main" xmlns:r="http://schemas.openxmlformats.org/officeDocument/2006/relationships" xmlns:p="http://schemas.openxmlformats.org/presentationml/2006/main" preserve="1">
-  <p:cSld name="Panoramic Picture with Caption">
+  <p:cSld name="รูปภาพพาโนรามาพร้อมคำอธิบายภาพ">
     <p:spTree>
       <p:nvGrpSpPr>
         <p:cNvPr id="1" name=""/>
@@ -2806,8 +2811,8 @@
         </p:nvSpPr>
         <p:spPr>
           <a:xfrm>
-            <a:off x="866443" y="4800587"/>
-            <a:ext cx="6620967" cy="566738"/>
+            <a:off x="1154956" y="4800587"/>
+            <a:ext cx="8825657" cy="566738"/>
           </a:xfrm>
         </p:spPr>
         <p:txBody>
@@ -2821,8 +2826,8 @@
           </a:lstStyle>
           <a:p>
             <a:r>
-              <a:rPr lang="en-US" smtClean="0"/>
-              <a:t>Click to edit Master title style</a:t>
+              <a:rPr lang="th-TH"/>
+              <a:t>คลิกเพื่อแก้ไขสไตล์ชื่อเรื่องต้นแบบ</a:t>
             </a:r>
             <a:endParaRPr lang="en-US" dirty="0"/>
           </a:p>
@@ -2840,8 +2845,8 @@
         </p:nvSpPr>
         <p:spPr>
           <a:xfrm>
-            <a:off x="866442" y="685800"/>
-            <a:ext cx="6620968" cy="3640666"/>
+            <a:off x="1154955" y="685800"/>
+            <a:ext cx="8825658" cy="3640666"/>
           </a:xfrm>
           <a:prstGeom prst="roundRect">
             <a:avLst>
@@ -2900,8 +2905,8 @@
           </a:lstStyle>
           <a:p>
             <a:r>
-              <a:rPr lang="en-US" smtClean="0"/>
-              <a:t>Click icon to add picture</a:t>
+              <a:rPr lang="th-TH"/>
+              <a:t>คลิกไอคอนเพื่อเพิ่มรูปภาพ</a:t>
             </a:r>
             <a:endParaRPr lang="en-US" dirty="0"/>
           </a:p>
@@ -2919,8 +2924,8 @@
         </p:nvSpPr>
         <p:spPr>
           <a:xfrm>
-            <a:off x="866443" y="5367325"/>
-            <a:ext cx="6620966" cy="493712"/>
+            <a:off x="1154956" y="5367325"/>
+            <a:ext cx="8825656" cy="493712"/>
           </a:xfrm>
         </p:spPr>
         <p:txBody>
@@ -2968,30 +2973,30 @@
           <a:p>
             <a:pPr lvl="0"/>
             <a:r>
+              <a:rPr lang="th-TH"/>
+              <a:t>คลิกเพื่อแก้ไขสไตล์ของข้อความต้นแบบ</a:t>
+            </a:r>
+          </a:p>
+        </p:txBody>
+      </p:sp>
+      <p:sp>
+        <p:nvSpPr>
+          <p:cNvPr id="5" name="Date Placeholder 4"/>
+          <p:cNvSpPr>
+            <a:spLocks noGrp="1"/>
+          </p:cNvSpPr>
+          <p:nvPr>
+            <p:ph type="dt" sz="half" idx="10"/>
+          </p:nvPr>
+        </p:nvSpPr>
+        <p:spPr/>
+        <p:txBody>
+          <a:bodyPr/>
+          <a:lstStyle/>
+          <a:p>
+            <a:fld id="{FB84A11E-6123-4B90-90B0-AE06315B8D87}" type="datetime1">
               <a:rPr lang="en-US" smtClean="0"/>
-              <a:t>Click to edit Master text styles</a:t>
-            </a:r>
-          </a:p>
-        </p:txBody>
-      </p:sp>
-      <p:sp>
-        <p:nvSpPr>
-          <p:cNvPr id="5" name="Date Placeholder 4"/>
-          <p:cNvSpPr>
-            <a:spLocks noGrp="1"/>
-          </p:cNvSpPr>
-          <p:nvPr>
-            <p:ph type="dt" sz="half" idx="10"/>
-          </p:nvPr>
-        </p:nvSpPr>
-        <p:spPr/>
-        <p:txBody>
-          <a:bodyPr/>
-          <a:lstStyle/>
-          <a:p>
-            <a:fld id="{CE54D0A7-E5C7-4C9A-9A27-696BD52F23BA}" type="datetime1">
-              <a:rPr lang="en-US" smtClean="0"/>
-              <a:t>3/21/2019</a:t>
+              <a:t>3/25/2019</a:t>
             </a:fld>
             <a:endParaRPr lang="en-US" dirty="0"/>
           </a:p>
@@ -3042,19 +3047,20 @@
     </p:spTree>
     <p:extLst>
       <p:ext uri="{BB962C8B-B14F-4D97-AF65-F5344CB8AC3E}">
-        <p14:creationId xmlns:p14="http://schemas.microsoft.com/office/powerpoint/2010/main" val="3656660450"/>
+        <p14:creationId xmlns:p14="http://schemas.microsoft.com/office/powerpoint/2010/main" val="2082662820"/>
       </p:ext>
     </p:extLst>
   </p:cSld>
   <p:clrMapOvr>
     <a:masterClrMapping/>
   </p:clrMapOvr>
+  <p:hf hdr="0" ftr="0" dt="0"/>
 </p:sldLayout>
 </file>
 
 <file path=ppt/slideLayouts/slideLayout11.xml><?xml version="1.0" encoding="utf-8"?>
 <p:sldLayout xmlns:a="http://schemas.openxmlformats.org/drawingml/2006/main" xmlns:r="http://schemas.openxmlformats.org/officeDocument/2006/relationships" xmlns:p="http://schemas.openxmlformats.org/presentationml/2006/main" preserve="1">
-  <p:cSld name="Title and Caption">
+  <p:cSld name="ชื่อและคำอธิบาย">
     <p:spTree>
       <p:nvGrpSpPr>
         <p:cNvPr id="1" name=""/>
@@ -3081,8 +3087,8 @@
         </p:nvSpPr>
         <p:spPr>
           <a:xfrm>
-            <a:off x="866442" y="1447800"/>
-            <a:ext cx="6620968" cy="1981200"/>
+            <a:off x="1154954" y="1447800"/>
+            <a:ext cx="8825659" cy="1981200"/>
           </a:xfrm>
         </p:spPr>
         <p:txBody>
@@ -3094,8 +3100,8 @@
           </a:lstStyle>
           <a:p>
             <a:r>
-              <a:rPr lang="en-US" smtClean="0"/>
-              <a:t>Click to edit Master title style</a:t>
+              <a:rPr lang="th-TH"/>
+              <a:t>คลิกเพื่อแก้ไขสไตล์ชื่อเรื่องต้นแบบ</a:t>
             </a:r>
             <a:endParaRPr lang="en-US" dirty="0"/>
           </a:p>
@@ -3113,8 +3119,8 @@
         </p:nvSpPr>
         <p:spPr>
           <a:xfrm>
-            <a:off x="866442" y="3657600"/>
-            <a:ext cx="6620968" cy="2362200"/>
+            <a:off x="1154954" y="3657600"/>
+            <a:ext cx="8825659" cy="2362200"/>
           </a:xfrm>
         </p:spPr>
         <p:txBody>
@@ -3162,30 +3168,30 @@
           <a:p>
             <a:pPr lvl="0"/>
             <a:r>
+              <a:rPr lang="th-TH"/>
+              <a:t>คลิกเพื่อแก้ไขสไตล์ของข้อความต้นแบบ</a:t>
+            </a:r>
+          </a:p>
+        </p:txBody>
+      </p:sp>
+      <p:sp>
+        <p:nvSpPr>
+          <p:cNvPr id="4" name="Date Placeholder 3"/>
+          <p:cNvSpPr>
+            <a:spLocks noGrp="1"/>
+          </p:cNvSpPr>
+          <p:nvPr>
+            <p:ph type="dt" sz="half" idx="10"/>
+          </p:nvPr>
+        </p:nvSpPr>
+        <p:spPr/>
+        <p:txBody>
+          <a:bodyPr/>
+          <a:lstStyle/>
+          <a:p>
+            <a:fld id="{FB84A11E-6123-4B90-90B0-AE06315B8D87}" type="datetime1">
               <a:rPr lang="en-US" smtClean="0"/>
-              <a:t>Click to edit Master text styles</a:t>
-            </a:r>
-          </a:p>
-        </p:txBody>
-      </p:sp>
-      <p:sp>
-        <p:nvSpPr>
-          <p:cNvPr id="4" name="Date Placeholder 3"/>
-          <p:cNvSpPr>
-            <a:spLocks noGrp="1"/>
-          </p:cNvSpPr>
-          <p:nvPr>
-            <p:ph type="dt" sz="half" idx="10"/>
-          </p:nvPr>
-        </p:nvSpPr>
-        <p:spPr/>
-        <p:txBody>
-          <a:bodyPr/>
-          <a:lstStyle/>
-          <a:p>
-            <a:fld id="{17D47D3F-5CF9-45F9-A482-D3DC2D86A0DB}" type="datetime1">
-              <a:rPr lang="en-US" smtClean="0"/>
-              <a:t>3/21/2019</a:t>
+              <a:t>3/25/2019</a:t>
             </a:fld>
             <a:endParaRPr lang="en-US" dirty="0"/>
           </a:p>
@@ -3236,19 +3242,20 @@
     </p:spTree>
     <p:extLst>
       <p:ext uri="{BB962C8B-B14F-4D97-AF65-F5344CB8AC3E}">
-        <p14:creationId xmlns:p14="http://schemas.microsoft.com/office/powerpoint/2010/main" val="283789480"/>
+        <p14:creationId xmlns:p14="http://schemas.microsoft.com/office/powerpoint/2010/main" val="4223203059"/>
       </p:ext>
     </p:extLst>
   </p:cSld>
   <p:clrMapOvr>
     <a:masterClrMapping/>
   </p:clrMapOvr>
+  <p:hf hdr="0" ftr="0" dt="0"/>
 </p:sldLayout>
 </file>
 
 <file path=ppt/slideLayouts/slideLayout12.xml><?xml version="1.0" encoding="utf-8"?>
 <p:sldLayout xmlns:a="http://schemas.openxmlformats.org/drawingml/2006/main" xmlns:r="http://schemas.openxmlformats.org/officeDocument/2006/relationships" xmlns:p="http://schemas.openxmlformats.org/presentationml/2006/main" preserve="1">
-  <p:cSld name="Quote with Caption">
+  <p:cSld name="คำอ้างอิงพร้อมคำอธิบาย">
     <p:spTree>
       <p:nvGrpSpPr>
         <p:cNvPr id="1" name=""/>
@@ -3275,8 +3282,8 @@
         </p:nvSpPr>
         <p:spPr>
           <a:xfrm>
-            <a:off x="1181409" y="1447800"/>
-            <a:ext cx="6001049" cy="2317649"/>
+            <a:off x="1574801" y="1447800"/>
+            <a:ext cx="7999315" cy="2323374"/>
           </a:xfrm>
         </p:spPr>
         <p:txBody>
@@ -3288,8 +3295,8 @@
           </a:lstStyle>
           <a:p>
             <a:r>
-              <a:rPr lang="en-US" smtClean="0"/>
-              <a:t>Click to edit Master title style</a:t>
+              <a:rPr lang="th-TH"/>
+              <a:t>คลิกเพื่อแก้ไขสไตล์ชื่อเรื่องต้นแบบ</a:t>
             </a:r>
             <a:endParaRPr lang="en-US" dirty="0"/>
           </a:p>
@@ -3307,8 +3314,8 @@
         </p:nvSpPr>
         <p:spPr>
           <a:xfrm>
-            <a:off x="1454530" y="3765449"/>
-            <a:ext cx="5449871" cy="342174"/>
+            <a:off x="1930400" y="3771174"/>
+            <a:ext cx="7279649" cy="342174"/>
           </a:xfrm>
         </p:spPr>
         <p:txBody>
@@ -3363,8 +3370,8 @@
           <a:p>
             <a:pPr lvl="0"/>
             <a:r>
-              <a:rPr lang="en-US" smtClean="0"/>
-              <a:t>Click to edit Master text styles</a:t>
+              <a:rPr lang="th-TH"/>
+              <a:t>คลิกเพื่อแก้ไขสไตล์ของข้อความต้นแบบ</a:t>
             </a:r>
           </a:p>
         </p:txBody>
@@ -3381,8 +3388,8 @@
         </p:nvSpPr>
         <p:spPr>
           <a:xfrm>
-            <a:off x="866442" y="4350657"/>
-            <a:ext cx="6620968" cy="1676400"/>
+            <a:off x="1154954" y="4350657"/>
+            <a:ext cx="8825659" cy="1676400"/>
           </a:xfrm>
         </p:spPr>
         <p:txBody>
@@ -3430,30 +3437,30 @@
           <a:p>
             <a:pPr lvl="0"/>
             <a:r>
+              <a:rPr lang="th-TH"/>
+              <a:t>คลิกเพื่อแก้ไขสไตล์ของข้อความต้นแบบ</a:t>
+            </a:r>
+          </a:p>
+        </p:txBody>
+      </p:sp>
+      <p:sp>
+        <p:nvSpPr>
+          <p:cNvPr id="4" name="Date Placeholder 3"/>
+          <p:cNvSpPr>
+            <a:spLocks noGrp="1"/>
+          </p:cNvSpPr>
+          <p:nvPr>
+            <p:ph type="dt" sz="half" idx="10"/>
+          </p:nvPr>
+        </p:nvSpPr>
+        <p:spPr/>
+        <p:txBody>
+          <a:bodyPr/>
+          <a:lstStyle/>
+          <a:p>
+            <a:fld id="{FB84A11E-6123-4B90-90B0-AE06315B8D87}" type="datetime1">
               <a:rPr lang="en-US" smtClean="0"/>
-              <a:t>Click to edit Master text styles</a:t>
-            </a:r>
-          </a:p>
-        </p:txBody>
-      </p:sp>
-      <p:sp>
-        <p:nvSpPr>
-          <p:cNvPr id="4" name="Date Placeholder 3"/>
-          <p:cNvSpPr>
-            <a:spLocks noGrp="1"/>
-          </p:cNvSpPr>
-          <p:nvPr>
-            <p:ph type="dt" sz="half" idx="10"/>
-          </p:nvPr>
-        </p:nvSpPr>
-        <p:spPr/>
-        <p:txBody>
-          <a:bodyPr/>
-          <a:lstStyle/>
-          <a:p>
-            <a:fld id="{20371C64-1AC4-4A16-9F7D-43EEAD5A0D68}" type="datetime1">
-              <a:rPr lang="en-US" smtClean="0"/>
-              <a:t>3/21/2019</a:t>
+              <a:t>3/25/2019</a:t>
             </a:fld>
             <a:endParaRPr lang="en-US" dirty="0"/>
           </a:p>
@@ -3509,8 +3516,8 @@
         </p:nvSpPr>
         <p:spPr>
           <a:xfrm>
-            <a:off x="673897" y="971253"/>
-            <a:ext cx="601591" cy="1969770"/>
+            <a:off x="898295" y="971253"/>
+            <a:ext cx="801912" cy="1969770"/>
           </a:xfrm>
           <a:prstGeom prst="rect">
             <a:avLst/>
@@ -3539,7 +3546,7 @@
           <a:p>
             <a:pPr lvl="0"/>
             <a:r>
-              <a:rPr lang="en-US" sz="12200" dirty="0"/>
+              <a:rPr lang="en-US" dirty="0"/>
               <a:t>“</a:t>
             </a:r>
           </a:p>
@@ -3553,8 +3560,8 @@
         </p:nvSpPr>
         <p:spPr>
           <a:xfrm>
-            <a:off x="6999690" y="2613787"/>
-            <a:ext cx="601591" cy="1969770"/>
+            <a:off x="9330490" y="2613787"/>
+            <a:ext cx="801912" cy="1969770"/>
           </a:xfrm>
           <a:prstGeom prst="rect">
             <a:avLst/>
@@ -3583,7 +3590,7 @@
           <a:p>
             <a:pPr lvl="0"/>
             <a:r>
-              <a:rPr lang="en-US" sz="12200" dirty="0"/>
+              <a:rPr lang="en-US" dirty="0"/>
               <a:t>”</a:t>
             </a:r>
           </a:p>
@@ -3592,19 +3599,20 @@
     </p:spTree>
     <p:extLst>
       <p:ext uri="{BB962C8B-B14F-4D97-AF65-F5344CB8AC3E}">
-        <p14:creationId xmlns:p14="http://schemas.microsoft.com/office/powerpoint/2010/main" val="1114404646"/>
+        <p14:creationId xmlns:p14="http://schemas.microsoft.com/office/powerpoint/2010/main" val="1154828815"/>
       </p:ext>
     </p:extLst>
   </p:cSld>
   <p:clrMapOvr>
     <a:masterClrMapping/>
   </p:clrMapOvr>
+  <p:hf hdr="0" ftr="0" dt="0"/>
 </p:sldLayout>
 </file>
 
 <file path=ppt/slideLayouts/slideLayout13.xml><?xml version="1.0" encoding="utf-8"?>
 <p:sldLayout xmlns:a="http://schemas.openxmlformats.org/drawingml/2006/main" xmlns:r="http://schemas.openxmlformats.org/officeDocument/2006/relationships" xmlns:p="http://schemas.openxmlformats.org/presentationml/2006/main" preserve="1">
-  <p:cSld name="Name Card">
+  <p:cSld name="นามบัตร">
     <p:spTree>
       <p:nvGrpSpPr>
         <p:cNvPr id="1" name=""/>
@@ -3631,8 +3639,8 @@
         </p:nvSpPr>
         <p:spPr>
           <a:xfrm>
-            <a:off x="866441" y="3124201"/>
-            <a:ext cx="6620969" cy="1653180"/>
+            <a:off x="1154954" y="3124201"/>
+            <a:ext cx="8825660" cy="1653180"/>
           </a:xfrm>
         </p:spPr>
         <p:txBody>
@@ -3644,8 +3652,8 @@
           </a:lstStyle>
           <a:p>
             <a:r>
-              <a:rPr lang="en-US" smtClean="0"/>
-              <a:t>Click to edit Master title style</a:t>
+              <a:rPr lang="th-TH"/>
+              <a:t>คลิกเพื่อแก้ไขสไตล์ชื่อเรื่องต้นแบบ</a:t>
             </a:r>
             <a:endParaRPr lang="en-US" dirty="0"/>
           </a:p>
@@ -3663,8 +3671,8 @@
         </p:nvSpPr>
         <p:spPr>
           <a:xfrm>
-            <a:off x="866442" y="4777381"/>
-            <a:ext cx="6620968" cy="860400"/>
+            <a:off x="1154954" y="4777381"/>
+            <a:ext cx="8825659" cy="860400"/>
           </a:xfrm>
         </p:spPr>
         <p:txBody>
@@ -3762,30 +3770,30 @@
           <a:p>
             <a:pPr lvl="0"/>
             <a:r>
+              <a:rPr lang="th-TH"/>
+              <a:t>คลิกเพื่อแก้ไขสไตล์ของข้อความต้นแบบ</a:t>
+            </a:r>
+          </a:p>
+        </p:txBody>
+      </p:sp>
+      <p:sp>
+        <p:nvSpPr>
+          <p:cNvPr id="4" name="Date Placeholder 3"/>
+          <p:cNvSpPr>
+            <a:spLocks noGrp="1"/>
+          </p:cNvSpPr>
+          <p:nvPr>
+            <p:ph type="dt" sz="half" idx="10"/>
+          </p:nvPr>
+        </p:nvSpPr>
+        <p:spPr/>
+        <p:txBody>
+          <a:bodyPr/>
+          <a:lstStyle/>
+          <a:p>
+            <a:fld id="{FB84A11E-6123-4B90-90B0-AE06315B8D87}" type="datetime1">
               <a:rPr lang="en-US" smtClean="0"/>
-              <a:t>Click to edit Master text styles</a:t>
-            </a:r>
-          </a:p>
-        </p:txBody>
-      </p:sp>
-      <p:sp>
-        <p:nvSpPr>
-          <p:cNvPr id="4" name="Date Placeholder 3"/>
-          <p:cNvSpPr>
-            <a:spLocks noGrp="1"/>
-          </p:cNvSpPr>
-          <p:nvPr>
-            <p:ph type="dt" sz="half" idx="10"/>
-          </p:nvPr>
-        </p:nvSpPr>
-        <p:spPr/>
-        <p:txBody>
-          <a:bodyPr/>
-          <a:lstStyle/>
-          <a:p>
-            <a:fld id="{FA785073-5F31-4D42-870F-F265DC0C033C}" type="datetime1">
-              <a:rPr lang="en-US" smtClean="0"/>
-              <a:t>3/21/2019</a:t>
+              <a:t>3/25/2019</a:t>
             </a:fld>
             <a:endParaRPr lang="en-US" dirty="0"/>
           </a:p>
@@ -3836,19 +3844,20 @@
     </p:spTree>
     <p:extLst>
       <p:ext uri="{BB962C8B-B14F-4D97-AF65-F5344CB8AC3E}">
-        <p14:creationId xmlns:p14="http://schemas.microsoft.com/office/powerpoint/2010/main" val="461610506"/>
+        <p14:creationId xmlns:p14="http://schemas.microsoft.com/office/powerpoint/2010/main" val="647830519"/>
       </p:ext>
     </p:extLst>
   </p:cSld>
   <p:clrMapOvr>
     <a:masterClrMapping/>
   </p:clrMapOvr>
+  <p:hf hdr="0" ftr="0" dt="0"/>
 </p:sldLayout>
 </file>
 
 <file path=ppt/slideLayouts/slideLayout14.xml><?xml version="1.0" encoding="utf-8"?>
 <p:sldLayout xmlns:a="http://schemas.openxmlformats.org/drawingml/2006/main" xmlns:r="http://schemas.openxmlformats.org/officeDocument/2006/relationships" xmlns:p="http://schemas.openxmlformats.org/presentationml/2006/main" preserve="1">
-  <p:cSld name="3 Column">
+  <p:cSld name="3 คอลัมน์">
     <p:spTree>
       <p:nvGrpSpPr>
         <p:cNvPr id="1" name=""/>
@@ -3883,8 +3892,8 @@
           </a:lstStyle>
           <a:p>
             <a:r>
-              <a:rPr lang="en-US" smtClean="0"/>
-              <a:t>Click to edit Master title style</a:t>
+              <a:rPr lang="th-TH"/>
+              <a:t>คลิกเพื่อแก้ไขสไตล์ชื่อเรื่องต้นแบบ</a:t>
             </a:r>
             <a:endParaRPr lang="en-US" dirty="0"/>
           </a:p>
@@ -3902,8 +3911,8 @@
         </p:nvSpPr>
         <p:spPr>
           <a:xfrm>
-            <a:off x="474834" y="1981200"/>
-            <a:ext cx="2210725" cy="576262"/>
+            <a:off x="632947" y="1981200"/>
+            <a:ext cx="2946866" cy="576262"/>
           </a:xfrm>
         </p:spPr>
         <p:txBody>
@@ -3955,8 +3964,8 @@
           <a:p>
             <a:pPr lvl="0"/>
             <a:r>
-              <a:rPr lang="en-US" smtClean="0"/>
-              <a:t>Click to edit Master text styles</a:t>
+              <a:rPr lang="th-TH"/>
+              <a:t>คลิกเพื่อแก้ไขสไตล์ของข้อความต้นแบบ</a:t>
             </a:r>
           </a:p>
         </p:txBody>
@@ -3973,8 +3982,8 @@
         </p:nvSpPr>
         <p:spPr>
           <a:xfrm>
-            <a:off x="489475" y="2667000"/>
-            <a:ext cx="2196084" cy="3589338"/>
+            <a:off x="652463" y="2667000"/>
+            <a:ext cx="2927350" cy="3589338"/>
           </a:xfrm>
         </p:spPr>
         <p:txBody>
@@ -4022,8 +4031,8 @@
           <a:p>
             <a:pPr lvl="0"/>
             <a:r>
-              <a:rPr lang="en-US" smtClean="0"/>
-              <a:t>Click to edit Master text styles</a:t>
+              <a:rPr lang="th-TH"/>
+              <a:t>คลิกเพื่อแก้ไขสไตล์ของข้อความต้นแบบ</a:t>
             </a:r>
           </a:p>
         </p:txBody>
@@ -4040,8 +4049,8 @@
         </p:nvSpPr>
         <p:spPr>
           <a:xfrm>
-            <a:off x="2913504" y="1981200"/>
-            <a:ext cx="2202754" cy="576262"/>
+            <a:off x="3883659" y="1981200"/>
+            <a:ext cx="2936241" cy="576262"/>
           </a:xfrm>
         </p:spPr>
         <p:txBody>
@@ -4093,8 +4102,8 @@
           <a:p>
             <a:pPr lvl="0"/>
             <a:r>
-              <a:rPr lang="en-US" smtClean="0"/>
-              <a:t>Click to edit Master text styles</a:t>
+              <a:rPr lang="th-TH"/>
+              <a:t>คลิกเพื่อแก้ไขสไตล์ของข้อความต้นแบบ</a:t>
             </a:r>
           </a:p>
         </p:txBody>
@@ -4111,8 +4120,8 @@
         </p:nvSpPr>
         <p:spPr>
           <a:xfrm>
-            <a:off x="2905586" y="2667000"/>
-            <a:ext cx="2210671" cy="3589338"/>
+            <a:off x="3873106" y="2667000"/>
+            <a:ext cx="2946794" cy="3589338"/>
           </a:xfrm>
         </p:spPr>
         <p:txBody>
@@ -4160,8 +4169,8 @@
           <a:p>
             <a:pPr lvl="0"/>
             <a:r>
-              <a:rPr lang="en-US" smtClean="0"/>
-              <a:t>Click to edit Master text styles</a:t>
+              <a:rPr lang="th-TH"/>
+              <a:t>คลิกเพื่อแก้ไขสไตล์ของข้อความต้นแบบ</a:t>
             </a:r>
           </a:p>
         </p:txBody>
@@ -4178,8 +4187,8 @@
         </p:nvSpPr>
         <p:spPr>
           <a:xfrm>
-            <a:off x="5344917" y="1981200"/>
-            <a:ext cx="2199658" cy="576262"/>
+            <a:off x="7124700" y="1981200"/>
+            <a:ext cx="2932113" cy="576262"/>
           </a:xfrm>
         </p:spPr>
         <p:txBody>
@@ -4231,8 +4240,8 @@
           <a:p>
             <a:pPr lvl="0"/>
             <a:r>
-              <a:rPr lang="en-US" smtClean="0"/>
-              <a:t>Click to edit Master text styles</a:t>
+              <a:rPr lang="th-TH"/>
+              <a:t>คลิกเพื่อแก้ไขสไตล์ของข้อความต้นแบบ</a:t>
             </a:r>
           </a:p>
         </p:txBody>
@@ -4249,8 +4258,8 @@
         </p:nvSpPr>
         <p:spPr>
           <a:xfrm>
-            <a:off x="5344917" y="2667000"/>
-            <a:ext cx="2199658" cy="3589338"/>
+            <a:off x="7124700" y="2667000"/>
+            <a:ext cx="2932113" cy="3589338"/>
           </a:xfrm>
         </p:spPr>
         <p:txBody>
@@ -4298,8 +4307,8 @@
           <a:p>
             <a:pPr lvl="0"/>
             <a:r>
-              <a:rPr lang="en-US" smtClean="0"/>
-              <a:t>Click to edit Master text styles</a:t>
+              <a:rPr lang="th-TH"/>
+              <a:t>คลิกเพื่อแก้ไขสไตล์ของข้อความต้นแบบ</a:t>
             </a:r>
           </a:p>
         </p:txBody>
@@ -4312,7 +4321,7 @@
         </p:nvCxnSpPr>
         <p:spPr>
           <a:xfrm>
-            <a:off x="2795334" y="2133600"/>
+            <a:off x="3726142" y="2133600"/>
             <a:ext cx="0" cy="3962400"/>
           </a:xfrm>
           <a:prstGeom prst="line">
@@ -4349,7 +4358,7 @@
         </p:nvCxnSpPr>
         <p:spPr>
           <a:xfrm>
-            <a:off x="5223030" y="2133600"/>
+            <a:off x="6962227" y="2133600"/>
             <a:ext cx="0" cy="3966882"/>
           </a:xfrm>
           <a:prstGeom prst="line">
@@ -4393,9 +4402,9 @@
           <a:bodyPr/>
           <a:lstStyle/>
           <a:p>
-            <a:fld id="{698FB7C0-1426-446F-B778-1E58BC270309}" type="datetime1">
+            <a:fld id="{FB84A11E-6123-4B90-90B0-AE06315B8D87}" type="datetime1">
               <a:rPr lang="en-US" smtClean="0"/>
-              <a:t>3/21/2019</a:t>
+              <a:t>3/25/2019</a:t>
             </a:fld>
             <a:endParaRPr lang="en-US" dirty="0"/>
           </a:p>
@@ -4446,19 +4455,20 @@
     </p:spTree>
     <p:extLst>
       <p:ext uri="{BB962C8B-B14F-4D97-AF65-F5344CB8AC3E}">
-        <p14:creationId xmlns:p14="http://schemas.microsoft.com/office/powerpoint/2010/main" val="4148211282"/>
+        <p14:creationId xmlns:p14="http://schemas.microsoft.com/office/powerpoint/2010/main" val="2030815820"/>
       </p:ext>
     </p:extLst>
   </p:cSld>
   <p:clrMapOvr>
     <a:masterClrMapping/>
   </p:clrMapOvr>
+  <p:hf hdr="0" ftr="0" dt="0"/>
 </p:sldLayout>
 </file>
 
 <file path=ppt/slideLayouts/slideLayout15.xml><?xml version="1.0" encoding="utf-8"?>
 <p:sldLayout xmlns:a="http://schemas.openxmlformats.org/drawingml/2006/main" xmlns:r="http://schemas.openxmlformats.org/officeDocument/2006/relationships" xmlns:p="http://schemas.openxmlformats.org/presentationml/2006/main" preserve="1">
-  <p:cSld name="3 Picture Column">
+  <p:cSld name="คอลัมน์รูปภาพ 3 รูป">
     <p:spTree>
       <p:nvGrpSpPr>
         <p:cNvPr id="1" name=""/>
@@ -4493,8 +4503,8 @@
           </a:lstStyle>
           <a:p>
             <a:r>
-              <a:rPr lang="en-US" smtClean="0"/>
-              <a:t>Click to edit Master title style</a:t>
+              <a:rPr lang="th-TH"/>
+              <a:t>คลิกเพื่อแก้ไขสไตล์ชื่อเรื่องต้นแบบ</a:t>
             </a:r>
             <a:endParaRPr lang="en-US" dirty="0"/>
           </a:p>
@@ -4512,8 +4522,8 @@
         </p:nvSpPr>
         <p:spPr>
           <a:xfrm>
-            <a:off x="489475" y="4250949"/>
-            <a:ext cx="2205612" cy="576262"/>
+            <a:off x="652463" y="4250949"/>
+            <a:ext cx="2940050" cy="576262"/>
           </a:xfrm>
         </p:spPr>
         <p:txBody>
@@ -4565,8 +4575,8 @@
           <a:p>
             <a:pPr lvl="0"/>
             <a:r>
-              <a:rPr lang="en-US" smtClean="0"/>
-              <a:t>Click to edit Master text styles</a:t>
+              <a:rPr lang="th-TH"/>
+              <a:t>คลิกเพื่อแก้ไขสไตล์ของข้อความต้นแบบ</a:t>
             </a:r>
           </a:p>
         </p:txBody>
@@ -4583,8 +4593,8 @@
         </p:nvSpPr>
         <p:spPr>
           <a:xfrm>
-            <a:off x="489475" y="2209800"/>
-            <a:ext cx="2205612" cy="1524000"/>
+            <a:off x="652463" y="2209800"/>
+            <a:ext cx="2940050" cy="1524000"/>
           </a:xfrm>
           <a:prstGeom prst="roundRect">
             <a:avLst>
@@ -4643,8 +4653,8 @@
           </a:lstStyle>
           <a:p>
             <a:r>
-              <a:rPr lang="en-US" smtClean="0"/>
-              <a:t>Click icon to add picture</a:t>
+              <a:rPr lang="th-TH"/>
+              <a:t>คลิกไอคอนเพื่อเพิ่มรูปภาพ</a:t>
             </a:r>
             <a:endParaRPr lang="en-US" dirty="0"/>
           </a:p>
@@ -4662,8 +4672,8 @@
         </p:nvSpPr>
         <p:spPr>
           <a:xfrm>
-            <a:off x="489475" y="4827212"/>
-            <a:ext cx="2205612" cy="659189"/>
+            <a:off x="652463" y="4827211"/>
+            <a:ext cx="2940050" cy="659189"/>
           </a:xfrm>
         </p:spPr>
         <p:txBody>
@@ -4711,8 +4721,8 @@
           <a:p>
             <a:pPr lvl="0"/>
             <a:r>
-              <a:rPr lang="en-US" smtClean="0"/>
-              <a:t>Click to edit Master text styles</a:t>
+              <a:rPr lang="th-TH"/>
+              <a:t>คลิกเพื่อแก้ไขสไตล์ของข้อความต้นแบบ</a:t>
             </a:r>
           </a:p>
         </p:txBody>
@@ -4729,8 +4739,8 @@
         </p:nvSpPr>
         <p:spPr>
           <a:xfrm>
-            <a:off x="2917792" y="4250949"/>
-            <a:ext cx="2198466" cy="576262"/>
+            <a:off x="3889375" y="4250949"/>
+            <a:ext cx="2930525" cy="576262"/>
           </a:xfrm>
         </p:spPr>
         <p:txBody>
@@ -4782,8 +4792,8 @@
           <a:p>
             <a:pPr lvl="0"/>
             <a:r>
-              <a:rPr lang="en-US" smtClean="0"/>
-              <a:t>Click to edit Master text styles</a:t>
+              <a:rPr lang="th-TH"/>
+              <a:t>คลิกเพื่อแก้ไขสไตล์ของข้อความต้นแบบ</a:t>
             </a:r>
           </a:p>
         </p:txBody>
@@ -4800,8 +4810,8 @@
         </p:nvSpPr>
         <p:spPr>
           <a:xfrm>
-            <a:off x="2917791" y="2209800"/>
-            <a:ext cx="2198466" cy="1524000"/>
+            <a:off x="3889374" y="2209800"/>
+            <a:ext cx="2930525" cy="1524000"/>
           </a:xfrm>
           <a:prstGeom prst="roundRect">
             <a:avLst>
@@ -4860,8 +4870,8 @@
           </a:lstStyle>
           <a:p>
             <a:r>
-              <a:rPr lang="en-US" smtClean="0"/>
-              <a:t>Click icon to add picture</a:t>
+              <a:rPr lang="th-TH"/>
+              <a:t>คลิกไอคอนเพื่อเพิ่มรูปภาพ</a:t>
             </a:r>
             <a:endParaRPr lang="en-US" dirty="0"/>
           </a:p>
@@ -4879,8 +4889,8 @@
         </p:nvSpPr>
         <p:spPr>
           <a:xfrm>
-            <a:off x="2916776" y="4827211"/>
-            <a:ext cx="2201378" cy="659189"/>
+            <a:off x="3888022" y="4827210"/>
+            <a:ext cx="2934406" cy="659189"/>
           </a:xfrm>
         </p:spPr>
         <p:txBody>
@@ -4928,8 +4938,8 @@
           <a:p>
             <a:pPr lvl="0"/>
             <a:r>
-              <a:rPr lang="en-US" smtClean="0"/>
-              <a:t>Click to edit Master text styles</a:t>
+              <a:rPr lang="th-TH"/>
+              <a:t>คลิกเพื่อแก้ไขสไตล์ของข้อความต้นแบบ</a:t>
             </a:r>
           </a:p>
         </p:txBody>
@@ -4946,8 +4956,8 @@
         </p:nvSpPr>
         <p:spPr>
           <a:xfrm>
-            <a:off x="5344917" y="4250949"/>
-            <a:ext cx="2199658" cy="576262"/>
+            <a:off x="7124700" y="4250949"/>
+            <a:ext cx="2932113" cy="576262"/>
           </a:xfrm>
         </p:spPr>
         <p:txBody>
@@ -4999,8 +5009,8 @@
           <a:p>
             <a:pPr lvl="0"/>
             <a:r>
-              <a:rPr lang="en-US" smtClean="0"/>
-              <a:t>Click to edit Master text styles</a:t>
+              <a:rPr lang="th-TH"/>
+              <a:t>คลิกเพื่อแก้ไขสไตล์ของข้อความต้นแบบ</a:t>
             </a:r>
           </a:p>
         </p:txBody>
@@ -5017,8 +5027,8 @@
         </p:nvSpPr>
         <p:spPr>
           <a:xfrm>
-            <a:off x="5344916" y="2209800"/>
-            <a:ext cx="2199658" cy="1524000"/>
+            <a:off x="7124699" y="2209800"/>
+            <a:ext cx="2932113" cy="1524000"/>
           </a:xfrm>
           <a:prstGeom prst="roundRect">
             <a:avLst>
@@ -5077,8 +5087,8 @@
           </a:lstStyle>
           <a:p>
             <a:r>
-              <a:rPr lang="en-US" smtClean="0"/>
-              <a:t>Click icon to add picture</a:t>
+              <a:rPr lang="th-TH"/>
+              <a:t>คลิกไอคอนเพื่อเพิ่มรูปภาพ</a:t>
             </a:r>
             <a:endParaRPr lang="en-US" dirty="0"/>
           </a:p>
@@ -5096,8 +5106,8 @@
         </p:nvSpPr>
         <p:spPr>
           <a:xfrm>
-            <a:off x="5344824" y="4827209"/>
-            <a:ext cx="2202571" cy="659189"/>
+            <a:off x="7124575" y="4827208"/>
+            <a:ext cx="2935997" cy="659189"/>
           </a:xfrm>
         </p:spPr>
         <p:txBody>
@@ -5145,8 +5155,8 @@
           <a:p>
             <a:pPr lvl="0"/>
             <a:r>
-              <a:rPr lang="en-US" smtClean="0"/>
-              <a:t>Click to edit Master text styles</a:t>
+              <a:rPr lang="th-TH"/>
+              <a:t>คลิกเพื่อแก้ไขสไตล์ของข้อความต้นแบบ</a:t>
             </a:r>
           </a:p>
         </p:txBody>
@@ -5159,7 +5169,7 @@
         </p:nvCxnSpPr>
         <p:spPr>
           <a:xfrm>
-            <a:off x="2795334" y="2133600"/>
+            <a:off x="3726142" y="2133600"/>
             <a:ext cx="0" cy="3962400"/>
           </a:xfrm>
           <a:prstGeom prst="line">
@@ -5196,7 +5206,7 @@
         </p:nvCxnSpPr>
         <p:spPr>
           <a:xfrm>
-            <a:off x="5223030" y="2133600"/>
+            <a:off x="6962227" y="2133600"/>
             <a:ext cx="0" cy="3966882"/>
           </a:xfrm>
           <a:prstGeom prst="line">
@@ -5240,9 +5250,9 @@
           <a:bodyPr/>
           <a:lstStyle/>
           <a:p>
-            <a:fld id="{DFBDC552-B44C-4378-9CFA-88517B4D42C8}" type="datetime1">
+            <a:fld id="{FB84A11E-6123-4B90-90B0-AE06315B8D87}" type="datetime1">
               <a:rPr lang="en-US" smtClean="0"/>
-              <a:t>3/21/2019</a:t>
+              <a:t>3/25/2019</a:t>
             </a:fld>
             <a:endParaRPr lang="en-US" dirty="0"/>
           </a:p>
@@ -5293,19 +5303,20 @@
     </p:spTree>
     <p:extLst>
       <p:ext uri="{BB962C8B-B14F-4D97-AF65-F5344CB8AC3E}">
-        <p14:creationId xmlns:p14="http://schemas.microsoft.com/office/powerpoint/2010/main" val="4016534238"/>
+        <p14:creationId xmlns:p14="http://schemas.microsoft.com/office/powerpoint/2010/main" val="1070301428"/>
       </p:ext>
     </p:extLst>
   </p:cSld>
   <p:clrMapOvr>
     <a:masterClrMapping/>
   </p:clrMapOvr>
+  <p:hf hdr="0" ftr="0" dt="0"/>
 </p:sldLayout>
 </file>
 
 <file path=ppt/slideLayouts/slideLayout16.xml><?xml version="1.0" encoding="utf-8"?>
 <p:sldLayout xmlns:a="http://schemas.openxmlformats.org/drawingml/2006/main" xmlns:r="http://schemas.openxmlformats.org/officeDocument/2006/relationships" xmlns:p="http://schemas.openxmlformats.org/presentationml/2006/main" type="vertTx" preserve="1">
-  <p:cSld name="Title and Vertical Text">
+  <p:cSld name="ชื่อเรื่องและข้อความแนวตั้ง">
     <p:spTree>
       <p:nvGrpSpPr>
         <p:cNvPr id="1" name=""/>
@@ -5336,83 +5347,83 @@
           <a:lstStyle/>
           <a:p>
             <a:r>
+              <a:rPr lang="th-TH"/>
+              <a:t>คลิกเพื่อแก้ไขสไตล์ชื่อเรื่องต้นแบบ</a:t>
+            </a:r>
+            <a:endParaRPr lang="en-US" dirty="0"/>
+          </a:p>
+        </p:txBody>
+      </p:sp>
+      <p:sp>
+        <p:nvSpPr>
+          <p:cNvPr id="3" name="Vertical Text Placeholder 2"/>
+          <p:cNvSpPr>
+            <a:spLocks noGrp="1"/>
+          </p:cNvSpPr>
+          <p:nvPr>
+            <p:ph type="body" orient="vert" idx="1"/>
+          </p:nvPr>
+        </p:nvSpPr>
+        <p:spPr/>
+        <p:txBody>
+          <a:bodyPr vert="eaVert" anchor="t" anchorCtr="0"/>
+          <a:lstStyle/>
+          <a:p>
+            <a:pPr lvl="0"/>
+            <a:r>
+              <a:rPr lang="th-TH"/>
+              <a:t>คลิกเพื่อแก้ไขสไตล์ของข้อความต้นแบบ</a:t>
+            </a:r>
+          </a:p>
+          <a:p>
+            <a:pPr lvl="1"/>
+            <a:r>
+              <a:rPr lang="th-TH"/>
+              <a:t>ระดับที่สอง</a:t>
+            </a:r>
+          </a:p>
+          <a:p>
+            <a:pPr lvl="2"/>
+            <a:r>
+              <a:rPr lang="th-TH"/>
+              <a:t>ระดับที่สาม</a:t>
+            </a:r>
+          </a:p>
+          <a:p>
+            <a:pPr lvl="3"/>
+            <a:r>
+              <a:rPr lang="th-TH"/>
+              <a:t>ระดับที่สี่</a:t>
+            </a:r>
+          </a:p>
+          <a:p>
+            <a:pPr lvl="4"/>
+            <a:r>
+              <a:rPr lang="th-TH"/>
+              <a:t>ระดับที่ห้า</a:t>
+            </a:r>
+            <a:endParaRPr lang="en-US" dirty="0"/>
+          </a:p>
+        </p:txBody>
+      </p:sp>
+      <p:sp>
+        <p:nvSpPr>
+          <p:cNvPr id="4" name="Date Placeholder 3"/>
+          <p:cNvSpPr>
+            <a:spLocks noGrp="1"/>
+          </p:cNvSpPr>
+          <p:nvPr>
+            <p:ph type="dt" sz="half" idx="10"/>
+          </p:nvPr>
+        </p:nvSpPr>
+        <p:spPr/>
+        <p:txBody>
+          <a:bodyPr/>
+          <a:lstStyle/>
+          <a:p>
+            <a:fld id="{FB84A11E-6123-4B90-90B0-AE06315B8D87}" type="datetime1">
               <a:rPr lang="en-US" smtClean="0"/>
-              <a:t>Click to edit Master title style</a:t>
-            </a:r>
-            <a:endParaRPr lang="en-US" dirty="0"/>
-          </a:p>
-        </p:txBody>
-      </p:sp>
-      <p:sp>
-        <p:nvSpPr>
-          <p:cNvPr id="3" name="Vertical Text Placeholder 2"/>
-          <p:cNvSpPr>
-            <a:spLocks noGrp="1"/>
-          </p:cNvSpPr>
-          <p:nvPr>
-            <p:ph type="body" orient="vert" idx="1"/>
-          </p:nvPr>
-        </p:nvSpPr>
-        <p:spPr/>
-        <p:txBody>
-          <a:bodyPr vert="eaVert" anchor="t" anchorCtr="0"/>
-          <a:lstStyle/>
-          <a:p>
-            <a:pPr lvl="0"/>
-            <a:r>
-              <a:rPr lang="en-US" smtClean="0"/>
-              <a:t>Click to edit Master text styles</a:t>
-            </a:r>
-          </a:p>
-          <a:p>
-            <a:pPr lvl="1"/>
-            <a:r>
-              <a:rPr lang="en-US" smtClean="0"/>
-              <a:t>Second level</a:t>
-            </a:r>
-          </a:p>
-          <a:p>
-            <a:pPr lvl="2"/>
-            <a:r>
-              <a:rPr lang="en-US" smtClean="0"/>
-              <a:t>Third level</a:t>
-            </a:r>
-          </a:p>
-          <a:p>
-            <a:pPr lvl="3"/>
-            <a:r>
-              <a:rPr lang="en-US" smtClean="0"/>
-              <a:t>Fourth level</a:t>
-            </a:r>
-          </a:p>
-          <a:p>
-            <a:pPr lvl="4"/>
-            <a:r>
-              <a:rPr lang="en-US" smtClean="0"/>
-              <a:t>Fifth level</a:t>
-            </a:r>
-            <a:endParaRPr lang="en-US" dirty="0"/>
-          </a:p>
-        </p:txBody>
-      </p:sp>
-      <p:sp>
-        <p:nvSpPr>
-          <p:cNvPr id="4" name="Date Placeholder 3"/>
-          <p:cNvSpPr>
-            <a:spLocks noGrp="1"/>
-          </p:cNvSpPr>
-          <p:nvPr>
-            <p:ph type="dt" sz="half" idx="10"/>
-          </p:nvPr>
-        </p:nvSpPr>
-        <p:spPr/>
-        <p:txBody>
-          <a:bodyPr/>
-          <a:lstStyle/>
-          <a:p>
-            <a:fld id="{BFB9D654-DF49-4659-92BB-72FB12090E59}" type="datetime1">
-              <a:rPr lang="en-US" smtClean="0"/>
-              <a:t>3/21/2019</a:t>
+              <a:t>3/25/2019</a:t>
             </a:fld>
             <a:endParaRPr lang="en-US" dirty="0"/>
           </a:p>
@@ -5463,19 +5474,20 @@
     </p:spTree>
     <p:extLst>
       <p:ext uri="{BB962C8B-B14F-4D97-AF65-F5344CB8AC3E}">
-        <p14:creationId xmlns:p14="http://schemas.microsoft.com/office/powerpoint/2010/main" val="875305867"/>
+        <p14:creationId xmlns:p14="http://schemas.microsoft.com/office/powerpoint/2010/main" val="2887545967"/>
       </p:ext>
     </p:extLst>
   </p:cSld>
   <p:clrMapOvr>
     <a:masterClrMapping/>
   </p:clrMapOvr>
+  <p:hf hdr="0" ftr="0" dt="0"/>
 </p:sldLayout>
 </file>
 
 <file path=ppt/slideLayouts/slideLayout17.xml><?xml version="1.0" encoding="utf-8"?>
 <p:sldLayout xmlns:a="http://schemas.openxmlformats.org/drawingml/2006/main" xmlns:r="http://schemas.openxmlformats.org/officeDocument/2006/relationships" xmlns:p="http://schemas.openxmlformats.org/presentationml/2006/main" type="vertTitleAndTx" preserve="1">
-  <p:cSld name="Vertical Title and Text">
+  <p:cSld name="ข้อความและชื่อเรื่องแนวตั้ง">
     <p:spTree>
       <p:nvGrpSpPr>
         <p:cNvPr id="1" name=""/>
@@ -5502,8 +5514,8 @@
         </p:nvSpPr>
         <p:spPr>
           <a:xfrm>
-            <a:off x="6229782" y="430214"/>
-            <a:ext cx="1314793" cy="5826125"/>
+            <a:off x="8304212" y="430213"/>
+            <a:ext cx="1752601" cy="5826125"/>
           </a:xfrm>
         </p:spPr>
         <p:txBody>
@@ -5511,88 +5523,88 @@
           <a:lstStyle/>
           <a:p>
             <a:r>
+              <a:rPr lang="th-TH"/>
+              <a:t>คลิกเพื่อแก้ไขสไตล์ชื่อเรื่องต้นแบบ</a:t>
+            </a:r>
+            <a:endParaRPr lang="en-US" dirty="0"/>
+          </a:p>
+        </p:txBody>
+      </p:sp>
+      <p:sp>
+        <p:nvSpPr>
+          <p:cNvPr id="3" name="Vertical Text Placeholder 2"/>
+          <p:cNvSpPr>
+            <a:spLocks noGrp="1"/>
+          </p:cNvSpPr>
+          <p:nvPr>
+            <p:ph type="body" orient="vert" idx="1"/>
+          </p:nvPr>
+        </p:nvSpPr>
+        <p:spPr>
+          <a:xfrm>
+            <a:off x="652463" y="887414"/>
+            <a:ext cx="7423149" cy="5368924"/>
+          </a:xfrm>
+        </p:spPr>
+        <p:txBody>
+          <a:bodyPr vert="eaVert"/>
+          <a:lstStyle/>
+          <a:p>
+            <a:pPr lvl="0"/>
+            <a:r>
+              <a:rPr lang="th-TH"/>
+              <a:t>คลิกเพื่อแก้ไขสไตล์ของข้อความต้นแบบ</a:t>
+            </a:r>
+          </a:p>
+          <a:p>
+            <a:pPr lvl="1"/>
+            <a:r>
+              <a:rPr lang="th-TH"/>
+              <a:t>ระดับที่สอง</a:t>
+            </a:r>
+          </a:p>
+          <a:p>
+            <a:pPr lvl="2"/>
+            <a:r>
+              <a:rPr lang="th-TH"/>
+              <a:t>ระดับที่สาม</a:t>
+            </a:r>
+          </a:p>
+          <a:p>
+            <a:pPr lvl="3"/>
+            <a:r>
+              <a:rPr lang="th-TH"/>
+              <a:t>ระดับที่สี่</a:t>
+            </a:r>
+          </a:p>
+          <a:p>
+            <a:pPr lvl="4"/>
+            <a:r>
+              <a:rPr lang="th-TH"/>
+              <a:t>ระดับที่ห้า</a:t>
+            </a:r>
+            <a:endParaRPr lang="en-US" dirty="0"/>
+          </a:p>
+        </p:txBody>
+      </p:sp>
+      <p:sp>
+        <p:nvSpPr>
+          <p:cNvPr id="4" name="Date Placeholder 3"/>
+          <p:cNvSpPr>
+            <a:spLocks noGrp="1"/>
+          </p:cNvSpPr>
+          <p:nvPr>
+            <p:ph type="dt" sz="half" idx="10"/>
+          </p:nvPr>
+        </p:nvSpPr>
+        <p:spPr/>
+        <p:txBody>
+          <a:bodyPr/>
+          <a:lstStyle/>
+          <a:p>
+            <a:fld id="{FB84A11E-6123-4B90-90B0-AE06315B8D87}" type="datetime1">
               <a:rPr lang="en-US" smtClean="0"/>
-              <a:t>Click to edit Master title style</a:t>
-            </a:r>
-            <a:endParaRPr lang="en-US" dirty="0"/>
-          </a:p>
-        </p:txBody>
-      </p:sp>
-      <p:sp>
-        <p:nvSpPr>
-          <p:cNvPr id="3" name="Vertical Text Placeholder 2"/>
-          <p:cNvSpPr>
-            <a:spLocks noGrp="1"/>
-          </p:cNvSpPr>
-          <p:nvPr>
-            <p:ph type="body" orient="vert" idx="1"/>
-          </p:nvPr>
-        </p:nvSpPr>
-        <p:spPr>
-          <a:xfrm>
-            <a:off x="489475" y="773205"/>
-            <a:ext cx="5568812" cy="5483134"/>
-          </a:xfrm>
-        </p:spPr>
-        <p:txBody>
-          <a:bodyPr vert="eaVert"/>
-          <a:lstStyle/>
-          <a:p>
-            <a:pPr lvl="0"/>
-            <a:r>
-              <a:rPr lang="en-US" smtClean="0"/>
-              <a:t>Click to edit Master text styles</a:t>
-            </a:r>
-          </a:p>
-          <a:p>
-            <a:pPr lvl="1"/>
-            <a:r>
-              <a:rPr lang="en-US" smtClean="0"/>
-              <a:t>Second level</a:t>
-            </a:r>
-          </a:p>
-          <a:p>
-            <a:pPr lvl="2"/>
-            <a:r>
-              <a:rPr lang="en-US" smtClean="0"/>
-              <a:t>Third level</a:t>
-            </a:r>
-          </a:p>
-          <a:p>
-            <a:pPr lvl="3"/>
-            <a:r>
-              <a:rPr lang="en-US" smtClean="0"/>
-              <a:t>Fourth level</a:t>
-            </a:r>
-          </a:p>
-          <a:p>
-            <a:pPr lvl="4"/>
-            <a:r>
-              <a:rPr lang="en-US" smtClean="0"/>
-              <a:t>Fifth level</a:t>
-            </a:r>
-            <a:endParaRPr lang="en-US" dirty="0"/>
-          </a:p>
-        </p:txBody>
-      </p:sp>
-      <p:sp>
-        <p:nvSpPr>
-          <p:cNvPr id="4" name="Date Placeholder 3"/>
-          <p:cNvSpPr>
-            <a:spLocks noGrp="1"/>
-          </p:cNvSpPr>
-          <p:nvPr>
-            <p:ph type="dt" sz="half" idx="10"/>
-          </p:nvPr>
-        </p:nvSpPr>
-        <p:spPr/>
-        <p:txBody>
-          <a:bodyPr/>
-          <a:lstStyle/>
-          <a:p>
-            <a:fld id="{42044985-4B38-44C8-889D-651A1F52B878}" type="datetime1">
-              <a:rPr lang="en-US" smtClean="0"/>
-              <a:t>3/21/2019</a:t>
+              <a:t>3/25/2019</a:t>
             </a:fld>
             <a:endParaRPr lang="en-US" dirty="0"/>
           </a:p>
@@ -5643,858 +5655,20 @@
     </p:spTree>
     <p:extLst>
       <p:ext uri="{BB962C8B-B14F-4D97-AF65-F5344CB8AC3E}">
-        <p14:creationId xmlns:p14="http://schemas.microsoft.com/office/powerpoint/2010/main" val="658203013"/>
+        <p14:creationId xmlns:p14="http://schemas.microsoft.com/office/powerpoint/2010/main" val="906839182"/>
       </p:ext>
     </p:extLst>
   </p:cSld>
   <p:clrMapOvr>
     <a:masterClrMapping/>
   </p:clrMapOvr>
-</p:sldLayout>
-</file>
-
-<file path=ppt/slideLayouts/slideLayout18.xml><?xml version="1.0" encoding="utf-8"?>
-<p:sldLayout xmlns:a="http://schemas.openxmlformats.org/drawingml/2006/main" xmlns:r="http://schemas.openxmlformats.org/officeDocument/2006/relationships" xmlns:p="http://schemas.openxmlformats.org/presentationml/2006/main" matchingName="Title and body" type="tx">
-  <p:cSld name="Title and body">
-    <p:spTree>
-      <p:nvGrpSpPr>
-        <p:cNvPr id="1" name="Shape 16"/>
-        <p:cNvGrpSpPr/>
-        <p:nvPr/>
-      </p:nvGrpSpPr>
-      <p:grpSpPr>
-        <a:xfrm>
-          <a:off x="0" y="0"/>
-          <a:ext cx="0" cy="0"/>
-          <a:chOff x="0" y="0"/>
-          <a:chExt cx="0" cy="0"/>
-        </a:xfrm>
-      </p:grpSpPr>
-      <p:sp>
-        <p:nvSpPr>
-          <p:cNvPr id="17" name="Google Shape;17;p4"/>
-          <p:cNvSpPr txBox="1">
-            <a:spLocks noGrp="1"/>
-          </p:cNvSpPr>
-          <p:nvPr>
-            <p:ph type="title"/>
-          </p:nvPr>
-        </p:nvSpPr>
-        <p:spPr>
-          <a:xfrm>
-            <a:off x="311700" y="593367"/>
-            <a:ext cx="8520600" cy="763600"/>
-          </a:xfrm>
-          <a:prstGeom prst="rect">
-            <a:avLst/>
-          </a:prstGeom>
-        </p:spPr>
-        <p:txBody>
-          <a:bodyPr spcFirstLastPara="1" wrap="square" lIns="91425" tIns="91425" rIns="91425" bIns="91425" anchor="t" anchorCtr="0"/>
-          <a:lstStyle>
-            <a:lvl1pPr lvl="0">
-              <a:spcBef>
-                <a:spcPts val="0"/>
-              </a:spcBef>
-              <a:spcAft>
-                <a:spcPts val="0"/>
-              </a:spcAft>
-              <a:buSzPts val="2800"/>
-              <a:buNone/>
-              <a:defRPr/>
-            </a:lvl1pPr>
-            <a:lvl2pPr lvl="1">
-              <a:spcBef>
-                <a:spcPts val="0"/>
-              </a:spcBef>
-              <a:spcAft>
-                <a:spcPts val="0"/>
-              </a:spcAft>
-              <a:buSzPts val="2800"/>
-              <a:buNone/>
-              <a:defRPr/>
-            </a:lvl2pPr>
-            <a:lvl3pPr lvl="2">
-              <a:spcBef>
-                <a:spcPts val="0"/>
-              </a:spcBef>
-              <a:spcAft>
-                <a:spcPts val="0"/>
-              </a:spcAft>
-              <a:buSzPts val="2800"/>
-              <a:buNone/>
-              <a:defRPr/>
-            </a:lvl3pPr>
-            <a:lvl4pPr lvl="3">
-              <a:spcBef>
-                <a:spcPts val="0"/>
-              </a:spcBef>
-              <a:spcAft>
-                <a:spcPts val="0"/>
-              </a:spcAft>
-              <a:buSzPts val="2800"/>
-              <a:buNone/>
-              <a:defRPr/>
-            </a:lvl4pPr>
-            <a:lvl5pPr lvl="4">
-              <a:spcBef>
-                <a:spcPts val="0"/>
-              </a:spcBef>
-              <a:spcAft>
-                <a:spcPts val="0"/>
-              </a:spcAft>
-              <a:buSzPts val="2800"/>
-              <a:buNone/>
-              <a:defRPr/>
-            </a:lvl5pPr>
-            <a:lvl6pPr lvl="5">
-              <a:spcBef>
-                <a:spcPts val="0"/>
-              </a:spcBef>
-              <a:spcAft>
-                <a:spcPts val="0"/>
-              </a:spcAft>
-              <a:buSzPts val="2800"/>
-              <a:buNone/>
-              <a:defRPr/>
-            </a:lvl6pPr>
-            <a:lvl7pPr lvl="6">
-              <a:spcBef>
-                <a:spcPts val="0"/>
-              </a:spcBef>
-              <a:spcAft>
-                <a:spcPts val="0"/>
-              </a:spcAft>
-              <a:buSzPts val="2800"/>
-              <a:buNone/>
-              <a:defRPr/>
-            </a:lvl7pPr>
-            <a:lvl8pPr lvl="7">
-              <a:spcBef>
-                <a:spcPts val="0"/>
-              </a:spcBef>
-              <a:spcAft>
-                <a:spcPts val="0"/>
-              </a:spcAft>
-              <a:buSzPts val="2800"/>
-              <a:buNone/>
-              <a:defRPr/>
-            </a:lvl8pPr>
-            <a:lvl9pPr lvl="8">
-              <a:spcBef>
-                <a:spcPts val="0"/>
-              </a:spcBef>
-              <a:spcAft>
-                <a:spcPts val="0"/>
-              </a:spcAft>
-              <a:buSzPts val="2800"/>
-              <a:buNone/>
-              <a:defRPr/>
-            </a:lvl9pPr>
-          </a:lstStyle>
-          <a:p>
-            <a:endParaRPr/>
-          </a:p>
-        </p:txBody>
-      </p:sp>
-      <p:sp>
-        <p:nvSpPr>
-          <p:cNvPr id="18" name="Google Shape;18;p4"/>
-          <p:cNvSpPr txBox="1">
-            <a:spLocks noGrp="1"/>
-          </p:cNvSpPr>
-          <p:nvPr>
-            <p:ph type="body" idx="1"/>
-          </p:nvPr>
-        </p:nvSpPr>
-        <p:spPr>
-          <a:xfrm>
-            <a:off x="311700" y="1536633"/>
-            <a:ext cx="8520600" cy="4555200"/>
-          </a:xfrm>
-          <a:prstGeom prst="rect">
-            <a:avLst/>
-          </a:prstGeom>
-        </p:spPr>
-        <p:txBody>
-          <a:bodyPr spcFirstLastPara="1" wrap="square" lIns="91425" tIns="91425" rIns="91425" bIns="91425" anchor="t" anchorCtr="0"/>
-          <a:lstStyle>
-            <a:lvl1pPr marL="457200" lvl="0" indent="-342900">
-              <a:spcBef>
-                <a:spcPts val="0"/>
-              </a:spcBef>
-              <a:spcAft>
-                <a:spcPts val="0"/>
-              </a:spcAft>
-              <a:buSzPts val="1800"/>
-              <a:buChar char="●"/>
-              <a:defRPr/>
-            </a:lvl1pPr>
-            <a:lvl2pPr marL="914400" lvl="1" indent="-317500">
-              <a:spcBef>
-                <a:spcPts val="1600"/>
-              </a:spcBef>
-              <a:spcAft>
-                <a:spcPts val="0"/>
-              </a:spcAft>
-              <a:buSzPts val="1400"/>
-              <a:buChar char="○"/>
-              <a:defRPr/>
-            </a:lvl2pPr>
-            <a:lvl3pPr marL="1371600" lvl="2" indent="-317500">
-              <a:spcBef>
-                <a:spcPts val="1600"/>
-              </a:spcBef>
-              <a:spcAft>
-                <a:spcPts val="0"/>
-              </a:spcAft>
-              <a:buSzPts val="1400"/>
-              <a:buChar char="■"/>
-              <a:defRPr/>
-            </a:lvl3pPr>
-            <a:lvl4pPr marL="1828800" lvl="3" indent="-317500">
-              <a:spcBef>
-                <a:spcPts val="1600"/>
-              </a:spcBef>
-              <a:spcAft>
-                <a:spcPts val="0"/>
-              </a:spcAft>
-              <a:buSzPts val="1400"/>
-              <a:buChar char="●"/>
-              <a:defRPr/>
-            </a:lvl4pPr>
-            <a:lvl5pPr marL="2286000" lvl="4" indent="-317500">
-              <a:spcBef>
-                <a:spcPts val="1600"/>
-              </a:spcBef>
-              <a:spcAft>
-                <a:spcPts val="0"/>
-              </a:spcAft>
-              <a:buSzPts val="1400"/>
-              <a:buChar char="○"/>
-              <a:defRPr/>
-            </a:lvl5pPr>
-            <a:lvl6pPr marL="2743200" lvl="5" indent="-317500">
-              <a:spcBef>
-                <a:spcPts val="1600"/>
-              </a:spcBef>
-              <a:spcAft>
-                <a:spcPts val="0"/>
-              </a:spcAft>
-              <a:buSzPts val="1400"/>
-              <a:buChar char="■"/>
-              <a:defRPr/>
-            </a:lvl6pPr>
-            <a:lvl7pPr marL="3200400" lvl="6" indent="-317500">
-              <a:spcBef>
-                <a:spcPts val="1600"/>
-              </a:spcBef>
-              <a:spcAft>
-                <a:spcPts val="0"/>
-              </a:spcAft>
-              <a:buSzPts val="1400"/>
-              <a:buChar char="●"/>
-              <a:defRPr/>
-            </a:lvl7pPr>
-            <a:lvl8pPr marL="3657600" lvl="7" indent="-317500">
-              <a:spcBef>
-                <a:spcPts val="1600"/>
-              </a:spcBef>
-              <a:spcAft>
-                <a:spcPts val="0"/>
-              </a:spcAft>
-              <a:buSzPts val="1400"/>
-              <a:buChar char="○"/>
-              <a:defRPr/>
-            </a:lvl8pPr>
-            <a:lvl9pPr marL="4114800" lvl="8" indent="-317500">
-              <a:spcBef>
-                <a:spcPts val="1600"/>
-              </a:spcBef>
-              <a:spcAft>
-                <a:spcPts val="1600"/>
-              </a:spcAft>
-              <a:buSzPts val="1400"/>
-              <a:buChar char="■"/>
-              <a:defRPr/>
-            </a:lvl9pPr>
-          </a:lstStyle>
-          <a:p>
-            <a:endParaRPr/>
-          </a:p>
-        </p:txBody>
-      </p:sp>
-      <p:sp>
-        <p:nvSpPr>
-          <p:cNvPr id="19" name="Google Shape;19;p4"/>
-          <p:cNvSpPr txBox="1">
-            <a:spLocks noGrp="1"/>
-          </p:cNvSpPr>
-          <p:nvPr>
-            <p:ph type="sldNum" idx="12"/>
-          </p:nvPr>
-        </p:nvSpPr>
-        <p:spPr>
-          <a:xfrm>
-            <a:off x="8472458" y="6217623"/>
-            <a:ext cx="548700" cy="524800"/>
-          </a:xfrm>
-          <a:prstGeom prst="rect">
-            <a:avLst/>
-          </a:prstGeom>
-        </p:spPr>
-        <p:txBody>
-          <a:bodyPr spcFirstLastPara="1" wrap="square" lIns="91425" tIns="91425" rIns="91425" bIns="91425" anchor="ctr" anchorCtr="0">
-            <a:noAutofit/>
-          </a:bodyPr>
-          <a:lstStyle>
-            <a:lvl1pPr lvl="0">
-              <a:buNone/>
-              <a:defRPr/>
-            </a:lvl1pPr>
-            <a:lvl2pPr lvl="1">
-              <a:buNone/>
-              <a:defRPr/>
-            </a:lvl2pPr>
-            <a:lvl3pPr lvl="2">
-              <a:buNone/>
-              <a:defRPr/>
-            </a:lvl3pPr>
-            <a:lvl4pPr lvl="3">
-              <a:buNone/>
-              <a:defRPr/>
-            </a:lvl4pPr>
-            <a:lvl5pPr lvl="4">
-              <a:buNone/>
-              <a:defRPr/>
-            </a:lvl5pPr>
-            <a:lvl6pPr lvl="5">
-              <a:buNone/>
-              <a:defRPr/>
-            </a:lvl6pPr>
-            <a:lvl7pPr lvl="6">
-              <a:buNone/>
-              <a:defRPr/>
-            </a:lvl7pPr>
-            <a:lvl8pPr lvl="7">
-              <a:buNone/>
-              <a:defRPr/>
-            </a:lvl8pPr>
-            <a:lvl9pPr lvl="8">
-              <a:buNone/>
-              <a:defRPr/>
-            </a:lvl9pPr>
-          </a:lstStyle>
-          <a:p>
-            <a:pPr algn="r"/>
-            <a:fld id="{00000000-1234-1234-1234-123412341234}" type="slidenum">
-              <a:rPr lang="en" smtClean="0"/>
-              <a:pPr algn="r"/>
-              <a:t>‹#›</a:t>
-            </a:fld>
-            <a:endParaRPr lang="en"/>
-          </a:p>
-        </p:txBody>
-      </p:sp>
-    </p:spTree>
-    <p:extLst>
-      <p:ext uri="{BB962C8B-B14F-4D97-AF65-F5344CB8AC3E}">
-        <p14:creationId xmlns:p14="http://schemas.microsoft.com/office/powerpoint/2010/main" val="4167530957"/>
-      </p:ext>
-    </p:extLst>
-  </p:cSld>
-  <p:clrMapOvr>
-    <a:masterClrMapping/>
-  </p:clrMapOvr>
-</p:sldLayout>
-</file>
-
-<file path=ppt/slideLayouts/slideLayout19.xml><?xml version="1.0" encoding="utf-8"?>
-<p:sldLayout xmlns:a="http://schemas.openxmlformats.org/drawingml/2006/main" xmlns:r="http://schemas.openxmlformats.org/officeDocument/2006/relationships" xmlns:p="http://schemas.openxmlformats.org/presentationml/2006/main" matchingName="Title and two columns" type="twoColTx">
-  <p:cSld name="Title and two columns">
-    <p:spTree>
-      <p:nvGrpSpPr>
-        <p:cNvPr id="1" name="Shape 20"/>
-        <p:cNvGrpSpPr/>
-        <p:nvPr/>
-      </p:nvGrpSpPr>
-      <p:grpSpPr>
-        <a:xfrm>
-          <a:off x="0" y="0"/>
-          <a:ext cx="0" cy="0"/>
-          <a:chOff x="0" y="0"/>
-          <a:chExt cx="0" cy="0"/>
-        </a:xfrm>
-      </p:grpSpPr>
-      <p:sp>
-        <p:nvSpPr>
-          <p:cNvPr id="21" name="Google Shape;21;p5"/>
-          <p:cNvSpPr txBox="1">
-            <a:spLocks noGrp="1"/>
-          </p:cNvSpPr>
-          <p:nvPr>
-            <p:ph type="title"/>
-          </p:nvPr>
-        </p:nvSpPr>
-        <p:spPr>
-          <a:xfrm>
-            <a:off x="311700" y="593367"/>
-            <a:ext cx="8520600" cy="763600"/>
-          </a:xfrm>
-          <a:prstGeom prst="rect">
-            <a:avLst/>
-          </a:prstGeom>
-        </p:spPr>
-        <p:txBody>
-          <a:bodyPr spcFirstLastPara="1" wrap="square" lIns="91425" tIns="91425" rIns="91425" bIns="91425" anchor="t" anchorCtr="0"/>
-          <a:lstStyle>
-            <a:lvl1pPr lvl="0">
-              <a:spcBef>
-                <a:spcPts val="0"/>
-              </a:spcBef>
-              <a:spcAft>
-                <a:spcPts val="0"/>
-              </a:spcAft>
-              <a:buSzPts val="2800"/>
-              <a:buNone/>
-              <a:defRPr/>
-            </a:lvl1pPr>
-            <a:lvl2pPr lvl="1">
-              <a:spcBef>
-                <a:spcPts val="0"/>
-              </a:spcBef>
-              <a:spcAft>
-                <a:spcPts val="0"/>
-              </a:spcAft>
-              <a:buSzPts val="2800"/>
-              <a:buNone/>
-              <a:defRPr/>
-            </a:lvl2pPr>
-            <a:lvl3pPr lvl="2">
-              <a:spcBef>
-                <a:spcPts val="0"/>
-              </a:spcBef>
-              <a:spcAft>
-                <a:spcPts val="0"/>
-              </a:spcAft>
-              <a:buSzPts val="2800"/>
-              <a:buNone/>
-              <a:defRPr/>
-            </a:lvl3pPr>
-            <a:lvl4pPr lvl="3">
-              <a:spcBef>
-                <a:spcPts val="0"/>
-              </a:spcBef>
-              <a:spcAft>
-                <a:spcPts val="0"/>
-              </a:spcAft>
-              <a:buSzPts val="2800"/>
-              <a:buNone/>
-              <a:defRPr/>
-            </a:lvl4pPr>
-            <a:lvl5pPr lvl="4">
-              <a:spcBef>
-                <a:spcPts val="0"/>
-              </a:spcBef>
-              <a:spcAft>
-                <a:spcPts val="0"/>
-              </a:spcAft>
-              <a:buSzPts val="2800"/>
-              <a:buNone/>
-              <a:defRPr/>
-            </a:lvl5pPr>
-            <a:lvl6pPr lvl="5">
-              <a:spcBef>
-                <a:spcPts val="0"/>
-              </a:spcBef>
-              <a:spcAft>
-                <a:spcPts val="0"/>
-              </a:spcAft>
-              <a:buSzPts val="2800"/>
-              <a:buNone/>
-              <a:defRPr/>
-            </a:lvl6pPr>
-            <a:lvl7pPr lvl="6">
-              <a:spcBef>
-                <a:spcPts val="0"/>
-              </a:spcBef>
-              <a:spcAft>
-                <a:spcPts val="0"/>
-              </a:spcAft>
-              <a:buSzPts val="2800"/>
-              <a:buNone/>
-              <a:defRPr/>
-            </a:lvl7pPr>
-            <a:lvl8pPr lvl="7">
-              <a:spcBef>
-                <a:spcPts val="0"/>
-              </a:spcBef>
-              <a:spcAft>
-                <a:spcPts val="0"/>
-              </a:spcAft>
-              <a:buSzPts val="2800"/>
-              <a:buNone/>
-              <a:defRPr/>
-            </a:lvl8pPr>
-            <a:lvl9pPr lvl="8">
-              <a:spcBef>
-                <a:spcPts val="0"/>
-              </a:spcBef>
-              <a:spcAft>
-                <a:spcPts val="0"/>
-              </a:spcAft>
-              <a:buSzPts val="2800"/>
-              <a:buNone/>
-              <a:defRPr/>
-            </a:lvl9pPr>
-          </a:lstStyle>
-          <a:p>
-            <a:endParaRPr/>
-          </a:p>
-        </p:txBody>
-      </p:sp>
-      <p:sp>
-        <p:nvSpPr>
-          <p:cNvPr id="22" name="Google Shape;22;p5"/>
-          <p:cNvSpPr txBox="1">
-            <a:spLocks noGrp="1"/>
-          </p:cNvSpPr>
-          <p:nvPr>
-            <p:ph type="body" idx="1"/>
-          </p:nvPr>
-        </p:nvSpPr>
-        <p:spPr>
-          <a:xfrm>
-            <a:off x="311700" y="1536633"/>
-            <a:ext cx="3999900" cy="4555200"/>
-          </a:xfrm>
-          <a:prstGeom prst="rect">
-            <a:avLst/>
-          </a:prstGeom>
-        </p:spPr>
-        <p:txBody>
-          <a:bodyPr spcFirstLastPara="1" wrap="square" lIns="91425" tIns="91425" rIns="91425" bIns="91425" anchor="t" anchorCtr="0"/>
-          <a:lstStyle>
-            <a:lvl1pPr marL="457200" lvl="0" indent="-317500">
-              <a:spcBef>
-                <a:spcPts val="0"/>
-              </a:spcBef>
-              <a:spcAft>
-                <a:spcPts val="0"/>
-              </a:spcAft>
-              <a:buSzPts val="1400"/>
-              <a:buChar char="●"/>
-              <a:defRPr sz="1400"/>
-            </a:lvl1pPr>
-            <a:lvl2pPr marL="914400" lvl="1" indent="-304800">
-              <a:spcBef>
-                <a:spcPts val="1600"/>
-              </a:spcBef>
-              <a:spcAft>
-                <a:spcPts val="0"/>
-              </a:spcAft>
-              <a:buSzPts val="1200"/>
-              <a:buChar char="○"/>
-              <a:defRPr sz="1200"/>
-            </a:lvl2pPr>
-            <a:lvl3pPr marL="1371600" lvl="2" indent="-304800">
-              <a:spcBef>
-                <a:spcPts val="1600"/>
-              </a:spcBef>
-              <a:spcAft>
-                <a:spcPts val="0"/>
-              </a:spcAft>
-              <a:buSzPts val="1200"/>
-              <a:buChar char="■"/>
-              <a:defRPr sz="1200"/>
-            </a:lvl3pPr>
-            <a:lvl4pPr marL="1828800" lvl="3" indent="-304800">
-              <a:spcBef>
-                <a:spcPts val="1600"/>
-              </a:spcBef>
-              <a:spcAft>
-                <a:spcPts val="0"/>
-              </a:spcAft>
-              <a:buSzPts val="1200"/>
-              <a:buChar char="●"/>
-              <a:defRPr sz="1200"/>
-            </a:lvl4pPr>
-            <a:lvl5pPr marL="2286000" lvl="4" indent="-304800">
-              <a:spcBef>
-                <a:spcPts val="1600"/>
-              </a:spcBef>
-              <a:spcAft>
-                <a:spcPts val="0"/>
-              </a:spcAft>
-              <a:buSzPts val="1200"/>
-              <a:buChar char="○"/>
-              <a:defRPr sz="1200"/>
-            </a:lvl5pPr>
-            <a:lvl6pPr marL="2743200" lvl="5" indent="-304800">
-              <a:spcBef>
-                <a:spcPts val="1600"/>
-              </a:spcBef>
-              <a:spcAft>
-                <a:spcPts val="0"/>
-              </a:spcAft>
-              <a:buSzPts val="1200"/>
-              <a:buChar char="■"/>
-              <a:defRPr sz="1200"/>
-            </a:lvl6pPr>
-            <a:lvl7pPr marL="3200400" lvl="6" indent="-304800">
-              <a:spcBef>
-                <a:spcPts val="1600"/>
-              </a:spcBef>
-              <a:spcAft>
-                <a:spcPts val="0"/>
-              </a:spcAft>
-              <a:buSzPts val="1200"/>
-              <a:buChar char="●"/>
-              <a:defRPr sz="1200"/>
-            </a:lvl7pPr>
-            <a:lvl8pPr marL="3657600" lvl="7" indent="-304800">
-              <a:spcBef>
-                <a:spcPts val="1600"/>
-              </a:spcBef>
-              <a:spcAft>
-                <a:spcPts val="0"/>
-              </a:spcAft>
-              <a:buSzPts val="1200"/>
-              <a:buChar char="○"/>
-              <a:defRPr sz="1200"/>
-            </a:lvl8pPr>
-            <a:lvl9pPr marL="4114800" lvl="8" indent="-304800">
-              <a:spcBef>
-                <a:spcPts val="1600"/>
-              </a:spcBef>
-              <a:spcAft>
-                <a:spcPts val="1600"/>
-              </a:spcAft>
-              <a:buSzPts val="1200"/>
-              <a:buChar char="■"/>
-              <a:defRPr sz="1200"/>
-            </a:lvl9pPr>
-          </a:lstStyle>
-          <a:p>
-            <a:endParaRPr/>
-          </a:p>
-        </p:txBody>
-      </p:sp>
-      <p:sp>
-        <p:nvSpPr>
-          <p:cNvPr id="23" name="Google Shape;23;p5"/>
-          <p:cNvSpPr txBox="1">
-            <a:spLocks noGrp="1"/>
-          </p:cNvSpPr>
-          <p:nvPr>
-            <p:ph type="body" idx="2"/>
-          </p:nvPr>
-        </p:nvSpPr>
-        <p:spPr>
-          <a:xfrm>
-            <a:off x="4832400" y="1536633"/>
-            <a:ext cx="3999900" cy="4555200"/>
-          </a:xfrm>
-          <a:prstGeom prst="rect">
-            <a:avLst/>
-          </a:prstGeom>
-        </p:spPr>
-        <p:txBody>
-          <a:bodyPr spcFirstLastPara="1" wrap="square" lIns="91425" tIns="91425" rIns="91425" bIns="91425" anchor="t" anchorCtr="0"/>
-          <a:lstStyle>
-            <a:lvl1pPr marL="457200" lvl="0" indent="-317500">
-              <a:spcBef>
-                <a:spcPts val="0"/>
-              </a:spcBef>
-              <a:spcAft>
-                <a:spcPts val="0"/>
-              </a:spcAft>
-              <a:buSzPts val="1400"/>
-              <a:buChar char="●"/>
-              <a:defRPr sz="1400"/>
-            </a:lvl1pPr>
-            <a:lvl2pPr marL="914400" lvl="1" indent="-304800">
-              <a:spcBef>
-                <a:spcPts val="1600"/>
-              </a:spcBef>
-              <a:spcAft>
-                <a:spcPts val="0"/>
-              </a:spcAft>
-              <a:buSzPts val="1200"/>
-              <a:buChar char="○"/>
-              <a:defRPr sz="1200"/>
-            </a:lvl2pPr>
-            <a:lvl3pPr marL="1371600" lvl="2" indent="-304800">
-              <a:spcBef>
-                <a:spcPts val="1600"/>
-              </a:spcBef>
-              <a:spcAft>
-                <a:spcPts val="0"/>
-              </a:spcAft>
-              <a:buSzPts val="1200"/>
-              <a:buChar char="■"/>
-              <a:defRPr sz="1200"/>
-            </a:lvl3pPr>
-            <a:lvl4pPr marL="1828800" lvl="3" indent="-304800">
-              <a:spcBef>
-                <a:spcPts val="1600"/>
-              </a:spcBef>
-              <a:spcAft>
-                <a:spcPts val="0"/>
-              </a:spcAft>
-              <a:buSzPts val="1200"/>
-              <a:buChar char="●"/>
-              <a:defRPr sz="1200"/>
-            </a:lvl4pPr>
-            <a:lvl5pPr marL="2286000" lvl="4" indent="-304800">
-              <a:spcBef>
-                <a:spcPts val="1600"/>
-              </a:spcBef>
-              <a:spcAft>
-                <a:spcPts val="0"/>
-              </a:spcAft>
-              <a:buSzPts val="1200"/>
-              <a:buChar char="○"/>
-              <a:defRPr sz="1200"/>
-            </a:lvl5pPr>
-            <a:lvl6pPr marL="2743200" lvl="5" indent="-304800">
-              <a:spcBef>
-                <a:spcPts val="1600"/>
-              </a:spcBef>
-              <a:spcAft>
-                <a:spcPts val="0"/>
-              </a:spcAft>
-              <a:buSzPts val="1200"/>
-              <a:buChar char="■"/>
-              <a:defRPr sz="1200"/>
-            </a:lvl6pPr>
-            <a:lvl7pPr marL="3200400" lvl="6" indent="-304800">
-              <a:spcBef>
-                <a:spcPts val="1600"/>
-              </a:spcBef>
-              <a:spcAft>
-                <a:spcPts val="0"/>
-              </a:spcAft>
-              <a:buSzPts val="1200"/>
-              <a:buChar char="●"/>
-              <a:defRPr sz="1200"/>
-            </a:lvl7pPr>
-            <a:lvl8pPr marL="3657600" lvl="7" indent="-304800">
-              <a:spcBef>
-                <a:spcPts val="1600"/>
-              </a:spcBef>
-              <a:spcAft>
-                <a:spcPts val="0"/>
-              </a:spcAft>
-              <a:buSzPts val="1200"/>
-              <a:buChar char="○"/>
-              <a:defRPr sz="1200"/>
-            </a:lvl8pPr>
-            <a:lvl9pPr marL="4114800" lvl="8" indent="-304800">
-              <a:spcBef>
-                <a:spcPts val="1600"/>
-              </a:spcBef>
-              <a:spcAft>
-                <a:spcPts val="1600"/>
-              </a:spcAft>
-              <a:buSzPts val="1200"/>
-              <a:buChar char="■"/>
-              <a:defRPr sz="1200"/>
-            </a:lvl9pPr>
-          </a:lstStyle>
-          <a:p>
-            <a:endParaRPr/>
-          </a:p>
-        </p:txBody>
-      </p:sp>
-      <p:sp>
-        <p:nvSpPr>
-          <p:cNvPr id="24" name="Google Shape;24;p5"/>
-          <p:cNvSpPr txBox="1">
-            <a:spLocks noGrp="1"/>
-          </p:cNvSpPr>
-          <p:nvPr>
-            <p:ph type="sldNum" idx="12"/>
-          </p:nvPr>
-        </p:nvSpPr>
-        <p:spPr>
-          <a:xfrm>
-            <a:off x="8472458" y="6217623"/>
-            <a:ext cx="548700" cy="524800"/>
-          </a:xfrm>
-          <a:prstGeom prst="rect">
-            <a:avLst/>
-          </a:prstGeom>
-        </p:spPr>
-        <p:txBody>
-          <a:bodyPr spcFirstLastPara="1" wrap="square" lIns="91425" tIns="91425" rIns="91425" bIns="91425" anchor="ctr" anchorCtr="0">
-            <a:noAutofit/>
-          </a:bodyPr>
-          <a:lstStyle>
-            <a:lvl1pPr lvl="0">
-              <a:buNone/>
-              <a:defRPr/>
-            </a:lvl1pPr>
-            <a:lvl2pPr lvl="1">
-              <a:buNone/>
-              <a:defRPr/>
-            </a:lvl2pPr>
-            <a:lvl3pPr lvl="2">
-              <a:buNone/>
-              <a:defRPr/>
-            </a:lvl3pPr>
-            <a:lvl4pPr lvl="3">
-              <a:buNone/>
-              <a:defRPr/>
-            </a:lvl4pPr>
-            <a:lvl5pPr lvl="4">
-              <a:buNone/>
-              <a:defRPr/>
-            </a:lvl5pPr>
-            <a:lvl6pPr lvl="5">
-              <a:buNone/>
-              <a:defRPr/>
-            </a:lvl6pPr>
-            <a:lvl7pPr lvl="6">
-              <a:buNone/>
-              <a:defRPr/>
-            </a:lvl7pPr>
-            <a:lvl8pPr lvl="7">
-              <a:buNone/>
-              <a:defRPr/>
-            </a:lvl8pPr>
-            <a:lvl9pPr lvl="8">
-              <a:buNone/>
-              <a:defRPr/>
-            </a:lvl9pPr>
-          </a:lstStyle>
-          <a:p>
-            <a:pPr algn="r"/>
-            <a:fld id="{00000000-1234-1234-1234-123412341234}" type="slidenum">
-              <a:rPr lang="en" smtClean="0"/>
-              <a:pPr algn="r"/>
-              <a:t>‹#›</a:t>
-            </a:fld>
-            <a:endParaRPr lang="en"/>
-          </a:p>
-        </p:txBody>
-      </p:sp>
-    </p:spTree>
-    <p:extLst>
-      <p:ext uri="{BB962C8B-B14F-4D97-AF65-F5344CB8AC3E}">
-        <p14:creationId xmlns:p14="http://schemas.microsoft.com/office/powerpoint/2010/main" val="2893573396"/>
-      </p:ext>
-    </p:extLst>
-  </p:cSld>
-  <p:clrMapOvr>
-    <a:masterClrMapping/>
-  </p:clrMapOvr>
+  <p:hf hdr="0" ftr="0" dt="0"/>
 </p:sldLayout>
 </file>
 
 <file path=ppt/slideLayouts/slideLayout2.xml><?xml version="1.0" encoding="utf-8"?>
 <p:sldLayout xmlns:a="http://schemas.openxmlformats.org/drawingml/2006/main" xmlns:r="http://schemas.openxmlformats.org/officeDocument/2006/relationships" xmlns:p="http://schemas.openxmlformats.org/presentationml/2006/main" type="obj" preserve="1">
-  <p:cSld name="Title and Content">
+  <p:cSld name="ชื่อเรื่องและเนื้อหา">
     <p:spTree>
       <p:nvGrpSpPr>
         <p:cNvPr id="1" name=""/>
@@ -6525,83 +5699,83 @@
           <a:lstStyle/>
           <a:p>
             <a:r>
+              <a:rPr lang="th-TH"/>
+              <a:t>คลิกเพื่อแก้ไขสไตล์ชื่อเรื่องต้นแบบ</a:t>
+            </a:r>
+            <a:endParaRPr lang="en-US" dirty="0"/>
+          </a:p>
+        </p:txBody>
+      </p:sp>
+      <p:sp>
+        <p:nvSpPr>
+          <p:cNvPr id="3" name="Content Placeholder 2"/>
+          <p:cNvSpPr>
+            <a:spLocks noGrp="1"/>
+          </p:cNvSpPr>
+          <p:nvPr>
+            <p:ph idx="1"/>
+          </p:nvPr>
+        </p:nvSpPr>
+        <p:spPr/>
+        <p:txBody>
+          <a:bodyPr/>
+          <a:lstStyle/>
+          <a:p>
+            <a:pPr lvl="0"/>
+            <a:r>
+              <a:rPr lang="th-TH"/>
+              <a:t>คลิกเพื่อแก้ไขสไตล์ของข้อความต้นแบบ</a:t>
+            </a:r>
+          </a:p>
+          <a:p>
+            <a:pPr lvl="1"/>
+            <a:r>
+              <a:rPr lang="th-TH"/>
+              <a:t>ระดับที่สอง</a:t>
+            </a:r>
+          </a:p>
+          <a:p>
+            <a:pPr lvl="2"/>
+            <a:r>
+              <a:rPr lang="th-TH"/>
+              <a:t>ระดับที่สาม</a:t>
+            </a:r>
+          </a:p>
+          <a:p>
+            <a:pPr lvl="3"/>
+            <a:r>
+              <a:rPr lang="th-TH"/>
+              <a:t>ระดับที่สี่</a:t>
+            </a:r>
+          </a:p>
+          <a:p>
+            <a:pPr lvl="4"/>
+            <a:r>
+              <a:rPr lang="th-TH"/>
+              <a:t>ระดับที่ห้า</a:t>
+            </a:r>
+            <a:endParaRPr lang="en-US" dirty="0"/>
+          </a:p>
+        </p:txBody>
+      </p:sp>
+      <p:sp>
+        <p:nvSpPr>
+          <p:cNvPr id="4" name="Date Placeholder 3"/>
+          <p:cNvSpPr>
+            <a:spLocks noGrp="1"/>
+          </p:cNvSpPr>
+          <p:nvPr>
+            <p:ph type="dt" sz="half" idx="10"/>
+          </p:nvPr>
+        </p:nvSpPr>
+        <p:spPr/>
+        <p:txBody>
+          <a:bodyPr/>
+          <a:lstStyle/>
+          <a:p>
+            <a:fld id="{FB84A11E-6123-4B90-90B0-AE06315B8D87}" type="datetime1">
               <a:rPr lang="en-US" smtClean="0"/>
-              <a:t>Click to edit Master title style</a:t>
-            </a:r>
-            <a:endParaRPr lang="en-US" dirty="0"/>
-          </a:p>
-        </p:txBody>
-      </p:sp>
-      <p:sp>
-        <p:nvSpPr>
-          <p:cNvPr id="3" name="Content Placeholder 2"/>
-          <p:cNvSpPr>
-            <a:spLocks noGrp="1"/>
-          </p:cNvSpPr>
-          <p:nvPr>
-            <p:ph idx="1"/>
-          </p:nvPr>
-        </p:nvSpPr>
-        <p:spPr/>
-        <p:txBody>
-          <a:bodyPr/>
-          <a:lstStyle/>
-          <a:p>
-            <a:pPr lvl="0"/>
-            <a:r>
-              <a:rPr lang="en-US" smtClean="0"/>
-              <a:t>Click to edit Master text styles</a:t>
-            </a:r>
-          </a:p>
-          <a:p>
-            <a:pPr lvl="1"/>
-            <a:r>
-              <a:rPr lang="en-US" smtClean="0"/>
-              <a:t>Second level</a:t>
-            </a:r>
-          </a:p>
-          <a:p>
-            <a:pPr lvl="2"/>
-            <a:r>
-              <a:rPr lang="en-US" smtClean="0"/>
-              <a:t>Third level</a:t>
-            </a:r>
-          </a:p>
-          <a:p>
-            <a:pPr lvl="3"/>
-            <a:r>
-              <a:rPr lang="en-US" smtClean="0"/>
-              <a:t>Fourth level</a:t>
-            </a:r>
-          </a:p>
-          <a:p>
-            <a:pPr lvl="4"/>
-            <a:r>
-              <a:rPr lang="en-US" smtClean="0"/>
-              <a:t>Fifth level</a:t>
-            </a:r>
-            <a:endParaRPr lang="en-US" dirty="0"/>
-          </a:p>
-        </p:txBody>
-      </p:sp>
-      <p:sp>
-        <p:nvSpPr>
-          <p:cNvPr id="4" name="Date Placeholder 3"/>
-          <p:cNvSpPr>
-            <a:spLocks noGrp="1"/>
-          </p:cNvSpPr>
-          <p:nvPr>
-            <p:ph type="dt" sz="half" idx="10"/>
-          </p:nvPr>
-        </p:nvSpPr>
-        <p:spPr/>
-        <p:txBody>
-          <a:bodyPr/>
-          <a:lstStyle/>
-          <a:p>
-            <a:fld id="{D050BA2E-9557-42AE-9D6C-E8D464010264}" type="datetime1">
-              <a:rPr lang="en-US" smtClean="0"/>
-              <a:t>3/21/2019</a:t>
+              <a:t>3/25/2019</a:t>
             </a:fld>
             <a:endParaRPr lang="en-US" dirty="0"/>
           </a:p>
@@ -6652,26 +5826,20 @@
     </p:spTree>
     <p:extLst>
       <p:ext uri="{BB962C8B-B14F-4D97-AF65-F5344CB8AC3E}">
-        <p14:creationId xmlns:p14="http://schemas.microsoft.com/office/powerpoint/2010/main" val="1222725514"/>
+        <p14:creationId xmlns:p14="http://schemas.microsoft.com/office/powerpoint/2010/main" val="4212596516"/>
       </p:ext>
     </p:extLst>
   </p:cSld>
   <p:clrMapOvr>
     <a:masterClrMapping/>
   </p:clrMapOvr>
-  <p:timing>
-    <p:tnLst>
-      <p:par>
-        <p:cTn id="1" dur="indefinite" restart="never" nodeType="tmRoot"/>
-      </p:par>
-    </p:tnLst>
-  </p:timing>
+  <p:hf hdr="0" ftr="0" dt="0"/>
 </p:sldLayout>
 </file>
 
 <file path=ppt/slideLayouts/slideLayout3.xml><?xml version="1.0" encoding="utf-8"?>
 <p:sldLayout xmlns:a="http://schemas.openxmlformats.org/drawingml/2006/main" xmlns:r="http://schemas.openxmlformats.org/officeDocument/2006/relationships" xmlns:p="http://schemas.openxmlformats.org/presentationml/2006/main" type="secHead" preserve="1">
-  <p:cSld name="Section Header">
+  <p:cSld name="ส่วนหัวของส่วน">
     <p:spTree>
       <p:nvGrpSpPr>
         <p:cNvPr id="1" name=""/>
@@ -6698,8 +5866,8 @@
         </p:nvSpPr>
         <p:spPr>
           <a:xfrm>
-            <a:off x="866443" y="2861734"/>
-            <a:ext cx="6620967" cy="1915647"/>
+            <a:off x="1154956" y="2861733"/>
+            <a:ext cx="8825657" cy="1915647"/>
           </a:xfrm>
         </p:spPr>
         <p:txBody>
@@ -6711,8 +5879,8 @@
           </a:lstStyle>
           <a:p>
             <a:r>
-              <a:rPr lang="en-US" smtClean="0"/>
-              <a:t>Click to edit Master title style</a:t>
+              <a:rPr lang="th-TH"/>
+              <a:t>คลิกเพื่อแก้ไขสไตล์ชื่อเรื่องต้นแบบ</a:t>
             </a:r>
             <a:endParaRPr lang="en-US" dirty="0"/>
           </a:p>
@@ -6730,8 +5898,8 @@
         </p:nvSpPr>
         <p:spPr>
           <a:xfrm>
-            <a:off x="866442" y="4777381"/>
-            <a:ext cx="6620968" cy="860400"/>
+            <a:off x="1154955" y="4777381"/>
+            <a:ext cx="8825658" cy="860400"/>
           </a:xfrm>
         </p:spPr>
         <p:txBody>
@@ -6829,30 +5997,30 @@
           <a:p>
             <a:pPr lvl="0"/>
             <a:r>
+              <a:rPr lang="th-TH"/>
+              <a:t>คลิกเพื่อแก้ไขสไตล์ของข้อความต้นแบบ</a:t>
+            </a:r>
+          </a:p>
+        </p:txBody>
+      </p:sp>
+      <p:sp>
+        <p:nvSpPr>
+          <p:cNvPr id="4" name="Date Placeholder 3"/>
+          <p:cNvSpPr>
+            <a:spLocks noGrp="1"/>
+          </p:cNvSpPr>
+          <p:nvPr>
+            <p:ph type="dt" sz="half" idx="10"/>
+          </p:nvPr>
+        </p:nvSpPr>
+        <p:spPr/>
+        <p:txBody>
+          <a:bodyPr/>
+          <a:lstStyle/>
+          <a:p>
+            <a:fld id="{FB84A11E-6123-4B90-90B0-AE06315B8D87}" type="datetime1">
               <a:rPr lang="en-US" smtClean="0"/>
-              <a:t>Click to edit Master text styles</a:t>
-            </a:r>
-          </a:p>
-        </p:txBody>
-      </p:sp>
-      <p:sp>
-        <p:nvSpPr>
-          <p:cNvPr id="4" name="Date Placeholder 3"/>
-          <p:cNvSpPr>
-            <a:spLocks noGrp="1"/>
-          </p:cNvSpPr>
-          <p:nvPr>
-            <p:ph type="dt" sz="half" idx="10"/>
-          </p:nvPr>
-        </p:nvSpPr>
-        <p:spPr/>
-        <p:txBody>
-          <a:bodyPr/>
-          <a:lstStyle/>
-          <a:p>
-            <a:fld id="{D16C7E54-E35A-420D-9556-EDB2C3C3C313}" type="datetime1">
-              <a:rPr lang="en-US" smtClean="0"/>
-              <a:t>3/21/2019</a:t>
+              <a:t>3/25/2019</a:t>
             </a:fld>
             <a:endParaRPr lang="en-US" dirty="0"/>
           </a:p>
@@ -6903,19 +6071,20 @@
     </p:spTree>
     <p:extLst>
       <p:ext uri="{BB962C8B-B14F-4D97-AF65-F5344CB8AC3E}">
-        <p14:creationId xmlns:p14="http://schemas.microsoft.com/office/powerpoint/2010/main" val="620616350"/>
+        <p14:creationId xmlns:p14="http://schemas.microsoft.com/office/powerpoint/2010/main" val="579722886"/>
       </p:ext>
     </p:extLst>
   </p:cSld>
   <p:clrMapOvr>
     <a:masterClrMapping/>
   </p:clrMapOvr>
+  <p:hf hdr="0" ftr="0" dt="0"/>
 </p:sldLayout>
 </file>
 
 <file path=ppt/slideLayouts/slideLayout4.xml><?xml version="1.0" encoding="utf-8"?>
 <p:sldLayout xmlns:a="http://schemas.openxmlformats.org/drawingml/2006/main" xmlns:r="http://schemas.openxmlformats.org/officeDocument/2006/relationships" xmlns:p="http://schemas.openxmlformats.org/presentationml/2006/main" type="twoObj" preserve="1">
-  <p:cSld name="Two Content">
+  <p:cSld name="เนื้อหา 2 ส่วน">
     <p:spTree>
       <p:nvGrpSpPr>
         <p:cNvPr id="1" name=""/>
@@ -6946,8 +6115,8 @@
           <a:lstStyle/>
           <a:p>
             <a:r>
-              <a:rPr lang="en-US" smtClean="0"/>
-              <a:t>Click to edit Master title style</a:t>
+              <a:rPr lang="th-TH"/>
+              <a:t>คลิกเพื่อแก้ไขสไตล์ชื่อเรื่องต้นแบบ</a:t>
             </a:r>
             <a:endParaRPr lang="en-US" dirty="0"/>
           </a:p>
@@ -6965,8 +6134,8 @@
         </p:nvSpPr>
         <p:spPr>
           <a:xfrm>
-            <a:off x="827700" y="2060576"/>
-            <a:ext cx="3298113" cy="4195763"/>
+            <a:off x="1103312" y="2060575"/>
+            <a:ext cx="4396339" cy="4195763"/>
           </a:xfrm>
         </p:spPr>
         <p:txBody>
@@ -7005,36 +6174,36 @@
           <a:p>
             <a:pPr lvl="0"/>
             <a:r>
-              <a:rPr lang="en-US" smtClean="0"/>
-              <a:t>Click to edit Master text styles</a:t>
+              <a:rPr lang="th-TH"/>
+              <a:t>คลิกเพื่อแก้ไขสไตล์ของข้อความต้นแบบ</a:t>
             </a:r>
           </a:p>
           <a:p>
             <a:pPr lvl="1"/>
             <a:r>
-              <a:rPr lang="en-US" smtClean="0"/>
-              <a:t>Second level</a:t>
+              <a:rPr lang="th-TH"/>
+              <a:t>ระดับที่สอง</a:t>
             </a:r>
           </a:p>
           <a:p>
             <a:pPr lvl="2"/>
             <a:r>
-              <a:rPr lang="en-US" smtClean="0"/>
-              <a:t>Third level</a:t>
+              <a:rPr lang="th-TH"/>
+              <a:t>ระดับที่สาม</a:t>
             </a:r>
           </a:p>
           <a:p>
             <a:pPr lvl="3"/>
             <a:r>
-              <a:rPr lang="en-US" smtClean="0"/>
-              <a:t>Fourth level</a:t>
+              <a:rPr lang="th-TH"/>
+              <a:t>ระดับที่สี่</a:t>
             </a:r>
           </a:p>
           <a:p>
             <a:pPr lvl="4"/>
             <a:r>
-              <a:rPr lang="en-US" smtClean="0"/>
-              <a:t>Fifth level</a:t>
+              <a:rPr lang="th-TH"/>
+              <a:t>ระดับที่ห้า</a:t>
             </a:r>
             <a:endParaRPr lang="en-US" dirty="0"/>
           </a:p>
@@ -7052,8 +6221,8 @@
         </p:nvSpPr>
         <p:spPr>
           <a:xfrm>
-            <a:off x="4241975" y="2056093"/>
-            <a:ext cx="3298115" cy="4200245"/>
+            <a:off x="5654493" y="2056092"/>
+            <a:ext cx="4396341" cy="4200245"/>
           </a:xfrm>
         </p:spPr>
         <p:txBody>
@@ -7092,59 +6261,59 @@
           <a:p>
             <a:pPr lvl="0"/>
             <a:r>
+              <a:rPr lang="th-TH"/>
+              <a:t>คลิกเพื่อแก้ไขสไตล์ของข้อความต้นแบบ</a:t>
+            </a:r>
+          </a:p>
+          <a:p>
+            <a:pPr lvl="1"/>
+            <a:r>
+              <a:rPr lang="th-TH"/>
+              <a:t>ระดับที่สอง</a:t>
+            </a:r>
+          </a:p>
+          <a:p>
+            <a:pPr lvl="2"/>
+            <a:r>
+              <a:rPr lang="th-TH"/>
+              <a:t>ระดับที่สาม</a:t>
+            </a:r>
+          </a:p>
+          <a:p>
+            <a:pPr lvl="3"/>
+            <a:r>
+              <a:rPr lang="th-TH"/>
+              <a:t>ระดับที่สี่</a:t>
+            </a:r>
+          </a:p>
+          <a:p>
+            <a:pPr lvl="4"/>
+            <a:r>
+              <a:rPr lang="th-TH"/>
+              <a:t>ระดับที่ห้า</a:t>
+            </a:r>
+            <a:endParaRPr lang="en-US" dirty="0"/>
+          </a:p>
+        </p:txBody>
+      </p:sp>
+      <p:sp>
+        <p:nvSpPr>
+          <p:cNvPr id="5" name="Date Placeholder 4"/>
+          <p:cNvSpPr>
+            <a:spLocks noGrp="1"/>
+          </p:cNvSpPr>
+          <p:nvPr>
+            <p:ph type="dt" sz="half" idx="10"/>
+          </p:nvPr>
+        </p:nvSpPr>
+        <p:spPr/>
+        <p:txBody>
+          <a:bodyPr/>
+          <a:lstStyle/>
+          <a:p>
+            <a:fld id="{FB84A11E-6123-4B90-90B0-AE06315B8D87}" type="datetime1">
               <a:rPr lang="en-US" smtClean="0"/>
-              <a:t>Click to edit Master text styles</a:t>
-            </a:r>
-          </a:p>
-          <a:p>
-            <a:pPr lvl="1"/>
-            <a:r>
-              <a:rPr lang="en-US" smtClean="0"/>
-              <a:t>Second level</a:t>
-            </a:r>
-          </a:p>
-          <a:p>
-            <a:pPr lvl="2"/>
-            <a:r>
-              <a:rPr lang="en-US" smtClean="0"/>
-              <a:t>Third level</a:t>
-            </a:r>
-          </a:p>
-          <a:p>
-            <a:pPr lvl="3"/>
-            <a:r>
-              <a:rPr lang="en-US" smtClean="0"/>
-              <a:t>Fourth level</a:t>
-            </a:r>
-          </a:p>
-          <a:p>
-            <a:pPr lvl="4"/>
-            <a:r>
-              <a:rPr lang="en-US" smtClean="0"/>
-              <a:t>Fifth level</a:t>
-            </a:r>
-            <a:endParaRPr lang="en-US" dirty="0"/>
-          </a:p>
-        </p:txBody>
-      </p:sp>
-      <p:sp>
-        <p:nvSpPr>
-          <p:cNvPr id="5" name="Date Placeholder 4"/>
-          <p:cNvSpPr>
-            <a:spLocks noGrp="1"/>
-          </p:cNvSpPr>
-          <p:nvPr>
-            <p:ph type="dt" sz="half" idx="10"/>
-          </p:nvPr>
-        </p:nvSpPr>
-        <p:spPr/>
-        <p:txBody>
-          <a:bodyPr/>
-          <a:lstStyle/>
-          <a:p>
-            <a:fld id="{0FE41DEB-B8B1-4F16-9636-48C2A1FE3FA5}" type="datetime1">
-              <a:rPr lang="en-US" smtClean="0"/>
-              <a:t>3/21/2019</a:t>
+              <a:t>3/25/2019</a:t>
             </a:fld>
             <a:endParaRPr lang="en-US" dirty="0"/>
           </a:p>
@@ -7195,19 +6364,20 @@
     </p:spTree>
     <p:extLst>
       <p:ext uri="{BB962C8B-B14F-4D97-AF65-F5344CB8AC3E}">
-        <p14:creationId xmlns:p14="http://schemas.microsoft.com/office/powerpoint/2010/main" val="2321156902"/>
+        <p14:creationId xmlns:p14="http://schemas.microsoft.com/office/powerpoint/2010/main" val="3896819615"/>
       </p:ext>
     </p:extLst>
   </p:cSld>
   <p:clrMapOvr>
     <a:masterClrMapping/>
   </p:clrMapOvr>
+  <p:hf hdr="0" ftr="0" dt="0"/>
 </p:sldLayout>
 </file>
 
 <file path=ppt/slideLayouts/slideLayout5.xml><?xml version="1.0" encoding="utf-8"?>
 <p:sldLayout xmlns:a="http://schemas.openxmlformats.org/drawingml/2006/main" xmlns:r="http://schemas.openxmlformats.org/officeDocument/2006/relationships" xmlns:p="http://schemas.openxmlformats.org/presentationml/2006/main" type="twoTxTwoObj" preserve="1">
-  <p:cSld name="Comparison">
+  <p:cSld name="การเปรียบเทียบ">
     <p:spTree>
       <p:nvGrpSpPr>
         <p:cNvPr id="1" name=""/>
@@ -7242,8 +6412,8 @@
           </a:lstStyle>
           <a:p>
             <a:r>
-              <a:rPr lang="en-US" smtClean="0"/>
-              <a:t>Click to edit Master title style</a:t>
+              <a:rPr lang="th-TH"/>
+              <a:t>คลิกเพื่อแก้ไขสไตล์ชื่อเรื่องต้นแบบ</a:t>
             </a:r>
             <a:endParaRPr lang="en-US" dirty="0"/>
           </a:p>
@@ -7261,8 +6431,8 @@
         </p:nvSpPr>
         <p:spPr>
           <a:xfrm>
-            <a:off x="827700" y="1905000"/>
-            <a:ext cx="3298112" cy="576262"/>
+            <a:off x="1103313" y="1905000"/>
+            <a:ext cx="4396338" cy="576262"/>
           </a:xfrm>
         </p:spPr>
         <p:txBody>
@@ -7314,8 +6484,8 @@
           <a:p>
             <a:pPr lvl="0"/>
             <a:r>
-              <a:rPr lang="en-US" smtClean="0"/>
-              <a:t>Click to edit Master text styles</a:t>
+              <a:rPr lang="th-TH"/>
+              <a:t>คลิกเพื่อแก้ไขสไตล์ของข้อความต้นแบบ</a:t>
             </a:r>
           </a:p>
         </p:txBody>
@@ -7332,8 +6502,8 @@
         </p:nvSpPr>
         <p:spPr>
           <a:xfrm>
-            <a:off x="827700" y="2514600"/>
-            <a:ext cx="3298113" cy="3741738"/>
+            <a:off x="1103312" y="2514600"/>
+            <a:ext cx="4396339" cy="3741738"/>
           </a:xfrm>
         </p:spPr>
         <p:txBody>
@@ -7372,36 +6542,36 @@
           <a:p>
             <a:pPr lvl="0"/>
             <a:r>
-              <a:rPr lang="en-US" smtClean="0"/>
-              <a:t>Click to edit Master text styles</a:t>
+              <a:rPr lang="th-TH"/>
+              <a:t>คลิกเพื่อแก้ไขสไตล์ของข้อความต้นแบบ</a:t>
             </a:r>
           </a:p>
           <a:p>
             <a:pPr lvl="1"/>
             <a:r>
-              <a:rPr lang="en-US" smtClean="0"/>
-              <a:t>Second level</a:t>
+              <a:rPr lang="th-TH"/>
+              <a:t>ระดับที่สอง</a:t>
             </a:r>
           </a:p>
           <a:p>
             <a:pPr lvl="2"/>
             <a:r>
-              <a:rPr lang="en-US" smtClean="0"/>
-              <a:t>Third level</a:t>
+              <a:rPr lang="th-TH"/>
+              <a:t>ระดับที่สาม</a:t>
             </a:r>
           </a:p>
           <a:p>
             <a:pPr lvl="3"/>
             <a:r>
-              <a:rPr lang="en-US" smtClean="0"/>
-              <a:t>Fourth level</a:t>
+              <a:rPr lang="th-TH"/>
+              <a:t>ระดับที่สี่</a:t>
             </a:r>
           </a:p>
           <a:p>
             <a:pPr lvl="4"/>
             <a:r>
-              <a:rPr lang="en-US" smtClean="0"/>
-              <a:t>Fifth level</a:t>
+              <a:rPr lang="th-TH"/>
+              <a:t>ระดับที่ห้า</a:t>
             </a:r>
             <a:endParaRPr lang="en-US" dirty="0"/>
           </a:p>
@@ -7419,8 +6589,8 @@
         </p:nvSpPr>
         <p:spPr>
           <a:xfrm>
-            <a:off x="4241976" y="1905000"/>
-            <a:ext cx="3298113" cy="576262"/>
+            <a:off x="5654495" y="1905000"/>
+            <a:ext cx="4396339" cy="576262"/>
           </a:xfrm>
         </p:spPr>
         <p:txBody>
@@ -7472,8 +6642,8 @@
           <a:p>
             <a:pPr lvl="0"/>
             <a:r>
-              <a:rPr lang="en-US" smtClean="0"/>
-              <a:t>Click to edit Master text styles</a:t>
+              <a:rPr lang="th-TH"/>
+              <a:t>คลิกเพื่อแก้ไขสไตล์ของข้อความต้นแบบ</a:t>
             </a:r>
           </a:p>
         </p:txBody>
@@ -7490,8 +6660,8 @@
         </p:nvSpPr>
         <p:spPr>
           <a:xfrm>
-            <a:off x="4241976" y="2514600"/>
-            <a:ext cx="3298113" cy="3741738"/>
+            <a:off x="5654495" y="2514600"/>
+            <a:ext cx="4396339" cy="3741738"/>
           </a:xfrm>
         </p:spPr>
         <p:txBody>
@@ -7530,59 +6700,59 @@
           <a:p>
             <a:pPr lvl="0"/>
             <a:r>
+              <a:rPr lang="th-TH"/>
+              <a:t>คลิกเพื่อแก้ไขสไตล์ของข้อความต้นแบบ</a:t>
+            </a:r>
+          </a:p>
+          <a:p>
+            <a:pPr lvl="1"/>
+            <a:r>
+              <a:rPr lang="th-TH"/>
+              <a:t>ระดับที่สอง</a:t>
+            </a:r>
+          </a:p>
+          <a:p>
+            <a:pPr lvl="2"/>
+            <a:r>
+              <a:rPr lang="th-TH"/>
+              <a:t>ระดับที่สาม</a:t>
+            </a:r>
+          </a:p>
+          <a:p>
+            <a:pPr lvl="3"/>
+            <a:r>
+              <a:rPr lang="th-TH"/>
+              <a:t>ระดับที่สี่</a:t>
+            </a:r>
+          </a:p>
+          <a:p>
+            <a:pPr lvl="4"/>
+            <a:r>
+              <a:rPr lang="th-TH"/>
+              <a:t>ระดับที่ห้า</a:t>
+            </a:r>
+            <a:endParaRPr lang="en-US" dirty="0"/>
+          </a:p>
+        </p:txBody>
+      </p:sp>
+      <p:sp>
+        <p:nvSpPr>
+          <p:cNvPr id="7" name="Date Placeholder 6"/>
+          <p:cNvSpPr>
+            <a:spLocks noGrp="1"/>
+          </p:cNvSpPr>
+          <p:nvPr>
+            <p:ph type="dt" sz="half" idx="10"/>
+          </p:nvPr>
+        </p:nvSpPr>
+        <p:spPr/>
+        <p:txBody>
+          <a:bodyPr/>
+          <a:lstStyle/>
+          <a:p>
+            <a:fld id="{FB84A11E-6123-4B90-90B0-AE06315B8D87}" type="datetime1">
               <a:rPr lang="en-US" smtClean="0"/>
-              <a:t>Click to edit Master text styles</a:t>
-            </a:r>
-          </a:p>
-          <a:p>
-            <a:pPr lvl="1"/>
-            <a:r>
-              <a:rPr lang="en-US" smtClean="0"/>
-              <a:t>Second level</a:t>
-            </a:r>
-          </a:p>
-          <a:p>
-            <a:pPr lvl="2"/>
-            <a:r>
-              <a:rPr lang="en-US" smtClean="0"/>
-              <a:t>Third level</a:t>
-            </a:r>
-          </a:p>
-          <a:p>
-            <a:pPr lvl="3"/>
-            <a:r>
-              <a:rPr lang="en-US" smtClean="0"/>
-              <a:t>Fourth level</a:t>
-            </a:r>
-          </a:p>
-          <a:p>
-            <a:pPr lvl="4"/>
-            <a:r>
-              <a:rPr lang="en-US" smtClean="0"/>
-              <a:t>Fifth level</a:t>
-            </a:r>
-            <a:endParaRPr lang="en-US" dirty="0"/>
-          </a:p>
-        </p:txBody>
-      </p:sp>
-      <p:sp>
-        <p:nvSpPr>
-          <p:cNvPr id="7" name="Date Placeholder 6"/>
-          <p:cNvSpPr>
-            <a:spLocks noGrp="1"/>
-          </p:cNvSpPr>
-          <p:nvPr>
-            <p:ph type="dt" sz="half" idx="10"/>
-          </p:nvPr>
-        </p:nvSpPr>
-        <p:spPr/>
-        <p:txBody>
-          <a:bodyPr/>
-          <a:lstStyle/>
-          <a:p>
-            <a:fld id="{41F960BF-C3F6-44B2-BB0A-A97E1B92208A}" type="datetime1">
-              <a:rPr lang="en-US" smtClean="0"/>
-              <a:t>3/21/2019</a:t>
+              <a:t>3/25/2019</a:t>
             </a:fld>
             <a:endParaRPr lang="en-US" dirty="0"/>
           </a:p>
@@ -7633,19 +6803,20 @@
     </p:spTree>
     <p:extLst>
       <p:ext uri="{BB962C8B-B14F-4D97-AF65-F5344CB8AC3E}">
-        <p14:creationId xmlns:p14="http://schemas.microsoft.com/office/powerpoint/2010/main" val="2015889118"/>
+        <p14:creationId xmlns:p14="http://schemas.microsoft.com/office/powerpoint/2010/main" val="2176744305"/>
       </p:ext>
     </p:extLst>
   </p:cSld>
   <p:clrMapOvr>
     <a:masterClrMapping/>
   </p:clrMapOvr>
+  <p:hf hdr="0" ftr="0" dt="0"/>
 </p:sldLayout>
 </file>
 
 <file path=ppt/slideLayouts/slideLayout6.xml><?xml version="1.0" encoding="utf-8"?>
 <p:sldLayout xmlns:a="http://schemas.openxmlformats.org/drawingml/2006/main" xmlns:r="http://schemas.openxmlformats.org/officeDocument/2006/relationships" xmlns:p="http://schemas.openxmlformats.org/presentationml/2006/main" type="titleOnly" preserve="1">
-  <p:cSld name="Title Only">
+  <p:cSld name="เฉพาะชื่อเรื่อง">
     <p:spTree>
       <p:nvGrpSpPr>
         <p:cNvPr id="1" name=""/>
@@ -7676,31 +6847,31 @@
           <a:lstStyle/>
           <a:p>
             <a:r>
+              <a:rPr lang="th-TH"/>
+              <a:t>คลิกเพื่อแก้ไขสไตล์ชื่อเรื่องต้นแบบ</a:t>
+            </a:r>
+            <a:endParaRPr lang="en-US" dirty="0"/>
+          </a:p>
+        </p:txBody>
+      </p:sp>
+      <p:sp>
+        <p:nvSpPr>
+          <p:cNvPr id="7" name="Date Placeholder 2"/>
+          <p:cNvSpPr>
+            <a:spLocks noGrp="1"/>
+          </p:cNvSpPr>
+          <p:nvPr>
+            <p:ph type="dt" sz="half" idx="10"/>
+          </p:nvPr>
+        </p:nvSpPr>
+        <p:spPr/>
+        <p:txBody>
+          <a:bodyPr/>
+          <a:lstStyle/>
+          <a:p>
+            <a:fld id="{FB84A11E-6123-4B90-90B0-AE06315B8D87}" type="datetime1">
               <a:rPr lang="en-US" smtClean="0"/>
-              <a:t>Click to edit Master title style</a:t>
-            </a:r>
-            <a:endParaRPr lang="en-US" dirty="0"/>
-          </a:p>
-        </p:txBody>
-      </p:sp>
-      <p:sp>
-        <p:nvSpPr>
-          <p:cNvPr id="7" name="Date Placeholder 2"/>
-          <p:cNvSpPr>
-            <a:spLocks noGrp="1"/>
-          </p:cNvSpPr>
-          <p:nvPr>
-            <p:ph type="dt" sz="half" idx="10"/>
-          </p:nvPr>
-        </p:nvSpPr>
-        <p:spPr/>
-        <p:txBody>
-          <a:bodyPr/>
-          <a:lstStyle/>
-          <a:p>
-            <a:fld id="{C1E623DB-A303-46C7-B869-B1C697224EFF}" type="datetime1">
-              <a:rPr lang="en-US" smtClean="0"/>
-              <a:t>3/21/2019</a:t>
+              <a:t>3/25/2019</a:t>
             </a:fld>
             <a:endParaRPr lang="en-US" dirty="0"/>
           </a:p>
@@ -7751,19 +6922,20 @@
     </p:spTree>
     <p:extLst>
       <p:ext uri="{BB962C8B-B14F-4D97-AF65-F5344CB8AC3E}">
-        <p14:creationId xmlns:p14="http://schemas.microsoft.com/office/powerpoint/2010/main" val="921489312"/>
+        <p14:creationId xmlns:p14="http://schemas.microsoft.com/office/powerpoint/2010/main" val="3668519208"/>
       </p:ext>
     </p:extLst>
   </p:cSld>
   <p:clrMapOvr>
     <a:masterClrMapping/>
   </p:clrMapOvr>
+  <p:hf hdr="0" ftr="0" dt="0"/>
 </p:sldLayout>
 </file>
 
 <file path=ppt/slideLayouts/slideLayout7.xml><?xml version="1.0" encoding="utf-8"?>
 <p:sldLayout xmlns:a="http://schemas.openxmlformats.org/drawingml/2006/main" xmlns:r="http://schemas.openxmlformats.org/officeDocument/2006/relationships" xmlns:p="http://schemas.openxmlformats.org/presentationml/2006/main" type="blank" preserve="1">
-  <p:cSld name="Blank">
+  <p:cSld name="ว่างเปล่า">
     <p:spTree>
       <p:nvGrpSpPr>
         <p:cNvPr id="1" name=""/>
@@ -7793,9 +6965,9 @@
           <a:bodyPr/>
           <a:lstStyle/>
           <a:p>
-            <a:fld id="{1F7C9FAA-6295-4309-AEE1-D2D64F705D01}" type="datetime1">
+            <a:fld id="{FB84A11E-6123-4B90-90B0-AE06315B8D87}" type="datetime1">
               <a:rPr lang="en-US" smtClean="0"/>
-              <a:t>3/21/2019</a:t>
+              <a:t>3/25/2019</a:t>
             </a:fld>
             <a:endParaRPr lang="en-US" dirty="0"/>
           </a:p>
@@ -7846,19 +7018,20 @@
     </p:spTree>
     <p:extLst>
       <p:ext uri="{BB962C8B-B14F-4D97-AF65-F5344CB8AC3E}">
-        <p14:creationId xmlns:p14="http://schemas.microsoft.com/office/powerpoint/2010/main" val="447588143"/>
+        <p14:creationId xmlns:p14="http://schemas.microsoft.com/office/powerpoint/2010/main" val="2652013005"/>
       </p:ext>
     </p:extLst>
   </p:cSld>
   <p:clrMapOvr>
     <a:masterClrMapping/>
   </p:clrMapOvr>
+  <p:hf hdr="0" ftr="0" dt="0"/>
 </p:sldLayout>
 </file>
 
 <file path=ppt/slideLayouts/slideLayout8.xml><?xml version="1.0" encoding="utf-8"?>
 <p:sldLayout xmlns:a="http://schemas.openxmlformats.org/drawingml/2006/main" xmlns:r="http://schemas.openxmlformats.org/officeDocument/2006/relationships" xmlns:p="http://schemas.openxmlformats.org/presentationml/2006/main" type="objTx" preserve="1">
-  <p:cSld name="Content with Caption">
+  <p:cSld name="เนื้อหาพร้อมคำอธิบายภาพ">
     <p:spTree>
       <p:nvGrpSpPr>
         <p:cNvPr id="1" name=""/>
@@ -7885,8 +7058,8 @@
         </p:nvSpPr>
         <p:spPr>
           <a:xfrm>
-            <a:off x="866441" y="1447800"/>
-            <a:ext cx="2551462" cy="1447800"/>
+            <a:off x="1154954" y="1447800"/>
+            <a:ext cx="3401064" cy="1447800"/>
           </a:xfrm>
         </p:spPr>
         <p:txBody>
@@ -7898,8 +7071,8 @@
           </a:lstStyle>
           <a:p>
             <a:r>
-              <a:rPr lang="en-US" smtClean="0"/>
-              <a:t>Click to edit Master title style</a:t>
+              <a:rPr lang="th-TH"/>
+              <a:t>คลิกเพื่อแก้ไขสไตล์ชื่อเรื่องต้นแบบ</a:t>
             </a:r>
             <a:endParaRPr lang="en-US" dirty="0"/>
           </a:p>
@@ -7917,8 +7090,8 @@
         </p:nvSpPr>
         <p:spPr>
           <a:xfrm>
-            <a:off x="3589397" y="1447800"/>
-            <a:ext cx="3898013" cy="4572000"/>
+            <a:off x="4784616" y="1447800"/>
+            <a:ext cx="5195997" cy="4572000"/>
           </a:xfrm>
         </p:spPr>
         <p:txBody>
@@ -7957,36 +7130,36 @@
           <a:p>
             <a:pPr lvl="0"/>
             <a:r>
-              <a:rPr lang="en-US" smtClean="0"/>
-              <a:t>Click to edit Master text styles</a:t>
+              <a:rPr lang="th-TH"/>
+              <a:t>คลิกเพื่อแก้ไขสไตล์ของข้อความต้นแบบ</a:t>
             </a:r>
           </a:p>
           <a:p>
             <a:pPr lvl="1"/>
             <a:r>
-              <a:rPr lang="en-US" smtClean="0"/>
-              <a:t>Second level</a:t>
+              <a:rPr lang="th-TH"/>
+              <a:t>ระดับที่สอง</a:t>
             </a:r>
           </a:p>
           <a:p>
             <a:pPr lvl="2"/>
             <a:r>
-              <a:rPr lang="en-US" smtClean="0"/>
-              <a:t>Third level</a:t>
+              <a:rPr lang="th-TH"/>
+              <a:t>ระดับที่สาม</a:t>
             </a:r>
           </a:p>
           <a:p>
             <a:pPr lvl="3"/>
             <a:r>
-              <a:rPr lang="en-US" smtClean="0"/>
-              <a:t>Fourth level</a:t>
+              <a:rPr lang="th-TH"/>
+              <a:t>ระดับที่สี่</a:t>
             </a:r>
           </a:p>
           <a:p>
             <a:pPr lvl="4"/>
             <a:r>
-              <a:rPr lang="en-US" smtClean="0"/>
-              <a:t>Fifth level</a:t>
+              <a:rPr lang="th-TH"/>
+              <a:t>ระดับที่ห้า</a:t>
             </a:r>
             <a:endParaRPr lang="en-US" dirty="0"/>
           </a:p>
@@ -8004,8 +7177,8 @@
         </p:nvSpPr>
         <p:spPr>
           <a:xfrm>
-            <a:off x="866441" y="3129281"/>
-            <a:ext cx="2551462" cy="2895599"/>
+            <a:off x="1154954" y="3129280"/>
+            <a:ext cx="3401063" cy="2895599"/>
           </a:xfrm>
         </p:spPr>
         <p:txBody>
@@ -8051,30 +7224,30 @@
           <a:p>
             <a:pPr lvl="0"/>
             <a:r>
+              <a:rPr lang="th-TH"/>
+              <a:t>คลิกเพื่อแก้ไขสไตล์ของข้อความต้นแบบ</a:t>
+            </a:r>
+          </a:p>
+        </p:txBody>
+      </p:sp>
+      <p:sp>
+        <p:nvSpPr>
+          <p:cNvPr id="7" name="Date Placeholder 4"/>
+          <p:cNvSpPr>
+            <a:spLocks noGrp="1"/>
+          </p:cNvSpPr>
+          <p:nvPr>
+            <p:ph type="dt" sz="half" idx="10"/>
+          </p:nvPr>
+        </p:nvSpPr>
+        <p:spPr/>
+        <p:txBody>
+          <a:bodyPr/>
+          <a:lstStyle/>
+          <a:p>
+            <a:fld id="{FB84A11E-6123-4B90-90B0-AE06315B8D87}" type="datetime1">
               <a:rPr lang="en-US" smtClean="0"/>
-              <a:t>Click to edit Master text styles</a:t>
-            </a:r>
-          </a:p>
-        </p:txBody>
-      </p:sp>
-      <p:sp>
-        <p:nvSpPr>
-          <p:cNvPr id="7" name="Date Placeholder 4"/>
-          <p:cNvSpPr>
-            <a:spLocks noGrp="1"/>
-          </p:cNvSpPr>
-          <p:nvPr>
-            <p:ph type="dt" sz="half" idx="10"/>
-          </p:nvPr>
-        </p:nvSpPr>
-        <p:spPr/>
-        <p:txBody>
-          <a:bodyPr/>
-          <a:lstStyle/>
-          <a:p>
-            <a:fld id="{627BBE14-AC11-41D6-AA8E-584176EC560F}" type="datetime1">
-              <a:rPr lang="en-US" smtClean="0"/>
-              <a:t>3/21/2019</a:t>
+              <a:t>3/25/2019</a:t>
             </a:fld>
             <a:endParaRPr lang="en-US" dirty="0"/>
           </a:p>
@@ -8125,19 +7298,20 @@
     </p:spTree>
     <p:extLst>
       <p:ext uri="{BB962C8B-B14F-4D97-AF65-F5344CB8AC3E}">
-        <p14:creationId xmlns:p14="http://schemas.microsoft.com/office/powerpoint/2010/main" val="3428364202"/>
+        <p14:creationId xmlns:p14="http://schemas.microsoft.com/office/powerpoint/2010/main" val="1177018245"/>
       </p:ext>
     </p:extLst>
   </p:cSld>
   <p:clrMapOvr>
     <a:masterClrMapping/>
   </p:clrMapOvr>
+  <p:hf hdr="0" ftr="0" dt="0"/>
 </p:sldLayout>
 </file>
 
 <file path=ppt/slideLayouts/slideLayout9.xml><?xml version="1.0" encoding="utf-8"?>
 <p:sldLayout xmlns:a="http://schemas.openxmlformats.org/drawingml/2006/main" xmlns:r="http://schemas.openxmlformats.org/officeDocument/2006/relationships" xmlns:p="http://schemas.openxmlformats.org/presentationml/2006/main" type="picTx" preserve="1">
-  <p:cSld name="Picture with Caption">
+  <p:cSld name="รูปภาพพร้อมคำอธิบายภาพ">
     <p:spTree>
       <p:nvGrpSpPr>
         <p:cNvPr id="1" name=""/>
@@ -8164,8 +7338,8 @@
         </p:nvSpPr>
         <p:spPr>
           <a:xfrm>
-            <a:off x="865656" y="1854192"/>
-            <a:ext cx="3820674" cy="1574808"/>
+            <a:off x="1153907" y="1854192"/>
+            <a:ext cx="5092906" cy="1574808"/>
           </a:xfrm>
         </p:spPr>
         <p:txBody>
@@ -8179,8 +7353,8 @@
           </a:lstStyle>
           <a:p>
             <a:r>
-              <a:rPr lang="en-US" smtClean="0"/>
-              <a:t>Click to edit Master title style</a:t>
+              <a:rPr lang="th-TH"/>
+              <a:t>คลิกเพื่อแก้ไขสไตล์ชื่อเรื่องต้นแบบ</a:t>
             </a:r>
             <a:endParaRPr lang="en-US" dirty="0"/>
           </a:p>
@@ -8198,8 +7372,8 @@
         </p:nvSpPr>
         <p:spPr>
           <a:xfrm>
-            <a:off x="5213517" y="1143000"/>
-            <a:ext cx="2400925" cy="4572000"/>
+            <a:off x="6949546" y="1143000"/>
+            <a:ext cx="3200400" cy="4572000"/>
           </a:xfrm>
           <a:prstGeom prst="roundRect">
             <a:avLst>
@@ -8258,8 +7432,8 @@
           </a:lstStyle>
           <a:p>
             <a:r>
-              <a:rPr lang="en-US" smtClean="0"/>
-              <a:t>Click icon to add picture</a:t>
+              <a:rPr lang="th-TH"/>
+              <a:t>คลิกไอคอนเพื่อเพิ่มรูปภาพ</a:t>
             </a:r>
             <a:endParaRPr lang="en-US" dirty="0"/>
           </a:p>
@@ -8277,8 +7451,8 @@
         </p:nvSpPr>
         <p:spPr>
           <a:xfrm>
-            <a:off x="866441" y="3657600"/>
-            <a:ext cx="3814728" cy="1371600"/>
+            <a:off x="1154954" y="3657600"/>
+            <a:ext cx="5084979" cy="1371600"/>
           </a:xfrm>
         </p:spPr>
         <p:txBody>
@@ -8326,30 +7500,30 @@
           <a:p>
             <a:pPr lvl="0"/>
             <a:r>
+              <a:rPr lang="th-TH"/>
+              <a:t>คลิกเพื่อแก้ไขสไตล์ของข้อความต้นแบบ</a:t>
+            </a:r>
+          </a:p>
+        </p:txBody>
+      </p:sp>
+      <p:sp>
+        <p:nvSpPr>
+          <p:cNvPr id="5" name="Date Placeholder 4"/>
+          <p:cNvSpPr>
+            <a:spLocks noGrp="1"/>
+          </p:cNvSpPr>
+          <p:nvPr>
+            <p:ph type="dt" sz="half" idx="10"/>
+          </p:nvPr>
+        </p:nvSpPr>
+        <p:spPr/>
+        <p:txBody>
+          <a:bodyPr/>
+          <a:lstStyle/>
+          <a:p>
+            <a:fld id="{FB84A11E-6123-4B90-90B0-AE06315B8D87}" type="datetime1">
               <a:rPr lang="en-US" smtClean="0"/>
-              <a:t>Click to edit Master text styles</a:t>
-            </a:r>
-          </a:p>
-        </p:txBody>
-      </p:sp>
-      <p:sp>
-        <p:nvSpPr>
-          <p:cNvPr id="5" name="Date Placeholder 4"/>
-          <p:cNvSpPr>
-            <a:spLocks noGrp="1"/>
-          </p:cNvSpPr>
-          <p:nvPr>
-            <p:ph type="dt" sz="half" idx="10"/>
-          </p:nvPr>
-        </p:nvSpPr>
-        <p:spPr/>
-        <p:txBody>
-          <a:bodyPr/>
-          <a:lstStyle/>
-          <a:p>
-            <a:fld id="{0FD7C698-7AD7-4CE9-8A8E-2D4C9DE065F5}" type="datetime1">
-              <a:rPr lang="en-US" smtClean="0"/>
-              <a:t>3/21/2019</a:t>
+              <a:t>3/25/2019</a:t>
             </a:fld>
             <a:endParaRPr lang="en-US" dirty="0"/>
           </a:p>
@@ -8400,13 +7574,14 @@
     </p:spTree>
     <p:extLst>
       <p:ext uri="{BB962C8B-B14F-4D97-AF65-F5344CB8AC3E}">
-        <p14:creationId xmlns:p14="http://schemas.microsoft.com/office/powerpoint/2010/main" val="1735182188"/>
+        <p14:creationId xmlns:p14="http://schemas.microsoft.com/office/powerpoint/2010/main" val="1507714695"/>
       </p:ext>
     </p:extLst>
   </p:cSld>
   <p:clrMapOvr>
     <a:masterClrMapping/>
   </p:clrMapOvr>
+  <p:hf hdr="0" ftr="0" dt="0"/>
 </p:sldLayout>
 </file>
 
@@ -8414,7 +7589,7 @@
 <p:sldMaster xmlns:a="http://schemas.openxmlformats.org/drawingml/2006/main" xmlns:r="http://schemas.openxmlformats.org/officeDocument/2006/relationships" xmlns:p="http://schemas.openxmlformats.org/presentationml/2006/main">
   <p:cSld>
     <p:bg>
-      <p:bgRef idx="1001">
+      <p:bgRef idx="1003">
         <a:schemeClr val="bg2"/>
       </p:bgRef>
     </p:bg>
@@ -8432,15 +7607,73 @@
           <a:chExt cx="0" cy="0"/>
         </a:xfrm>
       </p:grpSpPr>
-      <p:sp>
-        <p:nvSpPr>
-          <p:cNvPr id="22" name="Oval 21"/>
+      <p:pic>
+        <p:nvPicPr>
+          <p:cNvPr id="8" name="Picture 7"/>
+          <p:cNvPicPr>
+            <a:picLocks noChangeAspect="1"/>
+          </p:cNvPicPr>
+          <p:nvPr/>
+        </p:nvPicPr>
+        <p:blipFill rotWithShape="1">
+          <a:blip r:embed="rId19">
+            <a:extLst>
+              <a:ext uri="{28A0092B-C50C-407E-A947-70E740481C1C}">
+                <a14:useLocalDpi xmlns:a14="http://schemas.microsoft.com/office/drawing/2010/main" val="0"/>
+              </a:ext>
+            </a:extLst>
+          </a:blip>
+          <a:srcRect l="3613"/>
+          <a:stretch/>
+        </p:blipFill>
+        <p:spPr>
+          <a:xfrm>
+            <a:off x="0" y="2669685"/>
+            <a:ext cx="4037012" cy="4188315"/>
+          </a:xfrm>
+          <a:prstGeom prst="rect">
+            <a:avLst/>
+          </a:prstGeom>
+        </p:spPr>
+      </p:pic>
+      <p:pic>
+        <p:nvPicPr>
+          <p:cNvPr id="7" name="Picture 6"/>
+          <p:cNvPicPr>
+            <a:picLocks noChangeAspect="1"/>
+          </p:cNvPicPr>
+          <p:nvPr/>
+        </p:nvPicPr>
+        <p:blipFill rotWithShape="1">
+          <a:blip r:embed="rId20">
+            <a:extLst>
+              <a:ext uri="{28A0092B-C50C-407E-A947-70E740481C1C}">
+                <a14:useLocalDpi xmlns:a14="http://schemas.microsoft.com/office/drawing/2010/main" val="0"/>
+              </a:ext>
+            </a:extLst>
+          </a:blip>
+          <a:srcRect l="35640"/>
+          <a:stretch/>
+        </p:blipFill>
+        <p:spPr>
+          <a:xfrm>
+            <a:off x="0" y="2892347"/>
+            <a:ext cx="1522412" cy="2365453"/>
+          </a:xfrm>
+          <a:prstGeom prst="rect">
+            <a:avLst/>
+          </a:prstGeom>
+        </p:spPr>
+      </p:pic>
+      <p:sp>
+        <p:nvSpPr>
+          <p:cNvPr id="16" name="Oval 15"/>
           <p:cNvSpPr/>
           <p:nvPr/>
         </p:nvSpPr>
         <p:spPr>
           <a:xfrm>
-            <a:off x="6299432" y="1676400"/>
+            <a:off x="8609012" y="1676400"/>
             <a:ext cx="2819400" cy="2819400"/>
           </a:xfrm>
           <a:prstGeom prst="ellipse">
@@ -8495,53 +7728,84 @@
           </a:fontRef>
         </p:style>
       </p:sp>
-      <p:sp>
-        <p:nvSpPr>
-          <p:cNvPr id="23" name="Oval 22"/>
+      <p:pic>
+        <p:nvPicPr>
+          <p:cNvPr id="9" name="Picture 8"/>
+          <p:cNvPicPr>
+            <a:picLocks noChangeAspect="1"/>
+          </p:cNvPicPr>
+          <p:nvPr/>
+        </p:nvPicPr>
+        <p:blipFill rotWithShape="1">
+          <a:blip r:embed="rId21">
+            <a:extLst>
+              <a:ext uri="{28A0092B-C50C-407E-A947-70E740481C1C}">
+                <a14:useLocalDpi xmlns:a14="http://schemas.microsoft.com/office/drawing/2010/main" val="0"/>
+              </a:ext>
+            </a:extLst>
+          </a:blip>
+          <a:srcRect t="28813"/>
+          <a:stretch/>
+        </p:blipFill>
+        <p:spPr>
+          <a:xfrm>
+            <a:off x="7999412" y="0"/>
+            <a:ext cx="1603387" cy="1141407"/>
+          </a:xfrm>
+          <a:prstGeom prst="rect">
+            <a:avLst/>
+          </a:prstGeom>
+        </p:spPr>
+      </p:pic>
+      <p:pic>
+        <p:nvPicPr>
+          <p:cNvPr id="10" name="Picture 9"/>
+          <p:cNvPicPr>
+            <a:picLocks noChangeAspect="1"/>
+          </p:cNvPicPr>
+          <p:nvPr/>
+        </p:nvPicPr>
+        <p:blipFill rotWithShape="1">
+          <a:blip r:embed="rId22">
+            <a:extLst>
+              <a:ext uri="{28A0092B-C50C-407E-A947-70E740481C1C}">
+                <a14:useLocalDpi xmlns:a14="http://schemas.microsoft.com/office/drawing/2010/main" val="0"/>
+              </a:ext>
+            </a:extLst>
+          </a:blip>
+          <a:srcRect b="23320"/>
+          <a:stretch/>
+        </p:blipFill>
+        <p:spPr>
+          <a:xfrm>
+            <a:off x="8609012" y="6096000"/>
+            <a:ext cx="993734" cy="762000"/>
+          </a:xfrm>
+          <a:prstGeom prst="rect">
+            <a:avLst/>
+          </a:prstGeom>
+        </p:spPr>
+      </p:pic>
+      <p:sp>
+        <p:nvSpPr>
+          <p:cNvPr id="14" name="Rectangle 13"/>
           <p:cNvSpPr/>
           <p:nvPr/>
         </p:nvSpPr>
         <p:spPr>
           <a:xfrm>
-            <a:off x="5689832" y="-457200"/>
-            <a:ext cx="1600200" cy="1600200"/>
+            <a:off x="10437812" y="0"/>
+            <a:ext cx="685800" cy="1143000"/>
           </a:xfrm>
-          <a:prstGeom prst="ellipse">
+          <a:prstGeom prst="rect">
             <a:avLst/>
           </a:prstGeom>
-          <a:gradFill flip="none" rotWithShape="1">
-            <a:gsLst>
-              <a:gs pos="0">
-                <a:schemeClr val="bg2">
-                  <a:lumMod val="40000"/>
-                  <a:lumOff val="60000"/>
-                  <a:alpha val="14000"/>
-                </a:schemeClr>
-              </a:gs>
-              <a:gs pos="73000">
-                <a:schemeClr val="bg2">
-                  <a:lumMod val="40000"/>
-                  <a:lumOff val="60000"/>
-                  <a:alpha val="0"/>
-                </a:schemeClr>
-              </a:gs>
-              <a:gs pos="36000">
-                <a:schemeClr val="bg2">
-                  <a:lumMod val="40000"/>
-                  <a:lumOff val="60000"/>
-                  <a:alpha val="7000"/>
-                </a:schemeClr>
-              </a:gs>
-            </a:gsLst>
-            <a:path path="circle">
-              <a:fillToRect l="50000" t="50000" r="50000" b="50000"/>
-            </a:path>
-            <a:tileRect/>
-          </a:gradFill>
+          <a:solidFill>
+            <a:schemeClr val="accent1"/>
+          </a:solidFill>
           <a:ln>
             <a:noFill/>
           </a:ln>
-          <a:effectLst/>
         </p:spPr>
         <p:style>
           <a:lnRef idx="1">
@@ -8560,282 +7824,57 @@
       </p:sp>
       <p:sp>
         <p:nvSpPr>
-          <p:cNvPr id="24" name="Oval 23"/>
-          <p:cNvSpPr/>
-          <p:nvPr/>
+          <p:cNvPr id="2" name="Title Placeholder 1"/>
+          <p:cNvSpPr>
+            <a:spLocks noGrp="1"/>
+          </p:cNvSpPr>
+          <p:nvPr>
+            <p:ph type="title"/>
+          </p:nvPr>
         </p:nvSpPr>
         <p:spPr>
           <a:xfrm>
-            <a:off x="6299432" y="6096000"/>
-            <a:ext cx="990600" cy="990600"/>
-          </a:xfrm>
-          <a:prstGeom prst="ellipse">
-            <a:avLst/>
-          </a:prstGeom>
-          <a:gradFill flip="none" rotWithShape="1">
-            <a:gsLst>
-              <a:gs pos="0">
-                <a:schemeClr val="bg2">
-                  <a:lumMod val="40000"/>
-                  <a:lumOff val="60000"/>
-                  <a:alpha val="14000"/>
-                </a:schemeClr>
-              </a:gs>
-              <a:gs pos="66000">
-                <a:schemeClr val="bg2">
-                  <a:lumMod val="40000"/>
-                  <a:lumOff val="60000"/>
-                  <a:alpha val="0"/>
-                </a:schemeClr>
-              </a:gs>
-              <a:gs pos="36000">
-                <a:schemeClr val="bg2">
-                  <a:lumMod val="40000"/>
-                  <a:lumOff val="60000"/>
-                  <a:alpha val="7000"/>
-                </a:schemeClr>
-              </a:gs>
-            </a:gsLst>
-            <a:path path="circle">
-              <a:fillToRect l="50000" t="50000" r="50000" b="50000"/>
-            </a:path>
-            <a:tileRect/>
-          </a:gradFill>
-          <a:ln>
-            <a:noFill/>
-          </a:ln>
-          <a:effectLst/>
-        </p:spPr>
-        <p:style>
-          <a:lnRef idx="1">
-            <a:schemeClr val="accent1"/>
-          </a:lnRef>
-          <a:fillRef idx="3">
-            <a:schemeClr val="accent1"/>
-          </a:fillRef>
-          <a:effectRef idx="2">
-            <a:schemeClr val="accent1"/>
-          </a:effectRef>
-          <a:fontRef idx="minor">
-            <a:schemeClr val="lt1"/>
-          </a:fontRef>
-        </p:style>
-      </p:sp>
-      <p:sp>
-        <p:nvSpPr>
-          <p:cNvPr id="20" name="Oval 19"/>
-          <p:cNvSpPr/>
-          <p:nvPr/>
-        </p:nvSpPr>
-        <p:spPr>
-          <a:xfrm>
-            <a:off x="-153988" y="2667000"/>
-            <a:ext cx="4191000" cy="4191000"/>
-          </a:xfrm>
-          <a:prstGeom prst="ellipse">
-            <a:avLst/>
-          </a:prstGeom>
-          <a:gradFill flip="none" rotWithShape="1">
-            <a:gsLst>
-              <a:gs pos="0">
-                <a:schemeClr val="bg2">
-                  <a:lumMod val="40000"/>
-                  <a:lumOff val="60000"/>
-                  <a:alpha val="11000"/>
-                </a:schemeClr>
-              </a:gs>
-              <a:gs pos="75000">
-                <a:schemeClr val="bg2">
-                  <a:lumMod val="40000"/>
-                  <a:lumOff val="60000"/>
-                  <a:alpha val="0"/>
-                </a:schemeClr>
-              </a:gs>
-              <a:gs pos="36000">
-                <a:schemeClr val="bg2">
-                  <a:lumMod val="40000"/>
-                  <a:lumOff val="60000"/>
-                  <a:alpha val="10000"/>
-                </a:schemeClr>
-              </a:gs>
-            </a:gsLst>
-            <a:path path="circle">
-              <a:fillToRect l="50000" t="50000" r="50000" b="50000"/>
-            </a:path>
-            <a:tileRect/>
-          </a:gradFill>
-          <a:ln>
-            <a:noFill/>
-          </a:ln>
-          <a:effectLst/>
-        </p:spPr>
-        <p:style>
-          <a:lnRef idx="1">
-            <a:schemeClr val="accent1"/>
-          </a:lnRef>
-          <a:fillRef idx="3">
-            <a:schemeClr val="accent1"/>
-          </a:fillRef>
-          <a:effectRef idx="2">
-            <a:schemeClr val="accent1"/>
-          </a:effectRef>
-          <a:fontRef idx="minor">
-            <a:schemeClr val="lt1"/>
-          </a:fontRef>
-        </p:style>
-      </p:sp>
-      <p:sp>
-        <p:nvSpPr>
-          <p:cNvPr id="21" name="Oval 20"/>
-          <p:cNvSpPr/>
-          <p:nvPr/>
-        </p:nvSpPr>
-        <p:spPr>
-          <a:xfrm>
-            <a:off x="-839788" y="2895600"/>
-            <a:ext cx="2362200" cy="2362200"/>
-          </a:xfrm>
-          <a:prstGeom prst="ellipse">
-            <a:avLst/>
-          </a:prstGeom>
-          <a:gradFill flip="none" rotWithShape="1">
-            <a:gsLst>
-              <a:gs pos="0">
-                <a:schemeClr val="bg2">
-                  <a:lumMod val="40000"/>
-                  <a:lumOff val="60000"/>
-                  <a:alpha val="8000"/>
-                </a:schemeClr>
-              </a:gs>
-              <a:gs pos="72000">
-                <a:schemeClr val="bg2">
-                  <a:lumMod val="40000"/>
-                  <a:lumOff val="60000"/>
-                  <a:alpha val="0"/>
-                </a:schemeClr>
-              </a:gs>
-              <a:gs pos="36000">
-                <a:schemeClr val="bg2">
-                  <a:lumMod val="40000"/>
-                  <a:lumOff val="60000"/>
-                  <a:alpha val="8000"/>
-                </a:schemeClr>
-              </a:gs>
-            </a:gsLst>
-            <a:path path="circle">
-              <a:fillToRect l="50000" t="50000" r="50000" b="50000"/>
-            </a:path>
-            <a:tileRect/>
-          </a:gradFill>
-          <a:ln>
-            <a:noFill/>
-          </a:ln>
-          <a:effectLst/>
-        </p:spPr>
-        <p:style>
-          <a:lnRef idx="1">
-            <a:schemeClr val="accent1"/>
-          </a:lnRef>
-          <a:fillRef idx="3">
-            <a:schemeClr val="accent1"/>
-          </a:fillRef>
-          <a:effectRef idx="2">
-            <a:schemeClr val="accent1"/>
-          </a:effectRef>
-          <a:fontRef idx="minor">
-            <a:schemeClr val="lt1"/>
-          </a:fontRef>
-        </p:style>
-      </p:sp>
-      <p:sp>
-        <p:nvSpPr>
-          <p:cNvPr id="19" name="Rectangle 18"/>
-          <p:cNvSpPr/>
-          <p:nvPr/>
-        </p:nvSpPr>
-        <p:spPr>
-          <a:xfrm>
-            <a:off x="7745644" y="0"/>
-            <a:ext cx="685800" cy="1099458"/>
+            <a:off x="646111" y="452718"/>
+            <a:ext cx="9404723" cy="1400530"/>
           </a:xfrm>
           <a:prstGeom prst="rect">
             <a:avLst/>
           </a:prstGeom>
-          <a:solidFill>
-            <a:schemeClr val="accent1"/>
-          </a:solidFill>
-          <a:ln>
-            <a:noFill/>
-          </a:ln>
-        </p:spPr>
-        <p:style>
-          <a:lnRef idx="1">
-            <a:schemeClr val="accent1"/>
-          </a:lnRef>
-          <a:fillRef idx="3">
-            <a:schemeClr val="accent1"/>
-          </a:fillRef>
-          <a:effectRef idx="2">
-            <a:schemeClr val="accent1"/>
-          </a:effectRef>
-          <a:fontRef idx="minor">
-            <a:schemeClr val="lt1"/>
-          </a:fontRef>
-        </p:style>
-      </p:sp>
-      <p:sp>
-        <p:nvSpPr>
-          <p:cNvPr id="2" name="Title Placeholder 1"/>
-          <p:cNvSpPr>
-            <a:spLocks noGrp="1"/>
-          </p:cNvSpPr>
-          <p:nvPr>
-            <p:ph type="title"/>
+        </p:spPr>
+        <p:txBody>
+          <a:bodyPr vert="horz" lIns="91440" tIns="45720" rIns="91440" bIns="45720" rtlCol="0" anchor="t">
+            <a:noAutofit/>
+          </a:bodyPr>
+          <a:lstStyle/>
+          <a:p>
+            <a:r>
+              <a:rPr lang="th-TH"/>
+              <a:t>คลิกเพื่อแก้ไขสไตล์ชื่อเรื่องต้นแบบ</a:t>
+            </a:r>
+            <a:endParaRPr lang="en-US" dirty="0"/>
+          </a:p>
+        </p:txBody>
+      </p:sp>
+      <p:sp>
+        <p:nvSpPr>
+          <p:cNvPr id="3" name="Text Placeholder 2"/>
+          <p:cNvSpPr>
+            <a:spLocks noGrp="1"/>
+          </p:cNvSpPr>
+          <p:nvPr>
+            <p:ph type="body" idx="1"/>
           </p:nvPr>
         </p:nvSpPr>
         <p:spPr>
           <a:xfrm>
-            <a:off x="484710" y="452718"/>
-            <a:ext cx="7055380" cy="690282"/>
+            <a:off x="1103312" y="2052918"/>
+            <a:ext cx="8946541" cy="4195481"/>
           </a:xfrm>
           <a:prstGeom prst="rect">
             <a:avLst/>
           </a:prstGeom>
         </p:spPr>
         <p:txBody>
-          <a:bodyPr vert="horz" lIns="91440" tIns="45720" rIns="91440" bIns="45720" rtlCol="0" anchor="t">
-            <a:noAutofit/>
-          </a:bodyPr>
-          <a:lstStyle/>
-          <a:p>
-            <a:r>
-              <a:rPr lang="en-US" smtClean="0"/>
-              <a:t>Click to edit Master title style</a:t>
-            </a:r>
-            <a:endParaRPr lang="en-US" dirty="0"/>
-          </a:p>
-        </p:txBody>
-      </p:sp>
-      <p:sp>
-        <p:nvSpPr>
-          <p:cNvPr id="3" name="Text Placeholder 2"/>
-          <p:cNvSpPr>
-            <a:spLocks noGrp="1"/>
-          </p:cNvSpPr>
-          <p:nvPr>
-            <p:ph type="body" idx="1"/>
-          </p:nvPr>
-        </p:nvSpPr>
-        <p:spPr>
-          <a:xfrm>
-            <a:off x="827700" y="1600201"/>
-            <a:ext cx="6711654" cy="4648206"/>
-          </a:xfrm>
-          <a:prstGeom prst="rect">
-            <a:avLst/>
-          </a:prstGeom>
-        </p:spPr>
-        <p:txBody>
           <a:bodyPr vert="horz" lIns="91440" tIns="45720" rIns="91440" bIns="45720" rtlCol="0">
             <a:normAutofit/>
           </a:bodyPr>
@@ -8843,36 +7882,36 @@
           <a:p>
             <a:pPr lvl="0"/>
             <a:r>
-              <a:rPr lang="en-US" dirty="0" smtClean="0"/>
-              <a:t>Click to edit Master text styles</a:t>
+              <a:rPr lang="th-TH"/>
+              <a:t>คลิกเพื่อแก้ไขสไตล์ของข้อความต้นแบบ</a:t>
             </a:r>
           </a:p>
           <a:p>
             <a:pPr lvl="1"/>
             <a:r>
-              <a:rPr lang="en-US" dirty="0" smtClean="0"/>
-              <a:t>Second level</a:t>
+              <a:rPr lang="th-TH"/>
+              <a:t>ระดับที่สอง</a:t>
             </a:r>
           </a:p>
           <a:p>
             <a:pPr lvl="2"/>
             <a:r>
-              <a:rPr lang="en-US" dirty="0" smtClean="0"/>
-              <a:t>Third level</a:t>
+              <a:rPr lang="th-TH"/>
+              <a:t>ระดับที่สาม</a:t>
             </a:r>
           </a:p>
           <a:p>
             <a:pPr lvl="3"/>
             <a:r>
-              <a:rPr lang="en-US" dirty="0" smtClean="0"/>
-              <a:t>Fourth level</a:t>
+              <a:rPr lang="th-TH"/>
+              <a:t>ระดับที่สี่</a:t>
             </a:r>
           </a:p>
           <a:p>
             <a:pPr lvl="4"/>
             <a:r>
-              <a:rPr lang="en-US" dirty="0" smtClean="0"/>
-              <a:t>Fifth level</a:t>
+              <a:rPr lang="th-TH"/>
+              <a:t>ระดับที่ห้า</a:t>
             </a:r>
             <a:endParaRPr lang="en-US" dirty="0"/>
           </a:p>
@@ -8890,8 +7929,8 @@
         </p:nvSpPr>
         <p:spPr>
           <a:xfrm rot="5400000">
-            <a:off x="7494989" y="1828771"/>
-            <a:ext cx="990599" cy="228659"/>
+            <a:off x="10155639" y="1790701"/>
+            <a:ext cx="990599" cy="304799"/>
           </a:xfrm>
           <a:prstGeom prst="rect">
             <a:avLst/>
@@ -8914,7 +7953,7 @@
           <a:p>
             <a:fld id="{FB84A11E-6123-4B90-90B0-AE06315B8D87}" type="datetime1">
               <a:rPr lang="en-US" smtClean="0"/>
-              <a:t>3/21/2019</a:t>
+              <a:t>3/25/2019</a:t>
             </a:fld>
             <a:endParaRPr lang="en-US" dirty="0"/>
           </a:p>
@@ -8932,8 +7971,8 @@
         </p:nvSpPr>
         <p:spPr>
           <a:xfrm rot="5400000">
-            <a:off x="6233335" y="3263371"/>
-            <a:ext cx="3859795" cy="228660"/>
+            <a:off x="8951573" y="3225297"/>
+            <a:ext cx="3859795" cy="304801"/>
           </a:xfrm>
           <a:prstGeom prst="rect">
             <a:avLst/>
@@ -8970,8 +8009,8 @@
         </p:nvSpPr>
         <p:spPr>
           <a:xfrm>
-            <a:off x="7766431" y="295736"/>
-            <a:ext cx="628813" cy="767687"/>
+            <a:off x="10352540" y="295729"/>
+            <a:ext cx="838199" cy="767687"/>
           </a:xfrm>
           <a:prstGeom prst="rect">
             <a:avLst/>
@@ -8981,7 +8020,7 @@
           <a:bodyPr vert="horz" lIns="91440" tIns="45720" rIns="91440" bIns="45720" rtlCol="0" anchor="b"/>
           <a:lstStyle>
             <a:lvl1pPr algn="ctr">
-              <a:defRPr sz="2801" b="0" i="0">
+              <a:defRPr sz="2800" b="0" i="0">
                 <a:solidFill>
                   <a:schemeClr val="tx1">
                     <a:tint val="75000"/>
@@ -9002,39 +8041,30 @@
     </p:spTree>
     <p:extLst>
       <p:ext uri="{BB962C8B-B14F-4D97-AF65-F5344CB8AC3E}">
-        <p14:creationId xmlns:p14="http://schemas.microsoft.com/office/powerpoint/2010/main" val="358665464"/>
+        <p14:creationId xmlns:p14="http://schemas.microsoft.com/office/powerpoint/2010/main" val="1926546480"/>
       </p:ext>
     </p:extLst>
   </p:cSld>
-  <p:clrMap bg1="lt1" tx1="dk1" bg2="lt2" tx2="dk2" accent1="accent1" accent2="accent2" accent3="accent3" accent4="accent4" accent5="accent5" accent6="accent6" hlink="hlink" folHlink="folHlink"/>
+  <p:clrMap bg1="dk1" tx1="lt1" bg2="dk2" tx2="lt2" accent1="accent1" accent2="accent2" accent3="accent3" accent4="accent4" accent5="accent5" accent6="accent6" hlink="hlink" folHlink="folHlink"/>
   <p:sldLayoutIdLst>
-    <p:sldLayoutId id="2147483762" r:id="rId1"/>
-    <p:sldLayoutId id="2147483763" r:id="rId2"/>
-    <p:sldLayoutId id="2147483764" r:id="rId3"/>
-    <p:sldLayoutId id="2147483765" r:id="rId4"/>
-    <p:sldLayoutId id="2147483766" r:id="rId5"/>
-    <p:sldLayoutId id="2147483767" r:id="rId6"/>
-    <p:sldLayoutId id="2147483768" r:id="rId7"/>
-    <p:sldLayoutId id="2147483769" r:id="rId8"/>
-    <p:sldLayoutId id="2147483770" r:id="rId9"/>
-    <p:sldLayoutId id="2147483771" r:id="rId10"/>
-    <p:sldLayoutId id="2147483772" r:id="rId11"/>
-    <p:sldLayoutId id="2147483773" r:id="rId12"/>
-    <p:sldLayoutId id="2147483774" r:id="rId13"/>
-    <p:sldLayoutId id="2147483775" r:id="rId14"/>
-    <p:sldLayoutId id="2147483776" r:id="rId15"/>
-    <p:sldLayoutId id="2147483777" r:id="rId16"/>
-    <p:sldLayoutId id="2147483778" r:id="rId17"/>
-    <p:sldLayoutId id="2147483779" r:id="rId18"/>
-    <p:sldLayoutId id="2147483780" r:id="rId19"/>
+    <p:sldLayoutId id="2147483782" r:id="rId1"/>
+    <p:sldLayoutId id="2147483783" r:id="rId2"/>
+    <p:sldLayoutId id="2147483784" r:id="rId3"/>
+    <p:sldLayoutId id="2147483785" r:id="rId4"/>
+    <p:sldLayoutId id="2147483786" r:id="rId5"/>
+    <p:sldLayoutId id="2147483787" r:id="rId6"/>
+    <p:sldLayoutId id="2147483788" r:id="rId7"/>
+    <p:sldLayoutId id="2147483789" r:id="rId8"/>
+    <p:sldLayoutId id="2147483790" r:id="rId9"/>
+    <p:sldLayoutId id="2147483791" r:id="rId10"/>
+    <p:sldLayoutId id="2147483792" r:id="rId11"/>
+    <p:sldLayoutId id="2147483793" r:id="rId12"/>
+    <p:sldLayoutId id="2147483794" r:id="rId13"/>
+    <p:sldLayoutId id="2147483795" r:id="rId14"/>
+    <p:sldLayoutId id="2147483796" r:id="rId15"/>
+    <p:sldLayoutId id="2147483797" r:id="rId16"/>
+    <p:sldLayoutId id="2147483798" r:id="rId17"/>
   </p:sldLayoutIdLst>
-  <p:timing>
-    <p:tnLst>
-      <p:par>
-        <p:cTn id="1" dur="indefinite" restart="never" nodeType="tmRoot"/>
-      </p:par>
-    </p:tnLst>
-  </p:timing>
   <p:hf hdr="0" ftr="0" dt="0"/>
   <p:txStyles>
     <p:titleStyle>
@@ -9043,7 +8073,7 @@
           <a:spcPct val="0"/>
         </a:spcBef>
         <a:buNone/>
-        <a:defRPr sz="3600" b="0" i="0" kern="1200">
+        <a:defRPr sz="4200" b="0" i="0" kern="1200">
           <a:solidFill>
             <a:schemeClr val="tx2"/>
           </a:solidFill>
@@ -9120,7 +8150,7 @@
         <a:buClr>
           <a:schemeClr val="accent1"/>
         </a:buClr>
-        <a:buSzPct val="60000"/>
+        <a:buSzPct val="80000"/>
         <a:buFont typeface="Wingdings 3" charset="2"/>
         <a:buChar char=""/>
         <a:defRPr sz="2000" b="0" i="0" kern="1200">
@@ -9142,7 +8172,7 @@
         <a:buClr>
           <a:schemeClr val="accent1"/>
         </a:buClr>
-        <a:buSzPct val="60000"/>
+        <a:buSzPct val="80000"/>
         <a:buFont typeface="Wingdings 3" charset="2"/>
         <a:buChar char=""/>
         <a:defRPr sz="1800" b="0" i="0" kern="1200">
@@ -9164,7 +8194,7 @@
         <a:buClr>
           <a:schemeClr val="accent1"/>
         </a:buClr>
-        <a:buSzPct val="60000"/>
+        <a:buSzPct val="80000"/>
         <a:buFont typeface="Wingdings 3" charset="2"/>
         <a:buChar char=""/>
         <a:defRPr sz="1600" b="0" i="0" kern="1200">
@@ -9186,7 +8216,7 @@
         <a:buClr>
           <a:schemeClr val="accent1"/>
         </a:buClr>
-        <a:buSzPct val="60000"/>
+        <a:buSzPct val="80000"/>
         <a:buFont typeface="Wingdings 3" charset="2"/>
         <a:buChar char=""/>
         <a:defRPr sz="1400" b="0" i="0" kern="1200">
@@ -9208,7 +8238,7 @@
         <a:buClr>
           <a:schemeClr val="accent1"/>
         </a:buClr>
-        <a:buSzPct val="60000"/>
+        <a:buSzPct val="80000"/>
         <a:buFont typeface="Wingdings 3" charset="2"/>
         <a:buChar char=""/>
         <a:defRPr sz="1400" b="0" i="0" kern="1200">
@@ -9437,7 +8467,7 @@
         </p:nvSpPr>
         <p:spPr>
           <a:xfrm>
-            <a:off x="866441" y="1447801"/>
+            <a:off x="2390441" y="1447802"/>
             <a:ext cx="6899990" cy="3329581"/>
           </a:xfrm>
         </p:spPr>
@@ -9446,7 +8476,7 @@
           <a:lstStyle/>
           <a:p>
             <a:r>
-              <a:rPr lang="en-US" dirty="0" smtClean="0">
+              <a:rPr lang="en-US" dirty="0">
                 <a:solidFill>
                   <a:schemeClr val="accent6">
                     <a:lumMod val="60000"/>
@@ -9454,35 +8484,15 @@
                   </a:schemeClr>
                 </a:solidFill>
               </a:rPr>
-              <a:t>#</a:t>
-            </a:r>
-            <a:r>
-              <a:rPr lang="en-US" dirty="0" smtClean="0">
-                <a:solidFill>
-                  <a:schemeClr val="accent6">
-                    <a:lumMod val="60000"/>
-                    <a:lumOff val="40000"/>
-                  </a:schemeClr>
-                </a:solidFill>
-              </a:rPr>
-              <a:t>09</a:t>
-            </a:r>
-            <a:r>
-              <a:rPr lang="en-US" dirty="0" smtClean="0"/>
-              <a:t/>
+              <a:t>#09</a:t>
             </a:r>
             <a:br>
-              <a:rPr lang="en-US" dirty="0" smtClean="0"/>
+              <a:rPr lang="en-US" dirty="0"/>
             </a:br>
             <a:r>
-              <a:rPr lang="en-US" dirty="0" smtClean="0"/>
-              <a:t>Web </a:t>
-            </a:r>
-            <a:r>
-              <a:rPr lang="en-US" dirty="0" smtClean="0"/>
-              <a:t>Deployment</a:t>
-            </a:r>
-            <a:endParaRPr lang="en-US" dirty="0"/>
+              <a:rPr lang="en-US" dirty="0"/>
+              <a:t>Web Deployment</a:t>
+            </a:r>
           </a:p>
         </p:txBody>
       </p:sp>
@@ -9498,7 +8508,7 @@
         </p:nvSpPr>
         <p:spPr>
           <a:xfrm>
-            <a:off x="866442" y="4777380"/>
+            <a:off x="2390442" y="4777380"/>
             <a:ext cx="7032958" cy="861420"/>
           </a:xfrm>
         </p:spPr>
@@ -9507,10 +8517,9 @@
           <a:lstStyle/>
           <a:p>
             <a:r>
-              <a:rPr lang="en-US" dirty="0" smtClean="0"/>
+              <a:rPr lang="en-US" dirty="0"/>
               <a:t>Client/Server Computing and Web Technologies</a:t>
             </a:r>
-            <a:endParaRPr lang="en-US" dirty="0"/>
           </a:p>
         </p:txBody>
       </p:sp>
@@ -9547,13 +8556,6 @@
   <p:clrMapOvr>
     <a:masterClrMapping/>
   </p:clrMapOvr>
-  <p:timing>
-    <p:tnLst>
-      <p:par>
-        <p:cTn id="1" dur="indefinite" restart="never" nodeType="tmRoot"/>
-      </p:par>
-    </p:tnLst>
-  </p:timing>
 </p:sld>
 </file>
 
@@ -9590,21 +8592,101 @@
           <a:lstStyle/>
           <a:p>
             <a:r>
-              <a:rPr lang="en-US" dirty="0" smtClean="0"/>
+              <a:rPr lang="en-US" dirty="0"/>
               <a:t>Hypervisor-based Virtualization</a:t>
             </a:r>
+          </a:p>
+        </p:txBody>
+      </p:sp>
+      <p:sp>
+        <p:nvSpPr>
+          <p:cNvPr id="3" name="Content Placeholder 2"/>
+          <p:cNvSpPr>
+            <a:spLocks noGrp="1"/>
+          </p:cNvSpPr>
+          <p:nvPr>
+            <p:ph idx="1"/>
+          </p:nvPr>
+        </p:nvSpPr>
+        <p:spPr/>
+        <p:txBody>
+          <a:bodyPr/>
+          <a:lstStyle/>
+          <a:p>
+            <a:pPr marL="0" indent="0">
+              <a:buNone/>
+            </a:pPr>
+            <a:r>
+              <a:rPr lang="en-US" dirty="0"/>
+              <a:t>One Physical server can contain multiple applications. Each application runs in a virtual machine (VM).</a:t>
+            </a:r>
+          </a:p>
+          <a:p>
+            <a:r>
+              <a:rPr lang="en-US" dirty="0"/>
+              <a:t>Better resource pooling</a:t>
+            </a:r>
+          </a:p>
+          <a:p>
+            <a:pPr lvl="1"/>
+            <a:r>
+              <a:rPr lang="en-US" dirty="0"/>
+              <a:t>One physical machine </a:t>
+            </a:r>
+            <a:br>
+              <a:rPr lang="en-US" dirty="0"/>
+            </a:br>
+            <a:r>
+              <a:rPr lang="en-US" dirty="0"/>
+              <a:t>divided into multiple </a:t>
+            </a:r>
+            <a:br>
+              <a:rPr lang="en-US" dirty="0"/>
+            </a:br>
+            <a:r>
+              <a:rPr lang="en-US" dirty="0"/>
+              <a:t>virtual machines</a:t>
+            </a:r>
+          </a:p>
+          <a:p>
+            <a:r>
+              <a:rPr lang="en-US" dirty="0"/>
+              <a:t>Easier to scale</a:t>
+            </a:r>
+          </a:p>
+          <a:p>
+            <a:r>
+              <a:rPr lang="en-US" dirty="0"/>
+              <a:t>VMs in the cloud</a:t>
+            </a:r>
+          </a:p>
+          <a:p>
+            <a:pPr lvl="1"/>
+            <a:r>
+              <a:rPr lang="en-US" dirty="0"/>
+              <a:t>Rapid elasticity</a:t>
+            </a:r>
+          </a:p>
+          <a:p>
+            <a:pPr lvl="1"/>
+            <a:r>
+              <a:rPr lang="en-US" dirty="0"/>
+              <a:t>Pay as you go model</a:t>
+            </a:r>
+          </a:p>
+          <a:p>
             <a:endParaRPr lang="en-US" dirty="0"/>
           </a:p>
         </p:txBody>
       </p:sp>
       <p:sp>
         <p:nvSpPr>
-          <p:cNvPr id="3" name="Content Placeholder 2"/>
-          <p:cNvSpPr>
-            <a:spLocks noGrp="1"/>
-          </p:cNvSpPr>
-          <p:nvPr>
-            <p:ph idx="1"/>
+          <p:cNvPr id="7" name="Slide Number Placeholder 6"/>
+          <p:cNvSpPr>
+            <a:spLocks noGrp="1"/>
+          </p:cNvSpPr>
+          <p:nvPr>
+            <p:ph type="sldNum" sz="quarter" idx="12"/>
           </p:nvPr>
         </p:nvSpPr>
         <p:spPr/>
@@ -9612,68 +8694,10 @@
           <a:bodyPr/>
           <a:lstStyle/>
           <a:p>
-            <a:pPr marL="0" indent="0">
-              <a:buNone/>
-            </a:pPr>
-            <a:r>
-              <a:rPr lang="en-US" dirty="0" smtClean="0"/>
-              <a:t>One Physical server can contain multiple applications. Each application runs in a virtual machine (VM).</a:t>
-            </a:r>
-          </a:p>
-          <a:p>
-            <a:r>
-              <a:rPr lang="en-US" dirty="0" smtClean="0"/>
-              <a:t>Better resource pooling</a:t>
-            </a:r>
-          </a:p>
-          <a:p>
-            <a:pPr lvl="1"/>
-            <a:r>
-              <a:rPr lang="en-US" dirty="0" smtClean="0"/>
-              <a:t>One physical machine </a:t>
-            </a:r>
-            <a:br>
-              <a:rPr lang="en-US" dirty="0" smtClean="0"/>
-            </a:br>
-            <a:r>
-              <a:rPr lang="en-US" dirty="0" smtClean="0"/>
-              <a:t>divided into multiple </a:t>
-            </a:r>
-            <a:br>
-              <a:rPr lang="en-US" dirty="0" smtClean="0"/>
-            </a:br>
-            <a:r>
-              <a:rPr lang="en-US" dirty="0" smtClean="0"/>
-              <a:t>virtual machines</a:t>
-            </a:r>
-          </a:p>
-          <a:p>
-            <a:r>
-              <a:rPr lang="en-US" dirty="0" smtClean="0"/>
-              <a:t>Easier to scale</a:t>
-            </a:r>
-          </a:p>
-          <a:p>
-            <a:r>
-              <a:rPr lang="en-US" dirty="0" smtClean="0"/>
-              <a:t>VMs in the cloud</a:t>
-            </a:r>
-          </a:p>
-          <a:p>
-            <a:pPr lvl="1"/>
-            <a:r>
-              <a:rPr lang="en-US" dirty="0" smtClean="0"/>
-              <a:t>Rapid elasticity</a:t>
-            </a:r>
-          </a:p>
-          <a:p>
-            <a:pPr lvl="1"/>
-            <a:r>
-              <a:rPr lang="en-US" dirty="0" smtClean="0"/>
-              <a:t>Pay as you go model</a:t>
-            </a:r>
-          </a:p>
-          <a:p>
+            <a:fld id="{D57F1E4F-1CFF-5643-939E-02111984F565}" type="slidenum">
+              <a:rPr lang="en-US" smtClean="0"/>
+              <a:t>10</a:t>
+            </a:fld>
             <a:endParaRPr lang="en-US" dirty="0"/>
           </a:p>
         </p:txBody>
@@ -9694,7 +8718,7 @@
         </p:blipFill>
         <p:spPr>
           <a:xfrm>
-            <a:off x="4497954" y="2662335"/>
+            <a:off x="6021954" y="2662336"/>
             <a:ext cx="4389550" cy="3252787"/>
           </a:xfrm>
           <a:prstGeom prst="rect">
@@ -9725,7 +8749,7 @@
         </p:blipFill>
         <p:spPr bwMode="auto">
           <a:xfrm>
-            <a:off x="597223" y="6186203"/>
+            <a:off x="2121223" y="6186203"/>
             <a:ext cx="1076066" cy="307688"/>
           </a:xfrm>
           <a:prstGeom prst="rect">
@@ -9766,7 +8790,7 @@
         </p:blipFill>
         <p:spPr bwMode="auto">
           <a:xfrm>
-            <a:off x="1903766" y="5868818"/>
+            <a:off x="3427767" y="5868819"/>
             <a:ext cx="942457" cy="942457"/>
           </a:xfrm>
           <a:prstGeom prst="rect">
@@ -9807,7 +8831,7 @@
         </p:blipFill>
         <p:spPr bwMode="auto">
           <a:xfrm>
-            <a:off x="3397878" y="6016118"/>
+            <a:off x="4921879" y="6016119"/>
             <a:ext cx="583183" cy="583183"/>
           </a:xfrm>
           <a:prstGeom prst="rect">
@@ -9825,29 +8849,6 @@
           </a:extLst>
         </p:spPr>
       </p:pic>
-      <p:sp>
-        <p:nvSpPr>
-          <p:cNvPr id="7" name="Slide Number Placeholder 6"/>
-          <p:cNvSpPr>
-            <a:spLocks noGrp="1"/>
-          </p:cNvSpPr>
-          <p:nvPr>
-            <p:ph type="sldNum" sz="quarter" idx="12"/>
-          </p:nvPr>
-        </p:nvSpPr>
-        <p:spPr/>
-        <p:txBody>
-          <a:bodyPr/>
-          <a:lstStyle/>
-          <a:p>
-            <a:fld id="{D57F1E4F-1CFF-5643-939E-02111984F565}" type="slidenum">
-              <a:rPr lang="en-US" smtClean="0"/>
-              <a:t>10</a:t>
-            </a:fld>
-            <a:endParaRPr lang="en-US" dirty="0"/>
-          </a:p>
-        </p:txBody>
-      </p:sp>
     </p:spTree>
     <p:extLst>
       <p:ext uri="{BB962C8B-B14F-4D97-AF65-F5344CB8AC3E}">
@@ -9894,10 +8895,9 @@
           <a:lstStyle/>
           <a:p>
             <a:r>
-              <a:rPr lang="en-US" dirty="0" smtClean="0"/>
+              <a:rPr lang="en-US" dirty="0"/>
               <a:t>Limitations of VMs</a:t>
             </a:r>
-            <a:endParaRPr lang="en-US" dirty="0"/>
           </a:p>
         </p:txBody>
       </p:sp>
@@ -9913,7 +8913,7 @@
         </p:nvSpPr>
         <p:spPr>
           <a:xfrm>
-            <a:off x="827700" y="1600201"/>
+            <a:off x="2351700" y="1600201"/>
             <a:ext cx="7003794" cy="4648206"/>
           </a:xfrm>
         </p:spPr>
@@ -9922,57 +8922,56 @@
           <a:lstStyle/>
           <a:p>
             <a:r>
-              <a:rPr lang="en-US" dirty="0" smtClean="0"/>
+              <a:rPr lang="en-US" dirty="0"/>
               <a:t>Each VM stills requires</a:t>
             </a:r>
           </a:p>
           <a:p>
             <a:pPr lvl="1"/>
             <a:r>
-              <a:rPr lang="en-US" dirty="0" smtClean="0"/>
+              <a:rPr lang="en-US" dirty="0"/>
               <a:t>CPU allocation</a:t>
             </a:r>
           </a:p>
           <a:p>
             <a:pPr lvl="1"/>
             <a:r>
-              <a:rPr lang="en-US" dirty="0" smtClean="0"/>
+              <a:rPr lang="en-US" dirty="0"/>
               <a:t>Storage</a:t>
             </a:r>
           </a:p>
           <a:p>
             <a:pPr lvl="1"/>
             <a:r>
-              <a:rPr lang="en-US" dirty="0" smtClean="0"/>
+              <a:rPr lang="en-US" dirty="0"/>
               <a:t>RAM</a:t>
             </a:r>
           </a:p>
           <a:p>
             <a:pPr lvl="1"/>
             <a:r>
-              <a:rPr lang="en-US" dirty="0" smtClean="0"/>
+              <a:rPr lang="en-US" dirty="0"/>
               <a:t>An entire guest operating system</a:t>
             </a:r>
-            <a:endParaRPr lang="th-TH" dirty="0" smtClean="0"/>
-          </a:p>
-          <a:p>
-            <a:r>
-              <a:rPr lang="en-US" dirty="0" smtClean="0"/>
+            <a:endParaRPr lang="th-TH" dirty="0"/>
+          </a:p>
+          <a:p>
+            <a:r>
+              <a:rPr lang="en-US" dirty="0"/>
               <a:t>The more VMs you run, the more resources you need</a:t>
             </a:r>
           </a:p>
           <a:p>
             <a:r>
-              <a:rPr lang="en-US" dirty="0" smtClean="0"/>
+              <a:rPr lang="en-US" dirty="0"/>
               <a:t>Guest OS means wasted resources</a:t>
             </a:r>
           </a:p>
           <a:p>
             <a:r>
-              <a:rPr lang="en-US" dirty="0" smtClean="0"/>
+              <a:rPr lang="en-US" dirty="0"/>
               <a:t>Application portability not guaranteed</a:t>
             </a:r>
-            <a:endParaRPr lang="en-US" dirty="0"/>
           </a:p>
         </p:txBody>
       </p:sp>
@@ -10045,10 +9044,9 @@
           <a:lstStyle/>
           <a:p>
             <a:r>
-              <a:rPr lang="en-US" dirty="0" smtClean="0"/>
+              <a:rPr lang="en-US" dirty="0"/>
               <a:t>What is container?</a:t>
             </a:r>
-            <a:endParaRPr lang="en-US" dirty="0"/>
           </a:p>
         </p:txBody>
       </p:sp>
@@ -10064,7 +9062,7 @@
         </p:nvSpPr>
         <p:spPr>
           <a:xfrm>
-            <a:off x="477772" y="1594377"/>
+            <a:off x="2001772" y="1594377"/>
             <a:ext cx="2911916" cy="4648206"/>
           </a:xfrm>
         </p:spPr>
@@ -10073,28 +9071,27 @@
           <a:lstStyle/>
           <a:p>
             <a:r>
-              <a:rPr lang="en-US" dirty="0" smtClean="0"/>
+              <a:rPr lang="en-US" dirty="0"/>
               <a:t>Standardized packaging for software and dependencies</a:t>
             </a:r>
           </a:p>
           <a:p>
             <a:r>
-              <a:rPr lang="en-US" dirty="0" smtClean="0"/>
+              <a:rPr lang="en-US" dirty="0"/>
               <a:t>Isolate apps from each other</a:t>
             </a:r>
           </a:p>
           <a:p>
             <a:r>
-              <a:rPr lang="en-US" dirty="0" smtClean="0"/>
+              <a:rPr lang="en-US" dirty="0"/>
               <a:t>Share the same OS kernel</a:t>
             </a:r>
           </a:p>
           <a:p>
             <a:r>
-              <a:rPr lang="en-US" dirty="0" smtClean="0"/>
+              <a:rPr lang="en-US" dirty="0"/>
               <a:t>Works with major Linux and Windows Server</a:t>
             </a:r>
-            <a:endParaRPr lang="en-US" dirty="0"/>
           </a:p>
         </p:txBody>
       </p:sp>
@@ -10144,7 +9141,7 @@
         </p:blipFill>
         <p:spPr bwMode="auto">
           <a:xfrm>
-            <a:off x="3341415" y="2108361"/>
+            <a:off x="4865415" y="2108361"/>
             <a:ext cx="5715000" cy="3810000"/>
           </a:xfrm>
           <a:prstGeom prst="rect">
@@ -10207,7 +9204,7 @@
         </p:blipFill>
         <p:spPr>
           <a:xfrm>
-            <a:off x="152400" y="1654074"/>
+            <a:off x="1676400" y="1654074"/>
             <a:ext cx="8600104" cy="4194276"/>
           </a:xfrm>
           <a:prstGeom prst="rect">
@@ -10235,10 +9232,9 @@
           <a:lstStyle/>
           <a:p>
             <a:r>
-              <a:rPr lang="en-US" sz="3200" dirty="0" smtClean="0"/>
+              <a:rPr lang="en-US" sz="3200" dirty="0"/>
               <a:t>Comparing Containers and VMs</a:t>
             </a:r>
-            <a:endParaRPr lang="en-US" sz="3200" dirty="0"/>
           </a:p>
         </p:txBody>
       </p:sp>
@@ -10703,6 +9699,29 @@
           </a:p>
         </p:txBody>
       </p:sp>
+      <p:sp>
+        <p:nvSpPr>
+          <p:cNvPr id="2" name="Slide Number Placeholder 1"/>
+          <p:cNvSpPr>
+            <a:spLocks noGrp="1"/>
+          </p:cNvSpPr>
+          <p:nvPr>
+            <p:ph type="sldNum" sz="quarter" idx="12"/>
+          </p:nvPr>
+        </p:nvSpPr>
+        <p:spPr/>
+        <p:txBody>
+          <a:bodyPr/>
+          <a:lstStyle/>
+          <a:p>
+            <a:fld id="{D57F1E4F-1CFF-5643-939E-02111984F565}" type="slidenum">
+              <a:rPr lang="en-US" smtClean="0"/>
+              <a:t>16</a:t>
+            </a:fld>
+            <a:endParaRPr lang="en-US" dirty="0"/>
+          </a:p>
+        </p:txBody>
+      </p:sp>
       <p:pic>
         <p:nvPicPr>
           <p:cNvPr id="157" name="Google Shape;157;p30"/>
@@ -10719,7 +9738,7 @@
         </p:blipFill>
         <p:spPr>
           <a:xfrm>
-            <a:off x="1838210" y="2970432"/>
+            <a:off x="3362211" y="2970433"/>
             <a:ext cx="6121311" cy="3587621"/>
           </a:xfrm>
           <a:prstGeom prst="rect">
@@ -10731,29 +9750,6 @@
           </a:ln>
         </p:spPr>
       </p:pic>
-      <p:sp>
-        <p:nvSpPr>
-          <p:cNvPr id="2" name="Slide Number Placeholder 1"/>
-          <p:cNvSpPr>
-            <a:spLocks noGrp="1"/>
-          </p:cNvSpPr>
-          <p:nvPr>
-            <p:ph type="sldNum" sz="quarter" idx="12"/>
-          </p:nvPr>
-        </p:nvSpPr>
-        <p:spPr/>
-        <p:txBody>
-          <a:bodyPr/>
-          <a:lstStyle/>
-          <a:p>
-            <a:fld id="{D57F1E4F-1CFF-5643-939E-02111984F565}" type="slidenum">
-              <a:rPr lang="en-US" smtClean="0"/>
-              <a:t>16</a:t>
-            </a:fld>
-            <a:endParaRPr lang="en-US" dirty="0"/>
-          </a:p>
-        </p:txBody>
-      </p:sp>
     </p:spTree>
     <p:extLst>
       <p:ext uri="{BB962C8B-B14F-4D97-AF65-F5344CB8AC3E}">
@@ -10857,7 +9853,7 @@
         </p:blipFill>
         <p:spPr>
           <a:xfrm>
-            <a:off x="698905" y="1450670"/>
+            <a:off x="2222905" y="1450671"/>
             <a:ext cx="7798608" cy="5243207"/>
           </a:xfrm>
           <a:prstGeom prst="rect">
@@ -10971,7 +9967,7 @@
           </p:nvPr>
         </p:nvGraphicFramePr>
         <p:xfrm>
-          <a:off x="658134" y="1397000"/>
+          <a:off x="2182135" y="1397000"/>
           <a:ext cx="7967511" cy="4479624"/>
         </p:xfrm>
         <a:graphic>
@@ -11010,10 +10006,9 @@
                     <a:lstStyle/>
                     <a:p>
                       <a:r>
-                        <a:rPr lang="en-US" sz="1600" dirty="0" smtClean="0"/>
+                        <a:rPr lang="en-US" sz="1600" dirty="0"/>
                         <a:t>Metric name</a:t>
                       </a:r>
-                      <a:endParaRPr lang="en-US" sz="1600" dirty="0"/>
                     </a:p>
                   </a:txBody>
                   <a:tcPr/>
@@ -11024,10 +10019,9 @@
                     <a:lstStyle/>
                     <a:p>
                       <a:r>
-                        <a:rPr lang="en-US" sz="1600" dirty="0" smtClean="0"/>
+                        <a:rPr lang="en-US" sz="1600" dirty="0"/>
                         <a:t>Type</a:t>
                       </a:r>
-                      <a:endParaRPr lang="en-US" sz="1600" dirty="0"/>
                     </a:p>
                   </a:txBody>
                   <a:tcPr/>
@@ -11038,10 +10032,9 @@
                     <a:lstStyle/>
                     <a:p>
                       <a:r>
-                        <a:rPr lang="en-US" sz="1600" dirty="0" smtClean="0"/>
+                        <a:rPr lang="en-US" sz="1600" dirty="0"/>
                         <a:t>Description</a:t>
                       </a:r>
-                      <a:endParaRPr lang="en-US" sz="1600" dirty="0"/>
                     </a:p>
                   </a:txBody>
                   <a:tcPr/>
@@ -11059,7 +10052,7 @@
                     <a:lstStyle/>
                     <a:p>
                       <a:r>
-                        <a:rPr lang="en-US" sz="1400" dirty="0" err="1" smtClean="0">
+                        <a:rPr lang="en-US" sz="1400" dirty="0" err="1">
                           <a:latin typeface="Consolas" panose="020B0609020204030204" pitchFamily="49" charset="0"/>
                         </a:rPr>
                         <a:t>http_reqs</a:t>
@@ -11077,10 +10070,9 @@
                     <a:lstStyle/>
                     <a:p>
                       <a:r>
-                        <a:rPr lang="en-US" sz="1400" dirty="0" smtClean="0"/>
+                        <a:rPr lang="en-US" sz="1400" dirty="0"/>
                         <a:t>Counter</a:t>
                       </a:r>
-                      <a:endParaRPr lang="en-US" sz="1400" dirty="0"/>
                     </a:p>
                   </a:txBody>
                   <a:tcPr/>
@@ -11091,10 +10083,9 @@
                     <a:lstStyle/>
                     <a:p>
                       <a:r>
-                        <a:rPr lang="en-US" sz="1400" dirty="0" smtClean="0"/>
+                        <a:rPr lang="en-US" sz="1400" dirty="0"/>
                         <a:t>How many HTTP requests has k6 generated, in total.</a:t>
                       </a:r>
-                      <a:endParaRPr lang="en-US" sz="1400" dirty="0"/>
                     </a:p>
                   </a:txBody>
                   <a:tcPr/>
@@ -11112,7 +10103,7 @@
                     <a:lstStyle/>
                     <a:p>
                       <a:r>
-                        <a:rPr lang="en-US" sz="1400" dirty="0" err="1" smtClean="0">
+                        <a:rPr lang="en-US" sz="1400" dirty="0" err="1">
                           <a:latin typeface="Consolas" panose="020B0609020204030204" pitchFamily="49" charset="0"/>
                         </a:rPr>
                         <a:t>http_req_blocked</a:t>
@@ -11130,10 +10121,9 @@
                     <a:lstStyle/>
                     <a:p>
                       <a:r>
-                        <a:rPr lang="en-US" sz="1400" dirty="0" smtClean="0"/>
+                        <a:rPr lang="en-US" sz="1400" dirty="0"/>
                         <a:t>Trend</a:t>
                       </a:r>
-                      <a:endParaRPr lang="en-US" sz="1400" dirty="0"/>
                     </a:p>
                   </a:txBody>
                   <a:tcPr/>
@@ -11144,18 +10134,15 @@
                     <a:lstStyle/>
                     <a:p>
                       <a:r>
-                        <a:rPr lang="en-US" sz="1400" dirty="0" smtClean="0"/>
+                        <a:rPr lang="en-US" sz="1400" dirty="0"/>
                         <a:t>Time spent blocked (waiting for a free TCP connection slot) before initiating request. </a:t>
                       </a:r>
                       <a:r>
-                        <a:rPr lang="en-US" sz="1400" dirty="0" smtClean="0">
+                        <a:rPr lang="en-US" sz="1400" dirty="0">
                           <a:latin typeface="Consolas" panose="020B0609020204030204" pitchFamily="49" charset="0"/>
                         </a:rPr>
                         <a:t>float</a:t>
                       </a:r>
-                      <a:endParaRPr lang="en-US" sz="1400" dirty="0">
-                        <a:latin typeface="Consolas" panose="020B0609020204030204" pitchFamily="49" charset="0"/>
-                      </a:endParaRPr>
                     </a:p>
                   </a:txBody>
                   <a:tcPr/>
@@ -11173,7 +10160,7 @@
                     <a:lstStyle/>
                     <a:p>
                       <a:r>
-                        <a:rPr lang="en-US" sz="1400" dirty="0" err="1" smtClean="0">
+                        <a:rPr lang="en-US" sz="1400" dirty="0" err="1">
                           <a:latin typeface="Consolas" panose="020B0609020204030204" pitchFamily="49" charset="0"/>
                         </a:rPr>
                         <a:t>http_req_waiting</a:t>
@@ -11191,10 +10178,9 @@
                     <a:lstStyle/>
                     <a:p>
                       <a:r>
-                        <a:rPr lang="en-US" sz="1400" dirty="0" smtClean="0"/>
+                        <a:rPr lang="en-US" sz="1400" dirty="0"/>
                         <a:t>Trend</a:t>
                       </a:r>
-                      <a:endParaRPr lang="en-US" sz="1400" dirty="0"/>
                     </a:p>
                   </a:txBody>
                   <a:tcPr/>
@@ -11205,18 +10191,15 @@
                     <a:lstStyle/>
                     <a:p>
                       <a:r>
-                        <a:rPr lang="en-US" sz="1400" dirty="0" smtClean="0"/>
+                        <a:rPr lang="en-US" sz="1400" dirty="0"/>
                         <a:t>Time spent waiting for response from remote host (a.k.a. "time to first byte", or "TTFB"). </a:t>
                       </a:r>
                       <a:r>
-                        <a:rPr lang="en-US" sz="1400" dirty="0" smtClean="0">
+                        <a:rPr lang="en-US" sz="1400" dirty="0">
                           <a:latin typeface="Consolas" panose="020B0609020204030204" pitchFamily="49" charset="0"/>
                         </a:rPr>
                         <a:t>float</a:t>
                       </a:r>
-                      <a:endParaRPr lang="en-US" sz="1400" dirty="0">
-                        <a:latin typeface="Consolas" panose="020B0609020204030204" pitchFamily="49" charset="0"/>
-                      </a:endParaRPr>
                     </a:p>
                   </a:txBody>
                   <a:tcPr/>
@@ -11234,7 +10217,7 @@
                     <a:lstStyle/>
                     <a:p>
                       <a:r>
-                        <a:rPr lang="en-US" sz="1400" dirty="0" err="1" smtClean="0">
+                        <a:rPr lang="en-US" sz="1400" dirty="0" err="1">
                           <a:latin typeface="Consolas" panose="020B0609020204030204" pitchFamily="49" charset="0"/>
                         </a:rPr>
                         <a:t>http_req_duration</a:t>
@@ -11252,10 +10235,9 @@
                     <a:lstStyle/>
                     <a:p>
                       <a:r>
-                        <a:rPr lang="en-US" sz="1400" dirty="0" smtClean="0"/>
+                        <a:rPr lang="en-US" sz="1400" dirty="0"/>
                         <a:t>Trend</a:t>
                       </a:r>
-                      <a:endParaRPr lang="en-US" sz="1400" dirty="0"/>
                     </a:p>
                   </a:txBody>
                   <a:tcPr/>
@@ -11266,52 +10248,49 @@
                     <a:lstStyle/>
                     <a:p>
                       <a:r>
-                        <a:rPr lang="en-US" sz="1400" dirty="0" smtClean="0"/>
+                        <a:rPr lang="en-US" sz="1400" dirty="0"/>
                         <a:t>Total time for the request. It's equal to </a:t>
                       </a:r>
                       <a:r>
-                        <a:rPr lang="en-US" sz="1400" dirty="0" err="1" smtClean="0">
+                        <a:rPr lang="en-US" sz="1400" dirty="0" err="1">
                           <a:latin typeface="Consolas" panose="020B0609020204030204" pitchFamily="49" charset="0"/>
                         </a:rPr>
                         <a:t>http_req_sending</a:t>
                       </a:r>
                       <a:r>
-                        <a:rPr lang="en-US" sz="1400" dirty="0" smtClean="0">
+                        <a:rPr lang="en-US" sz="1400" dirty="0">
                           <a:latin typeface="Consolas" panose="020B0609020204030204" pitchFamily="49" charset="0"/>
                         </a:rPr>
                         <a:t> + </a:t>
                       </a:r>
                       <a:r>
-                        <a:rPr lang="en-US" sz="1400" dirty="0" err="1" smtClean="0">
+                        <a:rPr lang="en-US" sz="1400" dirty="0" err="1">
                           <a:latin typeface="Consolas" panose="020B0609020204030204" pitchFamily="49" charset="0"/>
                         </a:rPr>
                         <a:t>http_req_waiting</a:t>
                       </a:r>
                       <a:r>
-                        <a:rPr lang="en-US" sz="1400" dirty="0" smtClean="0">
+                        <a:rPr lang="en-US" sz="1400" dirty="0">
                           <a:latin typeface="Consolas" panose="020B0609020204030204" pitchFamily="49" charset="0"/>
                         </a:rPr>
                         <a:t> + </a:t>
                       </a:r>
                       <a:r>
-                        <a:rPr lang="en-US" sz="1400" dirty="0" err="1" smtClean="0">
+                        <a:rPr lang="en-US" sz="1400" dirty="0" err="1">
                           <a:latin typeface="Consolas" panose="020B0609020204030204" pitchFamily="49" charset="0"/>
                         </a:rPr>
                         <a:t>http_req_receiving</a:t>
                       </a:r>
                       <a:r>
-                        <a:rPr lang="en-US" sz="1400" dirty="0" smtClean="0"/>
+                        <a:rPr lang="en-US" sz="1400" dirty="0"/>
                         <a:t> (i.e. how long did the remote server take to process the request and respond, without the initial DNS lookup/connection times). </a:t>
                       </a:r>
                       <a:r>
-                        <a:rPr lang="en-US" sz="1400" dirty="0" smtClean="0">
+                        <a:rPr lang="en-US" sz="1400" dirty="0">
                           <a:latin typeface="Consolas" panose="020B0609020204030204" pitchFamily="49" charset="0"/>
                         </a:rPr>
                         <a:t>float</a:t>
                       </a:r>
-                      <a:endParaRPr lang="en-US" sz="1400" dirty="0">
-                        <a:latin typeface="Consolas" panose="020B0609020204030204" pitchFamily="49" charset="0"/>
-                      </a:endParaRPr>
                     </a:p>
                   </a:txBody>
                   <a:tcPr/>
@@ -11334,7 +10313,7 @@
         </p:nvSpPr>
         <p:spPr>
           <a:xfrm>
-            <a:off x="2600571" y="6170054"/>
+            <a:off x="4124571" y="6170055"/>
             <a:ext cx="6162264" cy="307777"/>
           </a:xfrm>
           <a:prstGeom prst="rect">
@@ -11348,12 +10327,8 @@
           <a:lstStyle/>
           <a:p>
             <a:r>
-              <a:rPr lang="en-US" sz="1400" dirty="0" smtClean="0"/>
-              <a:t>See completed list of metrics at https</a:t>
-            </a:r>
-            <a:r>
               <a:rPr lang="en-US" sz="1400" dirty="0"/>
-              <a:t>://docs.k6.io/docs/result-metrics</a:t>
+              <a:t>See completed list of metrics at https://docs.k6.io/docs/result-metrics</a:t>
             </a:r>
           </a:p>
         </p:txBody>
@@ -11898,7 +10873,7 @@
         </p:nvSpPr>
         <p:spPr>
           <a:xfrm>
-            <a:off x="827700" y="1600201"/>
+            <a:off x="2351701" y="1600201"/>
             <a:ext cx="3942323" cy="4648206"/>
           </a:xfrm>
           <a:prstGeom prst="rect">
@@ -11921,7 +10896,7 @@
             <a:endParaRPr sz="1800" dirty="0"/>
           </a:p>
           <a:p>
-            <a:pPr indent="-342900">
+            <a:pPr>
               <a:spcBef>
                 <a:spcPts val="1600"/>
               </a:spcBef>
@@ -11934,7 +10909,7 @@
             <a:endParaRPr sz="1800" dirty="0"/>
           </a:p>
           <a:p>
-            <a:pPr indent="-342900">
+            <a:pPr>
               <a:buSzPts val="1800"/>
             </a:pPr>
             <a:r>
@@ -11944,7 +10919,7 @@
             <a:endParaRPr sz="1800" dirty="0"/>
           </a:p>
           <a:p>
-            <a:pPr indent="-342900">
+            <a:pPr>
               <a:buSzPts val="1800"/>
             </a:pPr>
             <a:r>
@@ -11954,7 +10929,7 @@
             <a:endParaRPr sz="1800" dirty="0"/>
           </a:p>
           <a:p>
-            <a:pPr indent="-342900">
+            <a:pPr>
               <a:buSzPts val="1800"/>
             </a:pPr>
             <a:r>
@@ -11967,6 +10942,29 @@
       </p:sp>
       <p:sp>
         <p:nvSpPr>
+          <p:cNvPr id="2" name="Slide Number Placeholder 1"/>
+          <p:cNvSpPr>
+            <a:spLocks noGrp="1"/>
+          </p:cNvSpPr>
+          <p:nvPr>
+            <p:ph type="sldNum" sz="quarter" idx="12"/>
+          </p:nvPr>
+        </p:nvSpPr>
+        <p:spPr/>
+        <p:txBody>
+          <a:bodyPr/>
+          <a:lstStyle/>
+          <a:p>
+            <a:fld id="{D57F1E4F-1CFF-5643-939E-02111984F565}" type="slidenum">
+              <a:rPr lang="en-US" smtClean="0"/>
+              <a:t>4</a:t>
+            </a:fld>
+            <a:endParaRPr lang="en-US" dirty="0"/>
+          </a:p>
+        </p:txBody>
+      </p:sp>
+      <p:sp>
+        <p:nvSpPr>
           <p:cNvPr id="74" name="Google Shape;74;p16"/>
           <p:cNvSpPr txBox="1">
             <a:spLocks noGrp="1"/>
@@ -11977,7 +10975,7 @@
         </p:nvSpPr>
         <p:spPr>
           <a:xfrm>
-            <a:off x="4394744" y="1600201"/>
+            <a:off x="8191500" y="1600200"/>
             <a:ext cx="4000500" cy="3416300"/>
           </a:xfrm>
           <a:prstGeom prst="rect">
@@ -12000,7 +10998,7 @@
             <a:endParaRPr sz="1800" dirty="0"/>
           </a:p>
           <a:p>
-            <a:pPr indent="-342900">
+            <a:pPr>
               <a:spcBef>
                 <a:spcPts val="1600"/>
               </a:spcBef>
@@ -12013,7 +11011,7 @@
             <a:endParaRPr sz="1800" dirty="0"/>
           </a:p>
           <a:p>
-            <a:pPr indent="-342900">
+            <a:pPr>
               <a:buSzPts val="1800"/>
             </a:pPr>
             <a:r>
@@ -12023,7 +11021,7 @@
             <a:endParaRPr sz="1800" dirty="0"/>
           </a:p>
           <a:p>
-            <a:pPr indent="-342900">
+            <a:pPr>
               <a:buSzPts val="1800"/>
             </a:pPr>
             <a:r>
@@ -12033,7 +11031,7 @@
             <a:endParaRPr sz="1800" dirty="0"/>
           </a:p>
           <a:p>
-            <a:pPr indent="-342900">
+            <a:pPr>
               <a:buSzPts val="1800"/>
             </a:pPr>
             <a:r>
@@ -12043,7 +11041,7 @@
             <a:endParaRPr sz="1800" dirty="0"/>
           </a:p>
           <a:p>
-            <a:pPr indent="-342900">
+            <a:pPr>
               <a:buSzPts val="1800"/>
             </a:pPr>
             <a:r>
@@ -12053,7 +11051,7 @@
             <a:endParaRPr sz="1800" dirty="0"/>
           </a:p>
           <a:p>
-            <a:pPr indent="-342900">
+            <a:pPr>
               <a:buSzPts val="1800"/>
             </a:pPr>
             <a:r>
@@ -12061,29 +11059,6 @@
               <a:t>Use a reverse proxy</a:t>
             </a:r>
             <a:endParaRPr sz="1800" dirty="0"/>
-          </a:p>
-        </p:txBody>
-      </p:sp>
-      <p:sp>
-        <p:nvSpPr>
-          <p:cNvPr id="2" name="Slide Number Placeholder 1"/>
-          <p:cNvSpPr>
-            <a:spLocks noGrp="1"/>
-          </p:cNvSpPr>
-          <p:nvPr>
-            <p:ph type="sldNum" sz="quarter" idx="12"/>
-          </p:nvPr>
-        </p:nvSpPr>
-        <p:spPr/>
-        <p:txBody>
-          <a:bodyPr/>
-          <a:lstStyle/>
-          <a:p>
-            <a:fld id="{D57F1E4F-1CFF-5643-939E-02111984F565}" type="slidenum">
-              <a:rPr lang="en-US" smtClean="0"/>
-              <a:t>4</a:t>
-            </a:fld>
-            <a:endParaRPr lang="en-US" dirty="0"/>
           </a:p>
         </p:txBody>
       </p:sp>
@@ -12158,7 +11133,7 @@
         </p:nvSpPr>
         <p:spPr>
           <a:xfrm>
-            <a:off x="827700" y="1403633"/>
+            <a:off x="2351700" y="1403633"/>
             <a:ext cx="6711654" cy="4844774"/>
           </a:xfrm>
           <a:prstGeom prst="rect">
@@ -12251,13 +11226,36 @@
       </p:sp>
       <p:sp>
         <p:nvSpPr>
+          <p:cNvPr id="2" name="Slide Number Placeholder 1"/>
+          <p:cNvSpPr>
+            <a:spLocks noGrp="1"/>
+          </p:cNvSpPr>
+          <p:nvPr>
+            <p:ph type="sldNum" sz="quarter" idx="12"/>
+          </p:nvPr>
+        </p:nvSpPr>
+        <p:spPr/>
+        <p:txBody>
+          <a:bodyPr/>
+          <a:lstStyle/>
+          <a:p>
+            <a:fld id="{D57F1E4F-1CFF-5643-939E-02111984F565}" type="slidenum">
+              <a:rPr lang="en-US" smtClean="0"/>
+              <a:t>5</a:t>
+            </a:fld>
+            <a:endParaRPr lang="en-US" dirty="0"/>
+          </a:p>
+        </p:txBody>
+      </p:sp>
+      <p:sp>
+        <p:nvSpPr>
           <p:cNvPr id="81" name="Google Shape;81;p17"/>
           <p:cNvSpPr txBox="1"/>
           <p:nvPr/>
         </p:nvSpPr>
         <p:spPr>
           <a:xfrm>
-            <a:off x="5036433" y="5286307"/>
+            <a:off x="6560433" y="5286308"/>
             <a:ext cx="3857126" cy="1166911"/>
           </a:xfrm>
           <a:prstGeom prst="rect">
@@ -12286,16 +11284,10 @@
           </a:p>
           <a:p>
             <a:r>
-              <a:rPr lang="en" dirty="0" smtClean="0">
-                <a:latin typeface="Consolas" panose="020B0609020204030204" pitchFamily="49" charset="0"/>
-              </a:rPr>
-              <a:t>&gt;&gt; </a:t>
-            </a:r>
-            <a:r>
               <a:rPr lang="en" dirty="0">
                 <a:latin typeface="Consolas" panose="020B0609020204030204" pitchFamily="49" charset="0"/>
               </a:rPr>
-              <a:t>pm2 start process.yml</a:t>
+              <a:t>&gt;&gt; pm2 start process.yml</a:t>
             </a:r>
             <a:endParaRPr dirty="0">
               <a:latin typeface="Consolas" panose="020B0609020204030204" pitchFamily="49" charset="0"/>
@@ -12303,43 +11295,14 @@
           </a:p>
           <a:p>
             <a:r>
-              <a:rPr lang="en" dirty="0" smtClean="0">
-                <a:latin typeface="Consolas" panose="020B0609020204030204" pitchFamily="49" charset="0"/>
-              </a:rPr>
-              <a:t>&gt;&gt; </a:t>
-            </a:r>
-            <a:r>
               <a:rPr lang="en" dirty="0">
                 <a:latin typeface="Consolas" panose="020B0609020204030204" pitchFamily="49" charset="0"/>
               </a:rPr>
-              <a:t>pm2 startup</a:t>
+              <a:t>&gt;&gt; pm2 startup</a:t>
             </a:r>
             <a:endParaRPr dirty="0">
               <a:latin typeface="Consolas" panose="020B0609020204030204" pitchFamily="49" charset="0"/>
             </a:endParaRPr>
-          </a:p>
-        </p:txBody>
-      </p:sp>
-      <p:sp>
-        <p:nvSpPr>
-          <p:cNvPr id="2" name="Slide Number Placeholder 1"/>
-          <p:cNvSpPr>
-            <a:spLocks noGrp="1"/>
-          </p:cNvSpPr>
-          <p:nvPr>
-            <p:ph type="sldNum" sz="quarter" idx="12"/>
-          </p:nvPr>
-        </p:nvSpPr>
-        <p:spPr/>
-        <p:txBody>
-          <a:bodyPr/>
-          <a:lstStyle/>
-          <a:p>
-            <a:fld id="{D57F1E4F-1CFF-5643-939E-02111984F565}" type="slidenum">
-              <a:rPr lang="en-US" smtClean="0"/>
-              <a:t>5</a:t>
-            </a:fld>
-            <a:endParaRPr lang="en-US" dirty="0"/>
           </a:p>
         </p:txBody>
       </p:sp>
@@ -12438,6 +11401,29 @@
           </a:p>
         </p:txBody>
       </p:sp>
+      <p:sp>
+        <p:nvSpPr>
+          <p:cNvPr id="2" name="Slide Number Placeholder 1"/>
+          <p:cNvSpPr>
+            <a:spLocks noGrp="1"/>
+          </p:cNvSpPr>
+          <p:nvPr>
+            <p:ph type="sldNum" sz="quarter" idx="12"/>
+          </p:nvPr>
+        </p:nvSpPr>
+        <p:spPr/>
+        <p:txBody>
+          <a:bodyPr/>
+          <a:lstStyle/>
+          <a:p>
+            <a:fld id="{D57F1E4F-1CFF-5643-939E-02111984F565}" type="slidenum">
+              <a:rPr lang="en-US" smtClean="0"/>
+              <a:t>6</a:t>
+            </a:fld>
+            <a:endParaRPr lang="en-US" dirty="0"/>
+          </a:p>
+        </p:txBody>
+      </p:sp>
       <p:pic>
         <p:nvPicPr>
           <p:cNvPr id="88" name="Google Shape;88;p18"/>
@@ -12454,7 +11440,7 @@
         </p:blipFill>
         <p:spPr>
           <a:xfrm>
-            <a:off x="2900525" y="4134375"/>
+            <a:off x="4424525" y="4134375"/>
             <a:ext cx="4000500" cy="1504950"/>
           </a:xfrm>
           <a:prstGeom prst="rect">
@@ -12466,29 +11452,6 @@
           </a:ln>
         </p:spPr>
       </p:pic>
-      <p:sp>
-        <p:nvSpPr>
-          <p:cNvPr id="2" name="Slide Number Placeholder 1"/>
-          <p:cNvSpPr>
-            <a:spLocks noGrp="1"/>
-          </p:cNvSpPr>
-          <p:nvPr>
-            <p:ph type="sldNum" sz="quarter" idx="12"/>
-          </p:nvPr>
-        </p:nvSpPr>
-        <p:spPr/>
-        <p:txBody>
-          <a:bodyPr/>
-          <a:lstStyle/>
-          <a:p>
-            <a:fld id="{D57F1E4F-1CFF-5643-939E-02111984F565}" type="slidenum">
-              <a:rPr lang="en-US" smtClean="0"/>
-              <a:t>6</a:t>
-            </a:fld>
-            <a:endParaRPr lang="en-US" dirty="0"/>
-          </a:p>
-        </p:txBody>
-      </p:sp>
     </p:spTree>
     <p:extLst>
       <p:ext uri="{BB962C8B-B14F-4D97-AF65-F5344CB8AC3E}">
@@ -12649,6 +11612,29 @@
           </a:p>
         </p:txBody>
       </p:sp>
+      <p:sp>
+        <p:nvSpPr>
+          <p:cNvPr id="2" name="Slide Number Placeholder 1"/>
+          <p:cNvSpPr>
+            <a:spLocks noGrp="1"/>
+          </p:cNvSpPr>
+          <p:nvPr>
+            <p:ph type="sldNum" sz="quarter" idx="12"/>
+          </p:nvPr>
+        </p:nvSpPr>
+        <p:spPr/>
+        <p:txBody>
+          <a:bodyPr/>
+          <a:lstStyle/>
+          <a:p>
+            <a:fld id="{D57F1E4F-1CFF-5643-939E-02111984F565}" type="slidenum">
+              <a:rPr lang="en-US" smtClean="0"/>
+              <a:t>7</a:t>
+            </a:fld>
+            <a:endParaRPr lang="en-US" dirty="0"/>
+          </a:p>
+        </p:txBody>
+      </p:sp>
       <p:pic>
         <p:nvPicPr>
           <p:cNvPr id="95" name="Google Shape;95;p19"/>
@@ -12665,7 +11651,7 @@
         </p:blipFill>
         <p:spPr>
           <a:xfrm>
-            <a:off x="5302853" y="1520624"/>
+            <a:off x="6826854" y="1520624"/>
             <a:ext cx="3668175" cy="4323700"/>
           </a:xfrm>
           <a:prstGeom prst="rect">
@@ -12677,29 +11663,6 @@
           </a:ln>
         </p:spPr>
       </p:pic>
-      <p:sp>
-        <p:nvSpPr>
-          <p:cNvPr id="2" name="Slide Number Placeholder 1"/>
-          <p:cNvSpPr>
-            <a:spLocks noGrp="1"/>
-          </p:cNvSpPr>
-          <p:nvPr>
-            <p:ph type="sldNum" sz="quarter" idx="12"/>
-          </p:nvPr>
-        </p:nvSpPr>
-        <p:spPr/>
-        <p:txBody>
-          <a:bodyPr/>
-          <a:lstStyle/>
-          <a:p>
-            <a:fld id="{D57F1E4F-1CFF-5643-939E-02111984F565}" type="slidenum">
-              <a:rPr lang="en-US" smtClean="0"/>
-              <a:t>7</a:t>
-            </a:fld>
-            <a:endParaRPr lang="en-US" dirty="0"/>
-          </a:p>
-        </p:txBody>
-      </p:sp>
     </p:spTree>
     <p:extLst>
       <p:ext uri="{BB962C8B-B14F-4D97-AF65-F5344CB8AC3E}">
@@ -12896,7 +11859,7 @@
           <a:lstStyle/>
           <a:p>
             <a:r>
-              <a:rPr lang="en" dirty="0" smtClean="0"/>
+              <a:rPr lang="en" dirty="0"/>
               <a:t>Depolyment in Dark Ages</a:t>
             </a:r>
             <a:endParaRPr dirty="0"/>
@@ -12922,45 +11885,67 @@
               <a:buNone/>
             </a:pPr>
             <a:r>
-              <a:rPr lang="en-US" dirty="0" smtClean="0"/>
+              <a:rPr lang="en-US" dirty="0"/>
               <a:t>One Application on one physical server</a:t>
             </a:r>
           </a:p>
           <a:p>
             <a:r>
-              <a:rPr lang="en-US" dirty="0" smtClean="0"/>
+              <a:rPr lang="en-US" dirty="0"/>
               <a:t>Slow Deployment times</a:t>
             </a:r>
           </a:p>
           <a:p>
             <a:r>
-              <a:rPr lang="en-US" dirty="0" smtClean="0"/>
+              <a:rPr lang="en-US" dirty="0"/>
               <a:t>Huge costs</a:t>
             </a:r>
           </a:p>
           <a:p>
             <a:r>
-              <a:rPr lang="en-US" dirty="0" smtClean="0"/>
+              <a:rPr lang="en-US" dirty="0"/>
               <a:t>Wasted resources</a:t>
             </a:r>
           </a:p>
           <a:p>
             <a:r>
-              <a:rPr lang="en-US" dirty="0" smtClean="0"/>
+              <a:rPr lang="en-US" dirty="0"/>
               <a:t>Difficult to scale</a:t>
             </a:r>
           </a:p>
           <a:p>
             <a:r>
-              <a:rPr lang="en-US" dirty="0" smtClean="0"/>
+              <a:rPr lang="en-US" dirty="0"/>
               <a:t>Difficult to migrate</a:t>
             </a:r>
           </a:p>
           <a:p>
             <a:r>
-              <a:rPr lang="en-US" dirty="0" smtClean="0"/>
+              <a:rPr lang="en-US" dirty="0"/>
               <a:t>Vendor lock in</a:t>
             </a:r>
+          </a:p>
+        </p:txBody>
+      </p:sp>
+      <p:sp>
+        <p:nvSpPr>
+          <p:cNvPr id="7" name="Slide Number Placeholder 6"/>
+          <p:cNvSpPr>
+            <a:spLocks noGrp="1"/>
+          </p:cNvSpPr>
+          <p:nvPr>
+            <p:ph type="sldNum" sz="quarter" idx="12"/>
+          </p:nvPr>
+        </p:nvSpPr>
+        <p:spPr/>
+        <p:txBody>
+          <a:bodyPr/>
+          <a:lstStyle/>
+          <a:p>
+            <a:fld id="{D57F1E4F-1CFF-5643-939E-02111984F565}" type="slidenum">
+              <a:rPr lang="en-US" smtClean="0"/>
+              <a:t>9</a:t>
+            </a:fld>
             <a:endParaRPr lang="en-US" dirty="0"/>
           </a:p>
         </p:txBody>
@@ -12981,7 +11966,7 @@
         </p:blipFill>
         <p:spPr>
           <a:xfrm>
-            <a:off x="4493616" y="2973353"/>
+            <a:off x="6017616" y="2973354"/>
             <a:ext cx="4225550" cy="2087919"/>
           </a:xfrm>
           <a:prstGeom prst="rect">
@@ -12989,29 +11974,6 @@
           </a:prstGeom>
         </p:spPr>
       </p:pic>
-      <p:sp>
-        <p:nvSpPr>
-          <p:cNvPr id="7" name="Slide Number Placeholder 6"/>
-          <p:cNvSpPr>
-            <a:spLocks noGrp="1"/>
-          </p:cNvSpPr>
-          <p:nvPr>
-            <p:ph type="sldNum" sz="quarter" idx="12"/>
-          </p:nvPr>
-        </p:nvSpPr>
-        <p:spPr/>
-        <p:txBody>
-          <a:bodyPr/>
-          <a:lstStyle/>
-          <a:p>
-            <a:fld id="{D57F1E4F-1CFF-5643-939E-02111984F565}" type="slidenum">
-              <a:rPr lang="en-US" smtClean="0"/>
-              <a:t>9</a:t>
-            </a:fld>
-            <a:endParaRPr lang="en-US" dirty="0"/>
-          </a:p>
-        </p:txBody>
-      </p:sp>
     </p:spTree>
     <p:extLst>
       <p:ext uri="{BB962C8B-B14F-4D97-AF65-F5344CB8AC3E}">
@@ -13026,9 +11988,9 @@
 </file>
 
 <file path=ppt/theme/theme1.xml><?xml version="1.0" encoding="utf-8"?>
-<a:theme xmlns:a="http://schemas.openxmlformats.org/drawingml/2006/main" name="Ion">
+<a:theme xmlns:a="http://schemas.openxmlformats.org/drawingml/2006/main" name="อิออน">
   <a:themeElements>
-    <a:clrScheme name="Green Yellow">
+    <a:clrScheme name="อิออน">
       <a:dk1>
         <a:sysClr val="windowText" lastClr="000000"/>
       </a:dk1>
@@ -13036,37 +11998,37 @@
         <a:sysClr val="window" lastClr="FFFFFF"/>
       </a:lt1>
       <a:dk2>
-        <a:srgbClr val="455F51"/>
+        <a:srgbClr val="0E5580"/>
       </a:dk2>
       <a:lt2>
-        <a:srgbClr val="E2DFCC"/>
+        <a:srgbClr val="EBEBEB"/>
       </a:lt2>
       <a:accent1>
-        <a:srgbClr val="99CB38"/>
+        <a:srgbClr val="ACD433"/>
       </a:accent1>
       <a:accent2>
-        <a:srgbClr val="63A537"/>
+        <a:srgbClr val="E6C133"/>
       </a:accent2>
       <a:accent3>
-        <a:srgbClr val="37A76F"/>
+        <a:srgbClr val="EF7A24"/>
       </a:accent3>
       <a:accent4>
-        <a:srgbClr val="44C1A3"/>
+        <a:srgbClr val="5AA0F5"/>
       </a:accent4>
       <a:accent5>
-        <a:srgbClr val="4EB3CF"/>
+        <a:srgbClr val="75CEEC"/>
       </a:accent5>
       <a:accent6>
-        <a:srgbClr val="51C3F9"/>
+        <a:srgbClr val="65D6A0"/>
       </a:accent6>
       <a:hlink>
-        <a:srgbClr val="EE7B08"/>
+        <a:srgbClr val="C4E46E"/>
       </a:hlink>
       <a:folHlink>
-        <a:srgbClr val="977B2D"/>
+        <a:srgbClr val="BDE0FB"/>
       </a:folHlink>
     </a:clrScheme>
-    <a:fontScheme name="Ion">
+    <a:fontScheme name="อิออน">
       <a:majorFont>
         <a:latin typeface="Century Gothic" panose="020B0502020202020204"/>
         <a:ea typeface=""/>
@@ -13138,7 +12100,7 @@
         <a:font script="Geor" typeface="Sylfaen"/>
       </a:minorFont>
     </a:fontScheme>
-    <a:fmtScheme name="Ion">
+    <a:fmtScheme name="อิออน">
       <a:fillStyleLst>
         <a:solidFill>
           <a:schemeClr val="phClr"/>
@@ -13247,7 +12209,6 @@
             </a:gs>
             <a:gs pos="100000">
               <a:schemeClr val="phClr">
-                <a:tint val="100000"/>
                 <a:shade val="62000"/>
                 <a:hueMod val="100000"/>
                 <a:satMod val="134000"/>
